--- a/COSC4351/TEAM PROJECT DELIVERABLES/TEAMOIES.pptx
+++ b/COSC4351/TEAM PROJECT DELIVERABLES/TEAMOIES.pptx
@@ -5,12 +5,13 @@
     <p:sldMasterId id="2147483732" r:id="rId1"/>
   </p:sldMasterIdLst>
   <p:handoutMasterIdLst>
-    <p:handoutMasterId r:id="rId5"/>
+    <p:handoutMasterId r:id="rId6"/>
   </p:handoutMasterIdLst>
   <p:sldIdLst>
     <p:sldId id="256" r:id="rId2"/>
     <p:sldId id="257" r:id="rId3"/>
-    <p:sldId id="258" r:id="rId4"/>
+    <p:sldId id="259" r:id="rId4"/>
+    <p:sldId id="258" r:id="rId5"/>
   </p:sldIdLst>
   <p:sldSz cx="9144000" cy="6858000" type="screen4x3"/>
   <p:notesSz cx="7023100" cy="9309100"/>
@@ -194,7 +195,7 @@
           <a:p>
             <a:fld id="{21A295EC-C5AF-478A-B6B7-ACF964938DD4}" type="datetimeFigureOut">
               <a:rPr lang="en-US" smtClean="0"/>
-              <a:t>3/10/2015</a:t>
+              <a:t>3/31/2015</a:t>
             </a:fld>
             <a:endParaRPr lang="en-US"/>
           </a:p>
@@ -558,7 +559,7 @@
             <a:fld id="{C7F82005-8F97-448F-A12C-2EE43D7D0751}" type="datetimeFigureOut">
               <a:rPr lang="en-US" smtClean="0"/>
               <a:pPr/>
-              <a:t>3/10/2015</a:t>
+              <a:t>3/31/2015</a:t>
             </a:fld>
             <a:endParaRPr lang="en-US"/>
           </a:p>
@@ -953,7 +954,7 @@
             <a:fld id="{C7F82005-8F97-448F-A12C-2EE43D7D0751}" type="datetimeFigureOut">
               <a:rPr lang="en-US" smtClean="0"/>
               <a:pPr/>
-              <a:t>3/10/2015</a:t>
+              <a:t>3/31/2015</a:t>
             </a:fld>
             <a:endParaRPr lang="en-US"/>
           </a:p>
@@ -1488,7 +1489,7 @@
             <a:fld id="{C7F82005-8F97-448F-A12C-2EE43D7D0751}" type="datetimeFigureOut">
               <a:rPr lang="en-US" smtClean="0"/>
               <a:pPr/>
-              <a:t>3/10/2015</a:t>
+              <a:t>3/31/2015</a:t>
             </a:fld>
             <a:endParaRPr lang="en-US"/>
           </a:p>
@@ -1622,7 +1623,7 @@
             <a:fld id="{C7F82005-8F97-448F-A12C-2EE43D7D0751}" type="datetimeFigureOut">
               <a:rPr lang="en-US" smtClean="0"/>
               <a:pPr/>
-              <a:t>3/10/2015</a:t>
+              <a:t>3/31/2015</a:t>
             </a:fld>
             <a:endParaRPr lang="en-US"/>
           </a:p>
@@ -2167,7 +2168,7 @@
             <a:fld id="{C7F82005-8F97-448F-A12C-2EE43D7D0751}" type="datetimeFigureOut">
               <a:rPr lang="en-US" smtClean="0"/>
               <a:pPr/>
-              <a:t>3/10/2015</a:t>
+              <a:t>3/31/2015</a:t>
             </a:fld>
             <a:endParaRPr lang="en-US"/>
           </a:p>
@@ -2464,7 +2465,7 @@
             <a:fld id="{C7F82005-8F97-448F-A12C-2EE43D7D0751}" type="datetimeFigureOut">
               <a:rPr lang="en-US" smtClean="0"/>
               <a:pPr/>
-              <a:t>3/10/2015</a:t>
+              <a:t>3/31/2015</a:t>
             </a:fld>
             <a:endParaRPr lang="en-US"/>
           </a:p>
@@ -3125,7 +3126,7 @@
             <a:fld id="{C7F82005-8F97-448F-A12C-2EE43D7D0751}" type="datetimeFigureOut">
               <a:rPr lang="en-US" smtClean="0"/>
               <a:pPr/>
-              <a:t>3/10/2015</a:t>
+              <a:t>3/31/2015</a:t>
             </a:fld>
             <a:endParaRPr lang="en-US"/>
           </a:p>
@@ -3563,7 +3564,7 @@
             <a:fld id="{C7F82005-8F97-448F-A12C-2EE43D7D0751}" type="datetimeFigureOut">
               <a:rPr lang="en-US" smtClean="0"/>
               <a:pPr/>
-              <a:t>3/10/2015</a:t>
+              <a:t>3/31/2015</a:t>
             </a:fld>
             <a:endParaRPr lang="en-US"/>
           </a:p>
@@ -3878,7 +3879,7 @@
             <a:fld id="{C7F82005-8F97-448F-A12C-2EE43D7D0751}" type="datetimeFigureOut">
               <a:rPr lang="en-US" smtClean="0"/>
               <a:pPr/>
-              <a:t>3/10/2015</a:t>
+              <a:t>3/31/2015</a:t>
             </a:fld>
             <a:endParaRPr lang="en-US"/>
           </a:p>
@@ -4613,7 +4614,7 @@
             <a:fld id="{C7F82005-8F97-448F-A12C-2EE43D7D0751}" type="datetimeFigureOut">
               <a:rPr lang="en-US" smtClean="0"/>
               <a:pPr/>
-              <a:t>3/10/2015</a:t>
+              <a:t>3/31/2015</a:t>
             </a:fld>
             <a:endParaRPr lang="en-US"/>
           </a:p>
@@ -5279,7 +5280,7 @@
             <a:fld id="{C7F82005-8F97-448F-A12C-2EE43D7D0751}" type="datetimeFigureOut">
               <a:rPr lang="en-US" smtClean="0"/>
               <a:pPr/>
-              <a:t>3/10/2015</a:t>
+              <a:t>3/31/2015</a:t>
             </a:fld>
             <a:endParaRPr lang="en-US"/>
           </a:p>
@@ -5553,7 +5554,7 @@
             <a:fld id="{C7F82005-8F97-448F-A12C-2EE43D7D0751}" type="datetimeFigureOut">
               <a:rPr lang="en-US" smtClean="0"/>
               <a:pPr/>
-              <a:t>3/10/2015</a:t>
+              <a:t>3/31/2015</a:t>
             </a:fld>
             <a:endParaRPr lang="en-US"/>
           </a:p>
@@ -6259,7 +6260,7 @@
                   <a:srgbClr val="FF0000"/>
                 </a:solidFill>
               </a:rPr>
-              <a:t>?</a:t>
+              <a:t>4</a:t>
             </a:r>
             <a:r>
               <a:rPr lang="en-US" sz="3200" b="1" dirty="0" smtClean="0"/>
@@ -6352,11 +6353,7 @@
             </a:br>
             <a:r>
               <a:rPr lang="en-US" sz="3200" dirty="0" smtClean="0"/>
-              <a:t>Spring </a:t>
-            </a:r>
-            <a:r>
-              <a:rPr lang="en-US" sz="3200" dirty="0" smtClean="0"/>
-              <a:t>2015</a:t>
+              <a:t>Spring 2015</a:t>
             </a:r>
             <a:endParaRPr lang="en-US" sz="3200" dirty="0"/>
           </a:p>
@@ -6460,12 +6457,12 @@
               <a:t>TEAM</a:t>
             </a:r>
             <a:r>
-              <a:rPr lang="en-US" sz="3600" b="1" dirty="0" smtClean="0">
+              <a:rPr lang="en-US" sz="3600" b="1" dirty="0">
                 <a:solidFill>
                   <a:srgbClr val="FF0000"/>
                 </a:solidFill>
               </a:rPr>
-              <a:t>?</a:t>
+              <a:t>4</a:t>
             </a:r>
             <a:r>
               <a:rPr lang="en-US" sz="3600" b="1" dirty="0" smtClean="0"/>
@@ -6527,7 +6524,7 @@
               <a:t>VAR </a:t>
             </a:r>
             <a:r>
-              <a:rPr lang="en-US" sz="3600" b="1" dirty="0">
+              <a:rPr lang="en-US" sz="3600" b="1" dirty="0" smtClean="0">
                 <a:solidFill>
                   <a:srgbClr val="FF0000"/>
                 </a:solidFill>
@@ -6535,19 +6532,19 @@
               <a:t>S</a:t>
             </a:r>
             <a:r>
+              <a:rPr lang="en-US" sz="3600" dirty="0" smtClean="0"/>
+              <a:t>ystem </a:t>
+            </a:r>
+            <a:r>
               <a:rPr lang="en-US" sz="3600" dirty="0"/>
-              <a:t>ystem </a:t>
+              <a:t/>
             </a:r>
             <a:br>
               <a:rPr lang="en-US" sz="3600" dirty="0"/>
             </a:br>
             <a:r>
               <a:rPr lang="en-US" dirty="0" smtClean="0"/>
-              <a:t>DATABASE </a:t>
-            </a:r>
-            <a:r>
-              <a:rPr lang="en-US" dirty="0" smtClean="0"/>
-              <a:t>BACK END</a:t>
+              <a:t>DATABASE BACK END</a:t>
             </a:r>
             <a:endParaRPr lang="en-US" dirty="0"/>
           </a:p>
@@ -6584,6 +6581,163 @@
             <a:r>
               <a:rPr lang="en-US" dirty="0" smtClean="0"/>
               <a:t>Please place these as dividers </a:t>
+            </a:r>
+            <a:endParaRPr lang="en-US" dirty="0"/>
+          </a:p>
+        </p:txBody>
+      </p:sp>
+      <p:pic>
+        <p:nvPicPr>
+          <p:cNvPr id="1026" name="Picture 2"/>
+          <p:cNvPicPr>
+            <a:picLocks noChangeAspect="1" noChangeArrowheads="1"/>
+          </p:cNvPicPr>
+          <p:nvPr/>
+        </p:nvPicPr>
+        <p:blipFill>
+          <a:blip r:embed="rId2">
+            <a:extLst>
+              <a:ext uri="{28A0092B-C50C-407E-A947-70E740481C1C}">
+                <a14:useLocalDpi xmlns:a14="http://schemas.microsoft.com/office/drawing/2010/main" val="0"/>
+              </a:ext>
+            </a:extLst>
+          </a:blip>
+          <a:srcRect/>
+          <a:stretch>
+            <a:fillRect/>
+          </a:stretch>
+        </p:blipFill>
+        <p:spPr bwMode="auto">
+          <a:xfrm>
+            <a:off x="457200" y="1676400"/>
+            <a:ext cx="3810866" cy="4457700"/>
+          </a:xfrm>
+          <a:prstGeom prst="rect">
+            <a:avLst/>
+          </a:prstGeom>
+          <a:noFill/>
+          <a:ln>
+            <a:noFill/>
+          </a:ln>
+          <a:extLst>
+            <a:ext uri="{909E8E84-426E-40DD-AFC4-6F175D3DCCD1}">
+              <a14:hiddenFill xmlns:a14="http://schemas.microsoft.com/office/drawing/2010/main">
+                <a:solidFill>
+                  <a:schemeClr val="accent1"/>
+                </a:solidFill>
+              </a14:hiddenFill>
+            </a:ext>
+            <a:ext uri="{91240B29-F687-4F45-9708-019B960494DF}">
+              <a14:hiddenLine xmlns:a14="http://schemas.microsoft.com/office/drawing/2010/main" w="9525">
+                <a:solidFill>
+                  <a:schemeClr val="tx1"/>
+                </a:solidFill>
+                <a:miter lim="800000"/>
+                <a:headEnd/>
+                <a:tailEnd/>
+              </a14:hiddenLine>
+            </a:ext>
+          </a:extLst>
+        </p:spPr>
+      </p:pic>
+      <p:sp>
+        <p:nvSpPr>
+          <p:cNvPr id="4" name="TextBox 3"/>
+          <p:cNvSpPr txBox="1"/>
+          <p:nvPr/>
+        </p:nvSpPr>
+        <p:spPr>
+          <a:xfrm>
+            <a:off x="4702629" y="3200400"/>
+            <a:ext cx="3581400" cy="2308324"/>
+          </a:xfrm>
+          <a:prstGeom prst="rect">
+            <a:avLst/>
+          </a:prstGeom>
+          <a:noFill/>
+        </p:spPr>
+        <p:txBody>
+          <a:bodyPr wrap="square" rtlCol="0">
+            <a:spAutoFit/>
+          </a:bodyPr>
+          <a:lstStyle/>
+          <a:p>
+            <a:r>
+              <a:rPr lang="en-US" b="1" i="1" dirty="0"/>
+              <a:t># of </a:t>
+            </a:r>
+            <a:r>
+              <a:rPr lang="en-US" b="1" i="1" dirty="0" err="1"/>
+              <a:t>Es</a:t>
+            </a:r>
+            <a:r>
+              <a:rPr lang="en-US" b="1" i="1" dirty="0"/>
+              <a:t>:  10</a:t>
+            </a:r>
+            <a:endParaRPr lang="en-US" dirty="0"/>
+          </a:p>
+          <a:p>
+            <a:r>
+              <a:rPr lang="en-US" b="1" i="1" dirty="0"/>
+              <a:t># of </a:t>
+            </a:r>
+            <a:r>
+              <a:rPr lang="en-US" b="1" i="1" dirty="0" err="1"/>
+              <a:t>Rs</a:t>
+            </a:r>
+            <a:r>
+              <a:rPr lang="en-US" b="1" i="1" dirty="0"/>
+              <a:t>:  8</a:t>
+            </a:r>
+            <a:endParaRPr lang="en-US" dirty="0"/>
+          </a:p>
+          <a:p>
+            <a:r>
+              <a:rPr lang="en-US" b="1" i="1" dirty="0"/>
+              <a:t># of Vs:  1</a:t>
+            </a:r>
+            <a:endParaRPr lang="en-US" dirty="0"/>
+          </a:p>
+          <a:p>
+            <a:r>
+              <a:rPr lang="en-US" b="1" i="1" dirty="0"/>
+              <a:t># of </a:t>
+            </a:r>
+            <a:r>
+              <a:rPr lang="en-US" b="1" i="1" dirty="0" err="1"/>
+              <a:t>Ts</a:t>
+            </a:r>
+            <a:r>
+              <a:rPr lang="en-US" b="1" i="1" dirty="0"/>
+              <a:t>:  1</a:t>
+            </a:r>
+            <a:endParaRPr lang="en-US" dirty="0"/>
+          </a:p>
+          <a:p>
+            <a:r>
+              <a:rPr lang="en-US" b="1" i="1" dirty="0"/>
+              <a:t> </a:t>
+            </a:r>
+            <a:endParaRPr lang="en-US" dirty="0"/>
+          </a:p>
+          <a:p>
+            <a:r>
+              <a:rPr lang="en-US" b="1" i="1" dirty="0"/>
+              <a:t># of Ds:  18    </a:t>
+            </a:r>
+            <a:endParaRPr lang="en-US" dirty="0"/>
+          </a:p>
+          <a:p>
+            <a:r>
+              <a:rPr lang="en-US" b="1" i="1" dirty="0"/>
+              <a:t> </a:t>
+            </a:r>
+            <a:endParaRPr lang="en-US" dirty="0"/>
+          </a:p>
+          <a:p>
+            <a:r>
+              <a:rPr lang="en-US" b="1" i="1" dirty="0"/>
+              <a:t># of Cs:  12 </a:t>
             </a:r>
             <a:endParaRPr lang="en-US" dirty="0"/>
           </a:p>
@@ -6631,7 +6785,7 @@
         </p:nvSpPr>
         <p:spPr>
           <a:xfrm>
-            <a:off x="304800" y="762000"/>
+            <a:off x="609600" y="685800"/>
             <a:ext cx="8534400" cy="758952"/>
           </a:xfrm>
         </p:spPr>
@@ -6651,7 +6805,7 @@
                   <a:srgbClr val="FF0000"/>
                 </a:solidFill>
               </a:rPr>
-              <a:t>?</a:t>
+              <a:t>4</a:t>
             </a:r>
             <a:r>
               <a:rPr lang="en-US" sz="3600" b="1" dirty="0" smtClean="0"/>
@@ -6729,11 +6883,7 @@
             </a:br>
             <a:r>
               <a:rPr lang="en-US" dirty="0" smtClean="0"/>
-              <a:t>FRONT </a:t>
-            </a:r>
-            <a:r>
-              <a:rPr lang="en-US" dirty="0" smtClean="0"/>
-              <a:t>END</a:t>
+              <a:t>DATABASE BACK END</a:t>
             </a:r>
             <a:endParaRPr lang="en-US" dirty="0"/>
           </a:p>
@@ -6749,6 +6899,336 @@
             <p:ph sz="quarter" idx="1"/>
           </p:nvPr>
         </p:nvSpPr>
+        <p:spPr/>
+        <p:txBody>
+          <a:bodyPr/>
+          <a:lstStyle/>
+          <a:p>
+            <a:r>
+              <a:rPr lang="en-US" dirty="0" smtClean="0"/>
+              <a:t>Relations…?</a:t>
+            </a:r>
+          </a:p>
+          <a:p>
+            <a:r>
+              <a:rPr lang="en-US" dirty="0" smtClean="0"/>
+              <a:t>1 to 1, Many to 1…?</a:t>
+            </a:r>
+          </a:p>
+          <a:p>
+            <a:r>
+              <a:rPr lang="en-US" dirty="0" smtClean="0"/>
+              <a:t>Picture of ERD…?</a:t>
+            </a:r>
+          </a:p>
+        </p:txBody>
+      </p:sp>
+      <p:pic>
+        <p:nvPicPr>
+          <p:cNvPr id="2050" name="Picture 2"/>
+          <p:cNvPicPr>
+            <a:picLocks noChangeAspect="1" noChangeArrowheads="1"/>
+          </p:cNvPicPr>
+          <p:nvPr/>
+        </p:nvPicPr>
+        <p:blipFill>
+          <a:blip r:embed="rId2">
+            <a:extLst>
+              <a:ext uri="{28A0092B-C50C-407E-A947-70E740481C1C}">
+                <a14:useLocalDpi xmlns:a14="http://schemas.microsoft.com/office/drawing/2010/main" val="0"/>
+              </a:ext>
+            </a:extLst>
+          </a:blip>
+          <a:srcRect/>
+          <a:stretch>
+            <a:fillRect/>
+          </a:stretch>
+        </p:blipFill>
+        <p:spPr bwMode="auto">
+          <a:xfrm>
+            <a:off x="304800" y="1524000"/>
+            <a:ext cx="3733437" cy="4835979"/>
+          </a:xfrm>
+          <a:prstGeom prst="rect">
+            <a:avLst/>
+          </a:prstGeom>
+          <a:noFill/>
+          <a:ln>
+            <a:noFill/>
+          </a:ln>
+          <a:extLst>
+            <a:ext uri="{909E8E84-426E-40DD-AFC4-6F175D3DCCD1}">
+              <a14:hiddenFill xmlns:a14="http://schemas.microsoft.com/office/drawing/2010/main">
+                <a:solidFill>
+                  <a:schemeClr val="accent1"/>
+                </a:solidFill>
+              </a14:hiddenFill>
+            </a:ext>
+            <a:ext uri="{91240B29-F687-4F45-9708-019B960494DF}">
+              <a14:hiddenLine xmlns:a14="http://schemas.microsoft.com/office/drawing/2010/main" w="9525">
+                <a:solidFill>
+                  <a:schemeClr val="tx1"/>
+                </a:solidFill>
+                <a:miter lim="800000"/>
+                <a:headEnd/>
+                <a:tailEnd/>
+              </a14:hiddenLine>
+            </a:ext>
+          </a:extLst>
+        </p:spPr>
+      </p:pic>
+      <p:sp>
+        <p:nvSpPr>
+          <p:cNvPr id="4" name="TextBox 3"/>
+          <p:cNvSpPr txBox="1"/>
+          <p:nvPr/>
+        </p:nvSpPr>
+        <p:spPr>
+          <a:xfrm>
+            <a:off x="4876800" y="2895600"/>
+            <a:ext cx="3124200" cy="2031325"/>
+          </a:xfrm>
+          <a:prstGeom prst="rect">
+            <a:avLst/>
+          </a:prstGeom>
+          <a:noFill/>
+        </p:spPr>
+        <p:txBody>
+          <a:bodyPr wrap="square" rtlCol="0">
+            <a:spAutoFit/>
+          </a:bodyPr>
+          <a:lstStyle/>
+          <a:p>
+            <a:r>
+              <a:rPr lang="en-US" b="1" i="1" dirty="0"/>
+              <a:t>What Data (analysis):</a:t>
+            </a:r>
+            <a:endParaRPr lang="en-US" dirty="0"/>
+          </a:p>
+          <a:p>
+            <a:r>
+              <a:rPr lang="en-US" b="1" i="1" dirty="0"/>
+              <a:t># of </a:t>
+            </a:r>
+            <a:r>
+              <a:rPr lang="en-US" b="1" i="1" dirty="0" err="1"/>
+              <a:t>Es</a:t>
+            </a:r>
+            <a:r>
+              <a:rPr lang="en-US" b="1" i="1" dirty="0"/>
+              <a:t>:  </a:t>
+            </a:r>
+            <a:r>
+              <a:rPr lang="en-US" b="1" i="1" u="sng" dirty="0"/>
+              <a:t>10</a:t>
+            </a:r>
+            <a:endParaRPr lang="en-US" dirty="0"/>
+          </a:p>
+          <a:p>
+            <a:r>
+              <a:rPr lang="en-US" b="1" i="1" dirty="0"/>
+              <a:t># of </a:t>
+            </a:r>
+            <a:r>
+              <a:rPr lang="en-US" b="1" i="1" dirty="0" err="1"/>
+              <a:t>Rs</a:t>
+            </a:r>
+            <a:r>
+              <a:rPr lang="en-US" b="1" i="1" dirty="0"/>
+              <a:t>:  </a:t>
+            </a:r>
+            <a:r>
+              <a:rPr lang="en-US" b="1" i="1" u="sng" dirty="0"/>
+              <a:t>8</a:t>
+            </a:r>
+            <a:endParaRPr lang="en-US" dirty="0"/>
+          </a:p>
+          <a:p>
+            <a:r>
+              <a:rPr lang="en-US" b="1" i="1" dirty="0"/>
+              <a:t> </a:t>
+            </a:r>
+            <a:endParaRPr lang="en-US" dirty="0"/>
+          </a:p>
+          <a:p>
+            <a:r>
+              <a:rPr lang="en-US" b="1" i="1" dirty="0"/>
+              <a:t>HOW Data (design):</a:t>
+            </a:r>
+            <a:endParaRPr lang="en-US" dirty="0"/>
+          </a:p>
+          <a:p>
+            <a:r>
+              <a:rPr lang="en-US" b="1" i="1" dirty="0"/>
+              <a:t># of Relations:  </a:t>
+            </a:r>
+            <a:r>
+              <a:rPr lang="en-US" b="1" i="1" u="sng" dirty="0"/>
+              <a:t>10</a:t>
+            </a:r>
+            <a:endParaRPr lang="en-US" dirty="0"/>
+          </a:p>
+          <a:p>
+            <a:endParaRPr lang="en-US" dirty="0"/>
+          </a:p>
+        </p:txBody>
+      </p:sp>
+    </p:spTree>
+    <p:extLst>
+      <p:ext uri="{BB962C8B-B14F-4D97-AF65-F5344CB8AC3E}">
+        <p14:creationId xmlns:p14="http://schemas.microsoft.com/office/powerpoint/2010/main" val="2526043119"/>
+      </p:ext>
+    </p:extLst>
+  </p:cSld>
+  <p:clrMapOvr>
+    <a:masterClrMapping/>
+  </p:clrMapOvr>
+</p:sld>
+</file>
+
+<file path=ppt/slides/slide4.xml><?xml version="1.0" encoding="utf-8"?>
+<p:sld xmlns:a="http://schemas.openxmlformats.org/drawingml/2006/main" xmlns:r="http://schemas.openxmlformats.org/officeDocument/2006/relationships" xmlns:p="http://schemas.openxmlformats.org/presentationml/2006/main">
+  <p:cSld>
+    <p:spTree>
+      <p:nvGrpSpPr>
+        <p:cNvPr id="1" name=""/>
+        <p:cNvGrpSpPr/>
+        <p:nvPr/>
+      </p:nvGrpSpPr>
+      <p:grpSpPr>
+        <a:xfrm>
+          <a:off x="0" y="0"/>
+          <a:ext cx="0" cy="0"/>
+          <a:chOff x="0" y="0"/>
+          <a:chExt cx="0" cy="0"/>
+        </a:xfrm>
+      </p:grpSpPr>
+      <p:sp>
+        <p:nvSpPr>
+          <p:cNvPr id="2" name="Title 1"/>
+          <p:cNvSpPr>
+            <a:spLocks noGrp="1"/>
+          </p:cNvSpPr>
+          <p:nvPr>
+            <p:ph type="title"/>
+          </p:nvPr>
+        </p:nvSpPr>
+        <p:spPr>
+          <a:xfrm>
+            <a:off x="304800" y="762000"/>
+            <a:ext cx="8534400" cy="758952"/>
+          </a:xfrm>
+        </p:spPr>
+        <p:txBody>
+          <a:bodyPr>
+            <a:normAutofit fontScale="90000"/>
+          </a:bodyPr>
+          <a:lstStyle/>
+          <a:p>
+            <a:r>
+              <a:rPr lang="en-US" sz="3600" b="1" dirty="0" smtClean="0"/>
+              <a:t>TEAM</a:t>
+            </a:r>
+            <a:r>
+              <a:rPr lang="en-US" sz="3600" b="1" dirty="0" smtClean="0">
+                <a:solidFill>
+                  <a:srgbClr val="FF0000"/>
+                </a:solidFill>
+              </a:rPr>
+              <a:t>4</a:t>
+            </a:r>
+            <a:r>
+              <a:rPr lang="en-US" sz="3600" b="1" dirty="0" smtClean="0"/>
+              <a:t>O</a:t>
+            </a:r>
+            <a:r>
+              <a:rPr lang="en-US" sz="3600" b="1" dirty="0" smtClean="0">
+                <a:solidFill>
+                  <a:srgbClr val="FF0000"/>
+                </a:solidFill>
+              </a:rPr>
+              <a:t>IE</a:t>
+            </a:r>
+            <a:r>
+              <a:rPr lang="en-US" sz="3600" b="1" dirty="0" smtClean="0"/>
+              <a:t>S</a:t>
+            </a:r>
+            <a:r>
+              <a:rPr lang="en-US" sz="3600" dirty="0"/>
+              <a:t/>
+            </a:r>
+            <a:br>
+              <a:rPr lang="en-US" sz="3600" dirty="0"/>
+            </a:br>
+            <a:r>
+              <a:rPr lang="en-US" sz="3600" b="1" dirty="0">
+                <a:solidFill>
+                  <a:srgbClr val="FF0000"/>
+                </a:solidFill>
+              </a:rPr>
+              <a:t>O</a:t>
+            </a:r>
+            <a:r>
+              <a:rPr lang="en-US" sz="3600" dirty="0"/>
+              <a:t>nline </a:t>
+            </a:r>
+            <a:r>
+              <a:rPr lang="en-US" sz="3600" b="1" dirty="0">
+                <a:solidFill>
+                  <a:srgbClr val="FF0000"/>
+                </a:solidFill>
+              </a:rPr>
+              <a:t>I</a:t>
+            </a:r>
+            <a:r>
+              <a:rPr lang="en-US" sz="3600" dirty="0"/>
+              <a:t>nternational </a:t>
+            </a:r>
+            <a:r>
+              <a:rPr lang="en-US" sz="3600" b="1" dirty="0">
+                <a:solidFill>
+                  <a:srgbClr val="FF0000"/>
+                </a:solidFill>
+              </a:rPr>
+              <a:t>E</a:t>
+            </a:r>
+            <a:r>
+              <a:rPr lang="en-US" sz="3600" dirty="0"/>
+              <a:t>VAR </a:t>
+            </a:r>
+            <a:r>
+              <a:rPr lang="en-US" sz="3600" b="1" dirty="0">
+                <a:solidFill>
+                  <a:srgbClr val="FF0000"/>
+                </a:solidFill>
+              </a:rPr>
+              <a:t>S</a:t>
+            </a:r>
+            <a:r>
+              <a:rPr lang="en-US" sz="3600" dirty="0"/>
+              <a:t>ystem </a:t>
+            </a:r>
+            <a:br>
+              <a:rPr lang="en-US" sz="3600" dirty="0"/>
+            </a:br>
+            <a:r>
+              <a:rPr lang="en-US" dirty="0" smtClean="0"/>
+              <a:t>FRONT END</a:t>
+            </a:r>
+            <a:endParaRPr lang="en-US" dirty="0"/>
+          </a:p>
+        </p:txBody>
+      </p:sp>
+      <p:sp>
+        <p:nvSpPr>
+          <p:cNvPr id="3" name="Content Placeholder 2"/>
+          <p:cNvSpPr>
+            <a:spLocks noGrp="1"/>
+          </p:cNvSpPr>
+          <p:nvPr>
+            <p:ph sz="quarter" idx="1"/>
+          </p:nvPr>
+        </p:nvSpPr>
         <p:spPr>
           <a:xfrm>
             <a:off x="320040" y="1981200"/>
@@ -6761,11 +7241,7 @@
           <a:p>
             <a:r>
               <a:rPr lang="en-US" dirty="0" smtClean="0"/>
-              <a:t>Added by VH</a:t>
-            </a:r>
-            <a:r>
-              <a:rPr lang="en-US" dirty="0" smtClean="0"/>
-              <a:t>;</a:t>
+              <a:t>Added by VH;</a:t>
             </a:r>
             <a:endParaRPr lang="en-US" dirty="0"/>
           </a:p>

--- a/COSC4351/TEAM PROJECT DELIVERABLES/TEAMOIES.pptx
+++ b/COSC4351/TEAM PROJECT DELIVERABLES/TEAMOIES.pptx
@@ -4,14 +4,26 @@
   <p:sldMasterIdLst>
     <p:sldMasterId id="2147483732" r:id="rId1"/>
   </p:sldMasterIdLst>
+  <p:notesMasterIdLst>
+    <p:notesMasterId r:id="rId15"/>
+  </p:notesMasterIdLst>
   <p:handoutMasterIdLst>
-    <p:handoutMasterId r:id="rId6"/>
+    <p:handoutMasterId r:id="rId16"/>
   </p:handoutMasterIdLst>
   <p:sldIdLst>
     <p:sldId id="256" r:id="rId2"/>
-    <p:sldId id="257" r:id="rId3"/>
-    <p:sldId id="259" r:id="rId4"/>
-    <p:sldId id="258" r:id="rId5"/>
+    <p:sldId id="276" r:id="rId3"/>
+    <p:sldId id="277" r:id="rId4"/>
+    <p:sldId id="280" r:id="rId5"/>
+    <p:sldId id="278" r:id="rId6"/>
+    <p:sldId id="273" r:id="rId7"/>
+    <p:sldId id="279" r:id="rId8"/>
+    <p:sldId id="271" r:id="rId9"/>
+    <p:sldId id="262" r:id="rId10"/>
+    <p:sldId id="263" r:id="rId11"/>
+    <p:sldId id="268" r:id="rId12"/>
+    <p:sldId id="264" r:id="rId13"/>
+    <p:sldId id="281" r:id="rId14"/>
   </p:sldIdLst>
   <p:sldSz cx="9144000" cy="6858000" type="screen4x3"/>
   <p:notesSz cx="7023100" cy="9309100"/>
@@ -110,6 +122,22 @@
       </a:defRPr>
     </a:lvl9pPr>
   </p:defaultTextStyle>
+  <p:extLst>
+    <p:ext uri="{EFAFB233-063F-42B5-8137-9DF3F51BA10A}">
+      <p15:sldGuideLst xmlns:p15="http://schemas.microsoft.com/office/powerpoint/2012/main">
+        <p15:guide id="1" orient="horz" pos="2160">
+          <p15:clr>
+            <a:srgbClr val="A4A3A4"/>
+          </p15:clr>
+        </p15:guide>
+        <p15:guide id="2" pos="2880">
+          <p15:clr>
+            <a:srgbClr val="A4A3A4"/>
+          </p15:clr>
+        </p15:guide>
+      </p15:sldGuideLst>
+    </p:ext>
+  </p:extLst>
 </p:presentation>
 </file>
 
@@ -195,7 +223,7 @@
           <a:p>
             <a:fld id="{21A295EC-C5AF-478A-B6B7-ACF964938DD4}" type="datetimeFigureOut">
               <a:rPr lang="en-US" smtClean="0"/>
-              <a:t>3/31/2015</a:t>
+              <a:t>4/1/2015</a:t>
             </a:fld>
             <a:endParaRPr lang="en-US"/>
           </a:p>
@@ -276,6 +304,440 @@
   </p:cSld>
   <p:clrMap bg1="lt1" tx1="dk1" bg2="lt2" tx2="dk2" accent1="accent1" accent2="accent2" accent3="accent3" accent4="accent4" accent5="accent5" accent6="accent6" hlink="hlink" folHlink="folHlink"/>
 </p:handoutMaster>
+</file>
+
+<file path=ppt/notesMasters/notesMaster1.xml><?xml version="1.0" encoding="utf-8"?>
+<p:notesMaster xmlns:a="http://schemas.openxmlformats.org/drawingml/2006/main" xmlns:r="http://schemas.openxmlformats.org/officeDocument/2006/relationships" xmlns:p="http://schemas.openxmlformats.org/presentationml/2006/main">
+  <p:cSld>
+    <p:bg>
+      <p:bgRef idx="1001">
+        <a:schemeClr val="bg1"/>
+      </p:bgRef>
+    </p:bg>
+    <p:spTree>
+      <p:nvGrpSpPr>
+        <p:cNvPr id="1" name=""/>
+        <p:cNvGrpSpPr/>
+        <p:nvPr/>
+      </p:nvGrpSpPr>
+      <p:grpSpPr>
+        <a:xfrm>
+          <a:off x="0" y="0"/>
+          <a:ext cx="0" cy="0"/>
+          <a:chOff x="0" y="0"/>
+          <a:chExt cx="0" cy="0"/>
+        </a:xfrm>
+      </p:grpSpPr>
+      <p:sp>
+        <p:nvSpPr>
+          <p:cNvPr id="2" name="Header Placeholder 1"/>
+          <p:cNvSpPr>
+            <a:spLocks noGrp="1"/>
+          </p:cNvSpPr>
+          <p:nvPr>
+            <p:ph type="hdr" sz="quarter"/>
+          </p:nvPr>
+        </p:nvSpPr>
+        <p:spPr>
+          <a:xfrm>
+            <a:off x="0" y="0"/>
+            <a:ext cx="3043238" cy="466725"/>
+          </a:xfrm>
+          <a:prstGeom prst="rect">
+            <a:avLst/>
+          </a:prstGeom>
+        </p:spPr>
+        <p:txBody>
+          <a:bodyPr vert="horz" lIns="91440" tIns="45720" rIns="91440" bIns="45720" rtlCol="0"/>
+          <a:lstStyle>
+            <a:lvl1pPr algn="l">
+              <a:defRPr sz="1200"/>
+            </a:lvl1pPr>
+          </a:lstStyle>
+          <a:p>
+            <a:endParaRPr lang="en-US"/>
+          </a:p>
+        </p:txBody>
+      </p:sp>
+      <p:sp>
+        <p:nvSpPr>
+          <p:cNvPr id="3" name="Date Placeholder 2"/>
+          <p:cNvSpPr>
+            <a:spLocks noGrp="1"/>
+          </p:cNvSpPr>
+          <p:nvPr>
+            <p:ph type="dt" idx="1"/>
+          </p:nvPr>
+        </p:nvSpPr>
+        <p:spPr>
+          <a:xfrm>
+            <a:off x="3978275" y="0"/>
+            <a:ext cx="3043238" cy="466725"/>
+          </a:xfrm>
+          <a:prstGeom prst="rect">
+            <a:avLst/>
+          </a:prstGeom>
+        </p:spPr>
+        <p:txBody>
+          <a:bodyPr vert="horz" lIns="91440" tIns="45720" rIns="91440" bIns="45720" rtlCol="0"/>
+          <a:lstStyle>
+            <a:lvl1pPr algn="r">
+              <a:defRPr sz="1200"/>
+            </a:lvl1pPr>
+          </a:lstStyle>
+          <a:p>
+            <a:fld id="{406FD9B3-EE47-4EFE-9E40-6D07AFB63852}" type="datetimeFigureOut">
+              <a:rPr lang="en-US" smtClean="0"/>
+              <a:t>4/1/2015</a:t>
+            </a:fld>
+            <a:endParaRPr lang="en-US"/>
+          </a:p>
+        </p:txBody>
+      </p:sp>
+      <p:sp>
+        <p:nvSpPr>
+          <p:cNvPr id="4" name="Slide Image Placeholder 3"/>
+          <p:cNvSpPr>
+            <a:spLocks noGrp="1" noRot="1" noChangeAspect="1"/>
+          </p:cNvSpPr>
+          <p:nvPr>
+            <p:ph type="sldImg" idx="2"/>
+          </p:nvPr>
+        </p:nvSpPr>
+        <p:spPr>
+          <a:xfrm>
+            <a:off x="1417638" y="1163638"/>
+            <a:ext cx="4187825" cy="3141662"/>
+          </a:xfrm>
+          <a:prstGeom prst="rect">
+            <a:avLst/>
+          </a:prstGeom>
+          <a:noFill/>
+          <a:ln w="12700">
+            <a:solidFill>
+              <a:prstClr val="black"/>
+            </a:solidFill>
+          </a:ln>
+        </p:spPr>
+        <p:txBody>
+          <a:bodyPr vert="horz" lIns="91440" tIns="45720" rIns="91440" bIns="45720" rtlCol="0" anchor="ctr"/>
+          <a:lstStyle/>
+          <a:p>
+            <a:endParaRPr lang="en-US"/>
+          </a:p>
+        </p:txBody>
+      </p:sp>
+      <p:sp>
+        <p:nvSpPr>
+          <p:cNvPr id="5" name="Notes Placeholder 4"/>
+          <p:cNvSpPr>
+            <a:spLocks noGrp="1"/>
+          </p:cNvSpPr>
+          <p:nvPr>
+            <p:ph type="body" sz="quarter" idx="3"/>
+          </p:nvPr>
+        </p:nvSpPr>
+        <p:spPr>
+          <a:xfrm>
+            <a:off x="701675" y="4479925"/>
+            <a:ext cx="5619750" cy="3665538"/>
+          </a:xfrm>
+          <a:prstGeom prst="rect">
+            <a:avLst/>
+          </a:prstGeom>
+        </p:spPr>
+        <p:txBody>
+          <a:bodyPr vert="horz" lIns="91440" tIns="45720" rIns="91440" bIns="45720" rtlCol="0"/>
+          <a:lstStyle/>
+          <a:p>
+            <a:pPr lvl="0"/>
+            <a:r>
+              <a:rPr lang="en-US" smtClean="0"/>
+              <a:t>Click to edit Master text styles</a:t>
+            </a:r>
+          </a:p>
+          <a:p>
+            <a:pPr lvl="1"/>
+            <a:r>
+              <a:rPr lang="en-US" smtClean="0"/>
+              <a:t>Second level</a:t>
+            </a:r>
+          </a:p>
+          <a:p>
+            <a:pPr lvl="2"/>
+            <a:r>
+              <a:rPr lang="en-US" smtClean="0"/>
+              <a:t>Third level</a:t>
+            </a:r>
+          </a:p>
+          <a:p>
+            <a:pPr lvl="3"/>
+            <a:r>
+              <a:rPr lang="en-US" smtClean="0"/>
+              <a:t>Fourth level</a:t>
+            </a:r>
+          </a:p>
+          <a:p>
+            <a:pPr lvl="4"/>
+            <a:r>
+              <a:rPr lang="en-US" smtClean="0"/>
+              <a:t>Fifth level</a:t>
+            </a:r>
+            <a:endParaRPr lang="en-US"/>
+          </a:p>
+        </p:txBody>
+      </p:sp>
+      <p:sp>
+        <p:nvSpPr>
+          <p:cNvPr id="6" name="Footer Placeholder 5"/>
+          <p:cNvSpPr>
+            <a:spLocks noGrp="1"/>
+          </p:cNvSpPr>
+          <p:nvPr>
+            <p:ph type="ftr" sz="quarter" idx="4"/>
+          </p:nvPr>
+        </p:nvSpPr>
+        <p:spPr>
+          <a:xfrm>
+            <a:off x="0" y="8842375"/>
+            <a:ext cx="3043238" cy="466725"/>
+          </a:xfrm>
+          <a:prstGeom prst="rect">
+            <a:avLst/>
+          </a:prstGeom>
+        </p:spPr>
+        <p:txBody>
+          <a:bodyPr vert="horz" lIns="91440" tIns="45720" rIns="91440" bIns="45720" rtlCol="0" anchor="b"/>
+          <a:lstStyle>
+            <a:lvl1pPr algn="l">
+              <a:defRPr sz="1200"/>
+            </a:lvl1pPr>
+          </a:lstStyle>
+          <a:p>
+            <a:endParaRPr lang="en-US"/>
+          </a:p>
+        </p:txBody>
+      </p:sp>
+      <p:sp>
+        <p:nvSpPr>
+          <p:cNvPr id="7" name="Slide Number Placeholder 6"/>
+          <p:cNvSpPr>
+            <a:spLocks noGrp="1"/>
+          </p:cNvSpPr>
+          <p:nvPr>
+            <p:ph type="sldNum" sz="quarter" idx="5"/>
+          </p:nvPr>
+        </p:nvSpPr>
+        <p:spPr>
+          <a:xfrm>
+            <a:off x="3978275" y="8842375"/>
+            <a:ext cx="3043238" cy="466725"/>
+          </a:xfrm>
+          <a:prstGeom prst="rect">
+            <a:avLst/>
+          </a:prstGeom>
+        </p:spPr>
+        <p:txBody>
+          <a:bodyPr vert="horz" lIns="91440" tIns="45720" rIns="91440" bIns="45720" rtlCol="0" anchor="b"/>
+          <a:lstStyle>
+            <a:lvl1pPr algn="r">
+              <a:defRPr sz="1200"/>
+            </a:lvl1pPr>
+          </a:lstStyle>
+          <a:p>
+            <a:fld id="{5E0EE2F8-65C1-4483-90FD-E00AA4521AF6}" type="slidenum">
+              <a:rPr lang="en-US" smtClean="0"/>
+              <a:t>‹#›</a:t>
+            </a:fld>
+            <a:endParaRPr lang="en-US"/>
+          </a:p>
+        </p:txBody>
+      </p:sp>
+    </p:spTree>
+    <p:extLst>
+      <p:ext uri="{BB962C8B-B14F-4D97-AF65-F5344CB8AC3E}">
+        <p14:creationId xmlns:p14="http://schemas.microsoft.com/office/powerpoint/2010/main" val="3977668513"/>
+      </p:ext>
+    </p:extLst>
+  </p:cSld>
+  <p:clrMap bg1="lt1" tx1="dk1" bg2="lt2" tx2="dk2" accent1="accent1" accent2="accent2" accent3="accent3" accent4="accent4" accent5="accent5" accent6="accent6" hlink="hlink" folHlink="folHlink"/>
+  <p:notesStyle>
+    <a:lvl1pPr marL="0" algn="l" defTabSz="914400" rtl="0" eaLnBrk="1" latinLnBrk="0" hangingPunct="1">
+      <a:defRPr sz="1200" kern="1200">
+        <a:solidFill>
+          <a:schemeClr val="tx1"/>
+        </a:solidFill>
+        <a:latin typeface="+mn-lt"/>
+        <a:ea typeface="+mn-ea"/>
+        <a:cs typeface="+mn-cs"/>
+      </a:defRPr>
+    </a:lvl1pPr>
+    <a:lvl2pPr marL="457200" algn="l" defTabSz="914400" rtl="0" eaLnBrk="1" latinLnBrk="0" hangingPunct="1">
+      <a:defRPr sz="1200" kern="1200">
+        <a:solidFill>
+          <a:schemeClr val="tx1"/>
+        </a:solidFill>
+        <a:latin typeface="+mn-lt"/>
+        <a:ea typeface="+mn-ea"/>
+        <a:cs typeface="+mn-cs"/>
+      </a:defRPr>
+    </a:lvl2pPr>
+    <a:lvl3pPr marL="914400" algn="l" defTabSz="914400" rtl="0" eaLnBrk="1" latinLnBrk="0" hangingPunct="1">
+      <a:defRPr sz="1200" kern="1200">
+        <a:solidFill>
+          <a:schemeClr val="tx1"/>
+        </a:solidFill>
+        <a:latin typeface="+mn-lt"/>
+        <a:ea typeface="+mn-ea"/>
+        <a:cs typeface="+mn-cs"/>
+      </a:defRPr>
+    </a:lvl3pPr>
+    <a:lvl4pPr marL="1371600" algn="l" defTabSz="914400" rtl="0" eaLnBrk="1" latinLnBrk="0" hangingPunct="1">
+      <a:defRPr sz="1200" kern="1200">
+        <a:solidFill>
+          <a:schemeClr val="tx1"/>
+        </a:solidFill>
+        <a:latin typeface="+mn-lt"/>
+        <a:ea typeface="+mn-ea"/>
+        <a:cs typeface="+mn-cs"/>
+      </a:defRPr>
+    </a:lvl4pPr>
+    <a:lvl5pPr marL="1828800" algn="l" defTabSz="914400" rtl="0" eaLnBrk="1" latinLnBrk="0" hangingPunct="1">
+      <a:defRPr sz="1200" kern="1200">
+        <a:solidFill>
+          <a:schemeClr val="tx1"/>
+        </a:solidFill>
+        <a:latin typeface="+mn-lt"/>
+        <a:ea typeface="+mn-ea"/>
+        <a:cs typeface="+mn-cs"/>
+      </a:defRPr>
+    </a:lvl5pPr>
+    <a:lvl6pPr marL="2286000" algn="l" defTabSz="914400" rtl="0" eaLnBrk="1" latinLnBrk="0" hangingPunct="1">
+      <a:defRPr sz="1200" kern="1200">
+        <a:solidFill>
+          <a:schemeClr val="tx1"/>
+        </a:solidFill>
+        <a:latin typeface="+mn-lt"/>
+        <a:ea typeface="+mn-ea"/>
+        <a:cs typeface="+mn-cs"/>
+      </a:defRPr>
+    </a:lvl6pPr>
+    <a:lvl7pPr marL="2743200" algn="l" defTabSz="914400" rtl="0" eaLnBrk="1" latinLnBrk="0" hangingPunct="1">
+      <a:defRPr sz="1200" kern="1200">
+        <a:solidFill>
+          <a:schemeClr val="tx1"/>
+        </a:solidFill>
+        <a:latin typeface="+mn-lt"/>
+        <a:ea typeface="+mn-ea"/>
+        <a:cs typeface="+mn-cs"/>
+      </a:defRPr>
+    </a:lvl7pPr>
+    <a:lvl8pPr marL="3200400" algn="l" defTabSz="914400" rtl="0" eaLnBrk="1" latinLnBrk="0" hangingPunct="1">
+      <a:defRPr sz="1200" kern="1200">
+        <a:solidFill>
+          <a:schemeClr val="tx1"/>
+        </a:solidFill>
+        <a:latin typeface="+mn-lt"/>
+        <a:ea typeface="+mn-ea"/>
+        <a:cs typeface="+mn-cs"/>
+      </a:defRPr>
+    </a:lvl8pPr>
+    <a:lvl9pPr marL="3657600" algn="l" defTabSz="914400" rtl="0" eaLnBrk="1" latinLnBrk="0" hangingPunct="1">
+      <a:defRPr sz="1200" kern="1200">
+        <a:solidFill>
+          <a:schemeClr val="tx1"/>
+        </a:solidFill>
+        <a:latin typeface="+mn-lt"/>
+        <a:ea typeface="+mn-ea"/>
+        <a:cs typeface="+mn-cs"/>
+      </a:defRPr>
+    </a:lvl9pPr>
+  </p:notesStyle>
+</p:notesMaster>
+</file>
+
+<file path=ppt/notesSlides/notesSlide1.xml><?xml version="1.0" encoding="utf-8"?>
+<p:notes xmlns:a="http://schemas.openxmlformats.org/drawingml/2006/main" xmlns:r="http://schemas.openxmlformats.org/officeDocument/2006/relationships" xmlns:p="http://schemas.openxmlformats.org/presentationml/2006/main">
+  <p:cSld>
+    <p:spTree>
+      <p:nvGrpSpPr>
+        <p:cNvPr id="1" name=""/>
+        <p:cNvGrpSpPr/>
+        <p:nvPr/>
+      </p:nvGrpSpPr>
+      <p:grpSpPr>
+        <a:xfrm>
+          <a:off x="0" y="0"/>
+          <a:ext cx="0" cy="0"/>
+          <a:chOff x="0" y="0"/>
+          <a:chExt cx="0" cy="0"/>
+        </a:xfrm>
+      </p:grpSpPr>
+      <p:sp>
+        <p:nvSpPr>
+          <p:cNvPr id="2" name="Slide Image Placeholder 1"/>
+          <p:cNvSpPr>
+            <a:spLocks noGrp="1" noRot="1" noChangeAspect="1"/>
+          </p:cNvSpPr>
+          <p:nvPr>
+            <p:ph type="sldImg"/>
+          </p:nvPr>
+        </p:nvSpPr>
+        <p:spPr/>
+      </p:sp>
+      <p:sp>
+        <p:nvSpPr>
+          <p:cNvPr id="3" name="Notes Placeholder 2"/>
+          <p:cNvSpPr>
+            <a:spLocks noGrp="1"/>
+          </p:cNvSpPr>
+          <p:nvPr>
+            <p:ph type="body" idx="1"/>
+          </p:nvPr>
+        </p:nvSpPr>
+        <p:spPr/>
+        <p:txBody>
+          <a:bodyPr/>
+          <a:lstStyle/>
+          <a:p>
+            <a:endParaRPr lang="en-US"/>
+          </a:p>
+        </p:txBody>
+      </p:sp>
+      <p:sp>
+        <p:nvSpPr>
+          <p:cNvPr id="4" name="Slide Number Placeholder 3"/>
+          <p:cNvSpPr>
+            <a:spLocks noGrp="1"/>
+          </p:cNvSpPr>
+          <p:nvPr>
+            <p:ph type="sldNum" sz="quarter" idx="10"/>
+          </p:nvPr>
+        </p:nvSpPr>
+        <p:spPr/>
+        <p:txBody>
+          <a:bodyPr/>
+          <a:lstStyle/>
+          <a:p>
+            <a:fld id="{5E0EE2F8-65C1-4483-90FD-E00AA4521AF6}" type="slidenum">
+              <a:rPr lang="en-US" smtClean="0"/>
+              <a:t>1</a:t>
+            </a:fld>
+            <a:endParaRPr lang="en-US"/>
+          </a:p>
+        </p:txBody>
+      </p:sp>
+    </p:spTree>
+    <p:extLst>
+      <p:ext uri="{BB962C8B-B14F-4D97-AF65-F5344CB8AC3E}">
+        <p14:creationId xmlns:p14="http://schemas.microsoft.com/office/powerpoint/2010/main" val="3417982946"/>
+      </p:ext>
+    </p:extLst>
+  </p:cSld>
+  <p:clrMapOvr>
+    <a:masterClrMapping/>
+  </p:clrMapOvr>
+</p:notes>
 </file>
 
 <file path=ppt/slideLayouts/slideLayout1.xml><?xml version="1.0" encoding="utf-8"?>
@@ -559,7 +1021,7 @@
             <a:fld id="{C7F82005-8F97-448F-A12C-2EE43D7D0751}" type="datetimeFigureOut">
               <a:rPr lang="en-US" smtClean="0"/>
               <a:pPr/>
-              <a:t>3/31/2015</a:t>
+              <a:t>4/1/2015</a:t>
             </a:fld>
             <a:endParaRPr lang="en-US"/>
           </a:p>
@@ -954,7 +1416,7 @@
             <a:fld id="{C7F82005-8F97-448F-A12C-2EE43D7D0751}" type="datetimeFigureOut">
               <a:rPr lang="en-US" smtClean="0"/>
               <a:pPr/>
-              <a:t>3/31/2015</a:t>
+              <a:t>4/1/2015</a:t>
             </a:fld>
             <a:endParaRPr lang="en-US"/>
           </a:p>
@@ -1489,7 +1951,7 @@
             <a:fld id="{C7F82005-8F97-448F-A12C-2EE43D7D0751}" type="datetimeFigureOut">
               <a:rPr lang="en-US" smtClean="0"/>
               <a:pPr/>
-              <a:t>3/31/2015</a:t>
+              <a:t>4/1/2015</a:t>
             </a:fld>
             <a:endParaRPr lang="en-US"/>
           </a:p>
@@ -1623,7 +2085,7 @@
             <a:fld id="{C7F82005-8F97-448F-A12C-2EE43D7D0751}" type="datetimeFigureOut">
               <a:rPr lang="en-US" smtClean="0"/>
               <a:pPr/>
-              <a:t>3/31/2015</a:t>
+              <a:t>4/1/2015</a:t>
             </a:fld>
             <a:endParaRPr lang="en-US"/>
           </a:p>
@@ -1739,6 +2201,13 @@
   <p:clrMapOvr>
     <a:overrideClrMapping bg1="lt1" tx1="dk1" bg2="lt2" tx2="dk2" accent1="accent1" accent2="accent2" accent3="accent3" accent4="accent4" accent5="accent5" accent6="accent6" hlink="hlink" folHlink="folHlink"/>
   </p:clrMapOvr>
+  <p:timing>
+    <p:tnLst>
+      <p:par>
+        <p:cTn id="1" dur="indefinite" restart="never" nodeType="tmRoot"/>
+      </p:par>
+    </p:tnLst>
+  </p:timing>
 </p:sldLayout>
 </file>
 
@@ -2168,7 +2637,7 @@
             <a:fld id="{C7F82005-8F97-448F-A12C-2EE43D7D0751}" type="datetimeFigureOut">
               <a:rPr lang="en-US" smtClean="0"/>
               <a:pPr/>
-              <a:t>3/31/2015</a:t>
+              <a:t>4/1/2015</a:t>
             </a:fld>
             <a:endParaRPr lang="en-US"/>
           </a:p>
@@ -2465,7 +2934,7 @@
             <a:fld id="{C7F82005-8F97-448F-A12C-2EE43D7D0751}" type="datetimeFigureOut">
               <a:rPr lang="en-US" smtClean="0"/>
               <a:pPr/>
-              <a:t>3/31/2015</a:t>
+              <a:t>4/1/2015</a:t>
             </a:fld>
             <a:endParaRPr lang="en-US"/>
           </a:p>
@@ -3126,7 +3595,7 @@
             <a:fld id="{C7F82005-8F97-448F-A12C-2EE43D7D0751}" type="datetimeFigureOut">
               <a:rPr lang="en-US" smtClean="0"/>
               <a:pPr/>
-              <a:t>3/31/2015</a:t>
+              <a:t>4/1/2015</a:t>
             </a:fld>
             <a:endParaRPr lang="en-US"/>
           </a:p>
@@ -3564,7 +4033,7 @@
             <a:fld id="{C7F82005-8F97-448F-A12C-2EE43D7D0751}" type="datetimeFigureOut">
               <a:rPr lang="en-US" smtClean="0"/>
               <a:pPr/>
-              <a:t>3/31/2015</a:t>
+              <a:t>4/1/2015</a:t>
             </a:fld>
             <a:endParaRPr lang="en-US"/>
           </a:p>
@@ -3879,7 +4348,7 @@
             <a:fld id="{C7F82005-8F97-448F-A12C-2EE43D7D0751}" type="datetimeFigureOut">
               <a:rPr lang="en-US" smtClean="0"/>
               <a:pPr/>
-              <a:t>3/31/2015</a:t>
+              <a:t>4/1/2015</a:t>
             </a:fld>
             <a:endParaRPr lang="en-US"/>
           </a:p>
@@ -4614,7 +5083,7 @@
             <a:fld id="{C7F82005-8F97-448F-A12C-2EE43D7D0751}" type="datetimeFigureOut">
               <a:rPr lang="en-US" smtClean="0"/>
               <a:pPr/>
-              <a:t>3/31/2015</a:t>
+              <a:t>4/1/2015</a:t>
             </a:fld>
             <a:endParaRPr lang="en-US"/>
           </a:p>
@@ -5280,7 +5749,7 @@
             <a:fld id="{C7F82005-8F97-448F-A12C-2EE43D7D0751}" type="datetimeFigureOut">
               <a:rPr lang="en-US" smtClean="0"/>
               <a:pPr/>
-              <a:t>3/31/2015</a:t>
+              <a:t>4/1/2015</a:t>
             </a:fld>
             <a:endParaRPr lang="en-US"/>
           </a:p>
@@ -5554,7 +6023,7 @@
             <a:fld id="{C7F82005-8F97-448F-A12C-2EE43D7D0751}" type="datetimeFigureOut">
               <a:rPr lang="en-US" smtClean="0"/>
               <a:pPr/>
-              <a:t>3/31/2015</a:t>
+              <a:t>4/1/2015</a:t>
             </a:fld>
             <a:endParaRPr lang="en-US"/>
           </a:p>
@@ -6240,8 +6709,8 @@
         </p:nvSpPr>
         <p:spPr>
           <a:xfrm>
-            <a:off x="685800" y="-228600"/>
-            <a:ext cx="7772400" cy="2362200"/>
+            <a:off x="152400" y="0"/>
+            <a:ext cx="9144000" cy="2590800"/>
           </a:xfrm>
         </p:spPr>
         <p:txBody>
@@ -6255,7 +6724,7 @@
               <a:t>TEAM</a:t>
             </a:r>
             <a:r>
-              <a:rPr lang="en-US" sz="3200" b="1" dirty="0" smtClean="0">
+              <a:rPr lang="en-US" sz="3200" b="1" dirty="0">
                 <a:solidFill>
                   <a:srgbClr val="FF0000"/>
                 </a:solidFill>
@@ -6331,12 +6800,59 @@
             </a:r>
             <a:r>
               <a:rPr lang="en-US" sz="3200" dirty="0" smtClean="0"/>
-              <a:t>ystem </a:t>
+              <a:t>ystem</a:t>
             </a:r>
             <a:br>
               <a:rPr lang="en-US" sz="3200" dirty="0" smtClean="0"/>
             </a:br>
             <a:r>
+              <a:rPr lang="en-US" altLang="en-US" sz="2000" b="1" dirty="0" smtClean="0">
+                <a:solidFill>
+                  <a:srgbClr val="000000"/>
+                </a:solidFill>
+              </a:rPr>
+              <a:t>(</a:t>
+            </a:r>
+            <a:r>
+              <a:rPr lang="en-US" altLang="en-US" sz="2000" b="1" dirty="0" smtClean="0">
+                <a:solidFill>
+                  <a:srgbClr val="FF0000"/>
+                </a:solidFill>
+              </a:rPr>
+              <a:t>ANONYMIZED </a:t>
+            </a:r>
+            <a:r>
+              <a:rPr lang="en-US" altLang="en-US" sz="2000" b="1" dirty="0" smtClean="0">
+                <a:solidFill>
+                  <a:srgbClr val="000000"/>
+                </a:solidFill>
+              </a:rPr>
+              <a:t>Long </a:t>
+            </a:r>
+            <a:r>
+              <a:rPr lang="en-US" altLang="en-US" sz="2000" b="1" dirty="0">
+                <a:solidFill>
+                  <a:srgbClr val="000000"/>
+                </a:solidFill>
+              </a:rPr>
+              <a:t>Term Follow up </a:t>
+            </a:r>
+            <a:r>
+              <a:rPr lang="en-US" altLang="en-US" sz="2000" b="1" dirty="0" smtClean="0">
+                <a:solidFill>
+                  <a:srgbClr val="000000"/>
+                </a:solidFill>
+              </a:rPr>
+              <a:t>EVAR Database)</a:t>
+            </a:r>
+            <a:r>
+              <a:rPr lang="en-US" sz="3200" dirty="0" smtClean="0"/>
+              <a:t> </a:t>
+            </a:r>
+            <a:br>
+              <a:rPr lang="en-US" sz="3200" dirty="0" smtClean="0"/>
+            </a:br>
+            <a:r>
               <a:rPr lang="en-US" sz="3200" dirty="0" smtClean="0">
                 <a:solidFill>
                   <a:srgbClr val="2323F7"/>
@@ -6361,14 +6877,80 @@
       </p:sp>
       <p:sp>
         <p:nvSpPr>
-          <p:cNvPr id="5" name="TextBox 4"/>
-          <p:cNvSpPr txBox="1"/>
+          <p:cNvPr id="4" name="Title 1"/>
+          <p:cNvSpPr txBox="1">
+            <a:spLocks/>
+          </p:cNvSpPr>
           <p:nvPr/>
         </p:nvSpPr>
         <p:spPr>
           <a:xfrm>
-            <a:off x="1905000" y="2971800"/>
-            <a:ext cx="5957080" cy="369332"/>
+            <a:off x="0" y="2743200"/>
+            <a:ext cx="9144000" cy="533400"/>
+          </a:xfrm>
+          <a:prstGeom prst="rect">
+            <a:avLst/>
+          </a:prstGeom>
+        </p:spPr>
+        <p:txBody>
+          <a:bodyPr vert="horz" anchor="b">
+            <a:normAutofit fontScale="92500" lnSpcReduction="10000"/>
+          </a:bodyPr>
+          <a:lstStyle>
+            <a:lvl1pPr algn="ctr" rtl="0" eaLnBrk="1" latinLnBrk="0" hangingPunct="1">
+              <a:spcBef>
+                <a:spcPct val="0"/>
+              </a:spcBef>
+              <a:buNone/>
+              <a:defRPr kumimoji="0" sz="4200" kern="1200">
+                <a:solidFill>
+                  <a:schemeClr val="accent1"/>
+                </a:solidFill>
+                <a:latin typeface="+mj-lt"/>
+                <a:ea typeface="+mj-ea"/>
+                <a:cs typeface="+mj-cs"/>
+              </a:defRPr>
+            </a:lvl1pPr>
+          </a:lstStyle>
+          <a:p>
+            <a:endParaRPr lang="en-US" sz="3200" dirty="0"/>
+          </a:p>
+        </p:txBody>
+      </p:sp>
+      <p:pic>
+        <p:nvPicPr>
+          <p:cNvPr id="5" name="Picture 4"/>
+          <p:cNvPicPr>
+            <a:picLocks noChangeAspect="1"/>
+          </p:cNvPicPr>
+          <p:nvPr/>
+        </p:nvPicPr>
+        <p:blipFill>
+          <a:blip r:embed="rId3"/>
+          <a:stretch>
+            <a:fillRect/>
+          </a:stretch>
+        </p:blipFill>
+        <p:spPr>
+          <a:xfrm>
+            <a:off x="1600200" y="3276600"/>
+            <a:ext cx="5800724" cy="3062287"/>
+          </a:xfrm>
+          <a:prstGeom prst="rect">
+            <a:avLst/>
+          </a:prstGeom>
+        </p:spPr>
+      </p:pic>
+      <p:sp>
+        <p:nvSpPr>
+          <p:cNvPr id="6" name="Rectangle 5"/>
+          <p:cNvSpPr/>
+          <p:nvPr/>
+        </p:nvSpPr>
+        <p:spPr>
+          <a:xfrm rot="20195975">
+            <a:off x="4475515" y="2410122"/>
+            <a:ext cx="4668459" cy="923330"/>
           </a:xfrm>
           <a:prstGeom prst="rect">
             <a:avLst/>
@@ -6376,23 +6958,175 @@
           <a:noFill/>
         </p:spPr>
         <p:txBody>
-          <a:bodyPr wrap="none" rtlCol="0">
+          <a:bodyPr wrap="square" lIns="91440" tIns="45720" rIns="91440" bIns="45720">
             <a:spAutoFit/>
           </a:bodyPr>
           <a:lstStyle/>
           <a:p>
-            <a:r>
-              <a:rPr lang="en-US" dirty="0" smtClean="0"/>
-              <a:t>At most 10 slides; It should include the Database </a:t>
-            </a:r>
-            <a:r>
-              <a:rPr lang="en-US" smtClean="0"/>
-              <a:t>as well.</a:t>
-            </a:r>
-            <a:endParaRPr lang="en-US"/>
-          </a:p>
-        </p:txBody>
-      </p:sp>
+            <a:pPr algn="ctr"/>
+            <a:r>
+              <a:rPr lang="en-US" sz="5400" b="1" dirty="0" smtClean="0">
+                <a:ln w="12700">
+                  <a:solidFill>
+                    <a:schemeClr val="accent1"/>
+                  </a:solidFill>
+                  <a:prstDash val="solid"/>
+                </a:ln>
+                <a:pattFill prst="pct50">
+                  <a:fgClr>
+                    <a:schemeClr val="accent1"/>
+                  </a:fgClr>
+                  <a:bgClr>
+                    <a:schemeClr val="accent1">
+                      <a:lumMod val="20000"/>
+                      <a:lumOff val="80000"/>
+                    </a:schemeClr>
+                  </a:bgClr>
+                </a:pattFill>
+                <a:effectLst>
+                  <a:outerShdw dist="38100" dir="2640000" algn="bl" rotWithShape="0">
+                    <a:schemeClr val="accent1"/>
+                  </a:outerShdw>
+                </a:effectLst>
+              </a:rPr>
+              <a:t>TEAM4OIES</a:t>
+            </a:r>
+            <a:endParaRPr lang="en-US" sz="5400" b="1" cap="none" spc="0" dirty="0">
+              <a:ln w="12700">
+                <a:solidFill>
+                  <a:schemeClr val="accent1"/>
+                </a:solidFill>
+                <a:prstDash val="solid"/>
+              </a:ln>
+              <a:pattFill prst="pct50">
+                <a:fgClr>
+                  <a:schemeClr val="accent1"/>
+                </a:fgClr>
+                <a:bgClr>
+                  <a:schemeClr val="accent1">
+                    <a:lumMod val="20000"/>
+                    <a:lumOff val="80000"/>
+                  </a:schemeClr>
+                </a:bgClr>
+              </a:pattFill>
+              <a:effectLst>
+                <a:outerShdw dist="38100" dir="2640000" algn="bl" rotWithShape="0">
+                  <a:schemeClr val="accent1"/>
+                </a:outerShdw>
+              </a:effectLst>
+            </a:endParaRPr>
+          </a:p>
+        </p:txBody>
+      </p:sp>
+      <p:sp>
+        <p:nvSpPr>
+          <p:cNvPr id="7" name="Rectangle 6"/>
+          <p:cNvSpPr/>
+          <p:nvPr/>
+        </p:nvSpPr>
+        <p:spPr>
+          <a:xfrm rot="20778612">
+            <a:off x="-45364" y="2886670"/>
+            <a:ext cx="5521063" cy="923330"/>
+          </a:xfrm>
+          <a:prstGeom prst="rect">
+            <a:avLst/>
+          </a:prstGeom>
+          <a:noFill/>
+        </p:spPr>
+        <p:txBody>
+          <a:bodyPr wrap="none" lIns="91440" tIns="45720" rIns="91440" bIns="45720">
+            <a:spAutoFit/>
+          </a:bodyPr>
+          <a:lstStyle/>
+          <a:p>
+            <a:pPr algn="ctr"/>
+            <a:r>
+              <a:rPr lang="en-US" sz="5400" b="1" cap="none" spc="0" dirty="0" smtClean="0">
+                <a:ln w="12700">
+                  <a:solidFill>
+                    <a:schemeClr val="tx2">
+                      <a:lumMod val="75000"/>
+                    </a:schemeClr>
+                  </a:solidFill>
+                  <a:prstDash val="solid"/>
+                </a:ln>
+                <a:pattFill prst="dkUpDiag">
+                  <a:fgClr>
+                    <a:schemeClr val="tx2"/>
+                  </a:fgClr>
+                  <a:bgClr>
+                    <a:schemeClr val="tx2">
+                      <a:lumMod val="20000"/>
+                      <a:lumOff val="80000"/>
+                    </a:schemeClr>
+                  </a:bgClr>
+                </a:pattFill>
+                <a:effectLst>
+                  <a:outerShdw dist="38100" dir="2640000" algn="bl" rotWithShape="0">
+                    <a:schemeClr val="tx2">
+                      <a:lumMod val="75000"/>
+                    </a:schemeClr>
+                  </a:outerShdw>
+                </a:effectLst>
+              </a:rPr>
+              <a:t>ANONYMIZED</a:t>
+            </a:r>
+            <a:endParaRPr lang="en-US" sz="5400" b="1" cap="none" spc="0" dirty="0">
+              <a:ln w="12700">
+                <a:solidFill>
+                  <a:schemeClr val="tx2">
+                    <a:lumMod val="75000"/>
+                  </a:schemeClr>
+                </a:solidFill>
+                <a:prstDash val="solid"/>
+              </a:ln>
+              <a:pattFill prst="dkUpDiag">
+                <a:fgClr>
+                  <a:schemeClr val="tx2"/>
+                </a:fgClr>
+                <a:bgClr>
+                  <a:schemeClr val="tx2">
+                    <a:lumMod val="20000"/>
+                    <a:lumOff val="80000"/>
+                  </a:schemeClr>
+                </a:bgClr>
+              </a:pattFill>
+              <a:effectLst>
+                <a:outerShdw dist="38100" dir="2640000" algn="bl" rotWithShape="0">
+                  <a:schemeClr val="tx2">
+                    <a:lumMod val="75000"/>
+                  </a:schemeClr>
+                </a:outerShdw>
+              </a:effectLst>
+            </a:endParaRPr>
+          </a:p>
+        </p:txBody>
+      </p:sp>
+      <p:pic>
+        <p:nvPicPr>
+          <p:cNvPr id="8" name="Picture 7"/>
+          <p:cNvPicPr>
+            <a:picLocks noChangeAspect="1"/>
+          </p:cNvPicPr>
+          <p:nvPr/>
+        </p:nvPicPr>
+        <p:blipFill>
+          <a:blip r:embed="rId4"/>
+          <a:stretch>
+            <a:fillRect/>
+          </a:stretch>
+        </p:blipFill>
+        <p:spPr>
+          <a:xfrm>
+            <a:off x="7435337" y="3557587"/>
+            <a:ext cx="1524000" cy="2781300"/>
+          </a:xfrm>
+          <a:prstGeom prst="rect">
+            <a:avLst/>
+          </a:prstGeom>
+        </p:spPr>
+      </p:pic>
     </p:spTree>
     <p:extLst>
       <p:ext uri="{BB962C8B-B14F-4D97-AF65-F5344CB8AC3E}">
@@ -6407,6 +7141,2934 @@
     <p:tnLst>
       <p:par>
         <p:cTn id="1" dur="indefinite" restart="never" nodeType="tmRoot"/>
+      </p:par>
+    </p:tnLst>
+  </p:timing>
+</p:sld>
+</file>
+
+<file path=ppt/slides/slide10.xml><?xml version="1.0" encoding="utf-8"?>
+<p:sld xmlns:a="http://schemas.openxmlformats.org/drawingml/2006/main" xmlns:r="http://schemas.openxmlformats.org/officeDocument/2006/relationships" xmlns:p="http://schemas.openxmlformats.org/presentationml/2006/main">
+  <p:cSld>
+    <p:spTree>
+      <p:nvGrpSpPr>
+        <p:cNvPr id="1" name=""/>
+        <p:cNvGrpSpPr/>
+        <p:nvPr/>
+      </p:nvGrpSpPr>
+      <p:grpSpPr>
+        <a:xfrm>
+          <a:off x="0" y="0"/>
+          <a:ext cx="0" cy="0"/>
+          <a:chOff x="0" y="0"/>
+          <a:chExt cx="0" cy="0"/>
+        </a:xfrm>
+      </p:grpSpPr>
+      <p:sp>
+        <p:nvSpPr>
+          <p:cNvPr id="2" name="Title 1"/>
+          <p:cNvSpPr>
+            <a:spLocks noGrp="1"/>
+          </p:cNvSpPr>
+          <p:nvPr>
+            <p:ph type="title"/>
+          </p:nvPr>
+        </p:nvSpPr>
+        <p:spPr>
+          <a:xfrm>
+            <a:off x="304800" y="0"/>
+            <a:ext cx="8534400" cy="2054352"/>
+          </a:xfrm>
+        </p:spPr>
+        <p:txBody>
+          <a:bodyPr>
+            <a:normAutofit fontScale="90000"/>
+          </a:bodyPr>
+          <a:lstStyle/>
+          <a:p>
+            <a:r>
+              <a:rPr lang="en-US" sz="2700" b="1" dirty="0" smtClean="0">
+                <a:solidFill>
+                  <a:srgbClr val="8CADAE">
+                    <a:shade val="75000"/>
+                  </a:srgbClr>
+                </a:solidFill>
+              </a:rPr>
+              <a:t>TEAM</a:t>
+            </a:r>
+            <a:r>
+              <a:rPr lang="en-US" sz="2700" b="1" dirty="0">
+                <a:solidFill>
+                  <a:srgbClr val="FF0000"/>
+                </a:solidFill>
+              </a:rPr>
+              <a:t>4</a:t>
+            </a:r>
+            <a:r>
+              <a:rPr lang="en-US" sz="2700" b="1" dirty="0" smtClean="0">
+                <a:solidFill>
+                  <a:srgbClr val="8CADAE">
+                    <a:shade val="75000"/>
+                  </a:srgbClr>
+                </a:solidFill>
+              </a:rPr>
+              <a:t>O</a:t>
+            </a:r>
+            <a:r>
+              <a:rPr lang="en-US" sz="2700" b="1" dirty="0" smtClean="0">
+                <a:solidFill>
+                  <a:srgbClr val="FF0000"/>
+                </a:solidFill>
+              </a:rPr>
+              <a:t>IE</a:t>
+            </a:r>
+            <a:r>
+              <a:rPr lang="en-US" sz="2700" b="1" dirty="0" smtClean="0">
+                <a:solidFill>
+                  <a:srgbClr val="8CADAE">
+                    <a:shade val="75000"/>
+                  </a:srgbClr>
+                </a:solidFill>
+              </a:rPr>
+              <a:t>S</a:t>
+            </a:r>
+            <a:r>
+              <a:rPr lang="en-US" sz="2700" dirty="0">
+                <a:solidFill>
+                  <a:srgbClr val="8CADAE">
+                    <a:shade val="75000"/>
+                  </a:srgbClr>
+                </a:solidFill>
+              </a:rPr>
+              <a:t/>
+            </a:r>
+            <a:br>
+              <a:rPr lang="en-US" sz="2700" dirty="0">
+                <a:solidFill>
+                  <a:srgbClr val="8CADAE">
+                    <a:shade val="75000"/>
+                  </a:srgbClr>
+                </a:solidFill>
+              </a:rPr>
+            </a:br>
+            <a:r>
+              <a:rPr lang="en-US" sz="2700" b="1" dirty="0">
+                <a:solidFill>
+                  <a:srgbClr val="FF0000"/>
+                </a:solidFill>
+              </a:rPr>
+              <a:t>O</a:t>
+            </a:r>
+            <a:r>
+              <a:rPr lang="en-US" sz="2700" dirty="0">
+                <a:solidFill>
+                  <a:srgbClr val="8CADAE">
+                    <a:shade val="75000"/>
+                  </a:srgbClr>
+                </a:solidFill>
+              </a:rPr>
+              <a:t>nline </a:t>
+            </a:r>
+            <a:r>
+              <a:rPr lang="en-US" sz="2700" b="1" dirty="0">
+                <a:solidFill>
+                  <a:srgbClr val="FF0000"/>
+                </a:solidFill>
+              </a:rPr>
+              <a:t>I</a:t>
+            </a:r>
+            <a:r>
+              <a:rPr lang="en-US" sz="2700" dirty="0">
+                <a:solidFill>
+                  <a:srgbClr val="8CADAE">
+                    <a:shade val="75000"/>
+                  </a:srgbClr>
+                </a:solidFill>
+              </a:rPr>
+              <a:t>nternational </a:t>
+            </a:r>
+            <a:r>
+              <a:rPr lang="en-US" sz="2700" b="1" dirty="0">
+                <a:solidFill>
+                  <a:srgbClr val="FF0000"/>
+                </a:solidFill>
+              </a:rPr>
+              <a:t>E</a:t>
+            </a:r>
+            <a:r>
+              <a:rPr lang="en-US" sz="2700" dirty="0">
+                <a:solidFill>
+                  <a:srgbClr val="8CADAE">
+                    <a:shade val="75000"/>
+                  </a:srgbClr>
+                </a:solidFill>
+              </a:rPr>
+              <a:t>VAR </a:t>
+            </a:r>
+            <a:r>
+              <a:rPr lang="en-US" sz="2700" b="1" dirty="0">
+                <a:solidFill>
+                  <a:srgbClr val="FF0000"/>
+                </a:solidFill>
+              </a:rPr>
+              <a:t>S</a:t>
+            </a:r>
+            <a:r>
+              <a:rPr lang="en-US" sz="2700" dirty="0">
+                <a:solidFill>
+                  <a:srgbClr val="8CADAE">
+                    <a:shade val="75000"/>
+                  </a:srgbClr>
+                </a:solidFill>
+              </a:rPr>
+              <a:t>ystem</a:t>
+            </a:r>
+            <a:br>
+              <a:rPr lang="en-US" sz="2700" dirty="0">
+                <a:solidFill>
+                  <a:srgbClr val="8CADAE">
+                    <a:shade val="75000"/>
+                  </a:srgbClr>
+                </a:solidFill>
+              </a:rPr>
+            </a:br>
+            <a:r>
+              <a:rPr lang="en-US" altLang="en-US" sz="2000" b="1" dirty="0">
+                <a:solidFill>
+                  <a:srgbClr val="000000"/>
+                </a:solidFill>
+              </a:rPr>
+              <a:t>(</a:t>
+            </a:r>
+            <a:r>
+              <a:rPr lang="en-US" altLang="en-US" sz="2000" b="1" dirty="0">
+                <a:solidFill>
+                  <a:srgbClr val="FF0000"/>
+                </a:solidFill>
+              </a:rPr>
+              <a:t>ANONYMIZED </a:t>
+            </a:r>
+            <a:r>
+              <a:rPr lang="en-US" altLang="en-US" sz="2000" b="1" dirty="0">
+                <a:solidFill>
+                  <a:srgbClr val="000000"/>
+                </a:solidFill>
+              </a:rPr>
+              <a:t>Long Term Follow up EVAR Database)</a:t>
+            </a:r>
+            <a:r>
+              <a:rPr lang="en-US" sz="2000" dirty="0">
+                <a:solidFill>
+                  <a:srgbClr val="8CADAE">
+                    <a:shade val="75000"/>
+                  </a:srgbClr>
+                </a:solidFill>
+              </a:rPr>
+              <a:t> </a:t>
+            </a:r>
+            <a:r>
+              <a:rPr lang="en-US" sz="3600" dirty="0">
+                <a:solidFill>
+                  <a:srgbClr val="8CADAE">
+                    <a:shade val="75000"/>
+                  </a:srgbClr>
+                </a:solidFill>
+              </a:rPr>
+              <a:t/>
+            </a:r>
+            <a:br>
+              <a:rPr lang="en-US" sz="3600" dirty="0">
+                <a:solidFill>
+                  <a:srgbClr val="8CADAE">
+                    <a:shade val="75000"/>
+                  </a:srgbClr>
+                </a:solidFill>
+              </a:rPr>
+            </a:br>
+            <a:r>
+              <a:rPr lang="en-US" sz="3600" dirty="0" smtClean="0"/>
+              <a:t/>
+            </a:r>
+            <a:br>
+              <a:rPr lang="en-US" sz="3600" dirty="0" smtClean="0"/>
+            </a:br>
+            <a:r>
+              <a:rPr lang="en-US" sz="3600" dirty="0" smtClean="0">
+                <a:solidFill>
+                  <a:srgbClr val="FF0000"/>
+                </a:solidFill>
+              </a:rPr>
+              <a:t>Contract: </a:t>
+            </a:r>
+            <a:r>
+              <a:rPr lang="en-US" dirty="0" smtClean="0">
+                <a:solidFill>
+                  <a:srgbClr val="FF0000"/>
+                </a:solidFill>
+              </a:rPr>
+              <a:t>Software Requirements Specification</a:t>
+            </a:r>
+            <a:endParaRPr lang="en-US" dirty="0">
+              <a:solidFill>
+                <a:srgbClr val="FF0000"/>
+              </a:solidFill>
+            </a:endParaRPr>
+          </a:p>
+        </p:txBody>
+      </p:sp>
+      <p:pic>
+        <p:nvPicPr>
+          <p:cNvPr id="4" name="Content Placeholder 3"/>
+          <p:cNvPicPr>
+            <a:picLocks noGrp="1" noChangeAspect="1"/>
+          </p:cNvPicPr>
+          <p:nvPr>
+            <p:ph sz="quarter" idx="1"/>
+          </p:nvPr>
+        </p:nvPicPr>
+        <p:blipFill>
+          <a:blip r:embed="rId2"/>
+          <a:stretch>
+            <a:fillRect/>
+          </a:stretch>
+        </p:blipFill>
+        <p:spPr>
+          <a:xfrm>
+            <a:off x="228601" y="2057816"/>
+            <a:ext cx="4267200" cy="4572000"/>
+          </a:xfrm>
+          <a:prstGeom prst="rect">
+            <a:avLst/>
+          </a:prstGeom>
+        </p:spPr>
+      </p:pic>
+      <p:pic>
+        <p:nvPicPr>
+          <p:cNvPr id="5" name="Picture 4"/>
+          <p:cNvPicPr>
+            <a:picLocks noChangeAspect="1"/>
+          </p:cNvPicPr>
+          <p:nvPr/>
+        </p:nvPicPr>
+        <p:blipFill>
+          <a:blip r:embed="rId3"/>
+          <a:stretch>
+            <a:fillRect/>
+          </a:stretch>
+        </p:blipFill>
+        <p:spPr>
+          <a:xfrm>
+            <a:off x="4729596" y="2054352"/>
+            <a:ext cx="4095749" cy="4594494"/>
+          </a:xfrm>
+          <a:prstGeom prst="rect">
+            <a:avLst/>
+          </a:prstGeom>
+        </p:spPr>
+      </p:pic>
+      <p:pic>
+        <p:nvPicPr>
+          <p:cNvPr id="6" name="Picture 5"/>
+          <p:cNvPicPr>
+            <a:picLocks noChangeAspect="1"/>
+          </p:cNvPicPr>
+          <p:nvPr/>
+        </p:nvPicPr>
+        <p:blipFill>
+          <a:blip r:embed="rId4"/>
+          <a:stretch>
+            <a:fillRect/>
+          </a:stretch>
+        </p:blipFill>
+        <p:spPr>
+          <a:xfrm>
+            <a:off x="1726624" y="3199074"/>
+            <a:ext cx="5772150" cy="1152525"/>
+          </a:xfrm>
+          <a:prstGeom prst="rect">
+            <a:avLst/>
+          </a:prstGeom>
+        </p:spPr>
+      </p:pic>
+    </p:spTree>
+    <p:extLst>
+      <p:ext uri="{BB962C8B-B14F-4D97-AF65-F5344CB8AC3E}">
+        <p14:creationId xmlns:p14="http://schemas.microsoft.com/office/powerpoint/2010/main" val="3552573354"/>
+      </p:ext>
+    </p:extLst>
+  </p:cSld>
+  <p:clrMapOvr>
+    <a:masterClrMapping/>
+  </p:clrMapOvr>
+  <mc:AlternateContent xmlns:mc="http://schemas.openxmlformats.org/markup-compatibility/2006" xmlns:p14="http://schemas.microsoft.com/office/powerpoint/2010/main">
+    <mc:Choice Requires="p14">
+      <p:transition spd="slow">
+        <p14:flash/>
+      </p:transition>
+    </mc:Choice>
+    <mc:Fallback xmlns="">
+      <p:transition spd="slow">
+        <p:fade/>
+      </p:transition>
+    </mc:Fallback>
+  </mc:AlternateContent>
+  <p:timing>
+    <p:tnLst>
+      <p:par>
+        <p:cTn id="1" dur="indefinite" restart="never" nodeType="tmRoot">
+          <p:childTnLst>
+            <p:seq concurrent="1" nextAc="seek">
+              <p:cTn id="2" dur="indefinite" nodeType="mainSeq">
+                <p:childTnLst>
+                  <p:par>
+                    <p:cTn id="3" fill="hold">
+                      <p:stCondLst>
+                        <p:cond delay="indefinite"/>
+                        <p:cond evt="onBegin" delay="0">
+                          <p:tn val="2"/>
+                        </p:cond>
+                      </p:stCondLst>
+                      <p:childTnLst>
+                        <p:par>
+                          <p:cTn id="4" fill="hold">
+                            <p:stCondLst>
+                              <p:cond delay="0"/>
+                            </p:stCondLst>
+                            <p:childTnLst>
+                              <p:par>
+                                <p:cTn id="5" presetID="42" presetClass="entr" presetSubtype="0" fill="hold" grpId="0" nodeType="afterEffect">
+                                  <p:stCondLst>
+                                    <p:cond delay="0"/>
+                                  </p:stCondLst>
+                                  <p:childTnLst>
+                                    <p:set>
+                                      <p:cBhvr>
+                                        <p:cTn id="6" dur="1" fill="hold">
+                                          <p:stCondLst>
+                                            <p:cond delay="0"/>
+                                          </p:stCondLst>
+                                        </p:cTn>
+                                        <p:tgtEl>
+                                          <p:spTgt spid="2"/>
+                                        </p:tgtEl>
+                                        <p:attrNameLst>
+                                          <p:attrName>style.visibility</p:attrName>
+                                        </p:attrNameLst>
+                                      </p:cBhvr>
+                                      <p:to>
+                                        <p:strVal val="visible"/>
+                                      </p:to>
+                                    </p:set>
+                                    <p:animEffect transition="in" filter="fade">
+                                      <p:cBhvr>
+                                        <p:cTn id="7" dur="1000"/>
+                                        <p:tgtEl>
+                                          <p:spTgt spid="2"/>
+                                        </p:tgtEl>
+                                      </p:cBhvr>
+                                    </p:animEffect>
+                                    <p:anim calcmode="lin" valueType="num">
+                                      <p:cBhvr>
+                                        <p:cTn id="8" dur="1000" fill="hold"/>
+                                        <p:tgtEl>
+                                          <p:spTgt spid="2"/>
+                                        </p:tgtEl>
+                                        <p:attrNameLst>
+                                          <p:attrName>ppt_x</p:attrName>
+                                        </p:attrNameLst>
+                                      </p:cBhvr>
+                                      <p:tavLst>
+                                        <p:tav tm="0">
+                                          <p:val>
+                                            <p:strVal val="#ppt_x"/>
+                                          </p:val>
+                                        </p:tav>
+                                        <p:tav tm="100000">
+                                          <p:val>
+                                            <p:strVal val="#ppt_x"/>
+                                          </p:val>
+                                        </p:tav>
+                                      </p:tavLst>
+                                    </p:anim>
+                                    <p:anim calcmode="lin" valueType="num">
+                                      <p:cBhvr>
+                                        <p:cTn id="9" dur="1000" fill="hold"/>
+                                        <p:tgtEl>
+                                          <p:spTgt spid="2"/>
+                                        </p:tgtEl>
+                                        <p:attrNameLst>
+                                          <p:attrName>ppt_y</p:attrName>
+                                        </p:attrNameLst>
+                                      </p:cBhvr>
+                                      <p:tavLst>
+                                        <p:tav tm="0">
+                                          <p:val>
+                                            <p:strVal val="#ppt_y+.1"/>
+                                          </p:val>
+                                        </p:tav>
+                                        <p:tav tm="100000">
+                                          <p:val>
+                                            <p:strVal val="#ppt_y"/>
+                                          </p:val>
+                                        </p:tav>
+                                      </p:tavLst>
+                                    </p:anim>
+                                  </p:childTnLst>
+                                </p:cTn>
+                              </p:par>
+                            </p:childTnLst>
+                          </p:cTn>
+                        </p:par>
+                      </p:childTnLst>
+                    </p:cTn>
+                  </p:par>
+                  <p:par>
+                    <p:cTn id="10" fill="hold">
+                      <p:stCondLst>
+                        <p:cond delay="indefinite"/>
+                      </p:stCondLst>
+                      <p:childTnLst>
+                        <p:par>
+                          <p:cTn id="11" fill="hold">
+                            <p:stCondLst>
+                              <p:cond delay="0"/>
+                            </p:stCondLst>
+                            <p:childTnLst>
+                              <p:par>
+                                <p:cTn id="12" presetID="16" presetClass="entr" presetSubtype="21" fill="hold" nodeType="clickEffect">
+                                  <p:stCondLst>
+                                    <p:cond delay="0"/>
+                                  </p:stCondLst>
+                                  <p:childTnLst>
+                                    <p:set>
+                                      <p:cBhvr>
+                                        <p:cTn id="13" dur="1" fill="hold">
+                                          <p:stCondLst>
+                                            <p:cond delay="0"/>
+                                          </p:stCondLst>
+                                        </p:cTn>
+                                        <p:tgtEl>
+                                          <p:spTgt spid="4"/>
+                                        </p:tgtEl>
+                                        <p:attrNameLst>
+                                          <p:attrName>style.visibility</p:attrName>
+                                        </p:attrNameLst>
+                                      </p:cBhvr>
+                                      <p:to>
+                                        <p:strVal val="visible"/>
+                                      </p:to>
+                                    </p:set>
+                                    <p:animEffect transition="in" filter="barn(inVertical)">
+                                      <p:cBhvr>
+                                        <p:cTn id="14" dur="500"/>
+                                        <p:tgtEl>
+                                          <p:spTgt spid="4"/>
+                                        </p:tgtEl>
+                                      </p:cBhvr>
+                                    </p:animEffect>
+                                  </p:childTnLst>
+                                </p:cTn>
+                              </p:par>
+                            </p:childTnLst>
+                          </p:cTn>
+                        </p:par>
+                      </p:childTnLst>
+                    </p:cTn>
+                  </p:par>
+                  <p:par>
+                    <p:cTn id="15" fill="hold">
+                      <p:stCondLst>
+                        <p:cond delay="indefinite"/>
+                      </p:stCondLst>
+                      <p:childTnLst>
+                        <p:par>
+                          <p:cTn id="16" fill="hold">
+                            <p:stCondLst>
+                              <p:cond delay="0"/>
+                            </p:stCondLst>
+                            <p:childTnLst>
+                              <p:par>
+                                <p:cTn id="17" presetID="21" presetClass="entr" presetSubtype="1" fill="hold" nodeType="clickEffect">
+                                  <p:stCondLst>
+                                    <p:cond delay="0"/>
+                                  </p:stCondLst>
+                                  <p:childTnLst>
+                                    <p:set>
+                                      <p:cBhvr>
+                                        <p:cTn id="18" dur="1" fill="hold">
+                                          <p:stCondLst>
+                                            <p:cond delay="0"/>
+                                          </p:stCondLst>
+                                        </p:cTn>
+                                        <p:tgtEl>
+                                          <p:spTgt spid="5"/>
+                                        </p:tgtEl>
+                                        <p:attrNameLst>
+                                          <p:attrName>style.visibility</p:attrName>
+                                        </p:attrNameLst>
+                                      </p:cBhvr>
+                                      <p:to>
+                                        <p:strVal val="visible"/>
+                                      </p:to>
+                                    </p:set>
+                                    <p:animEffect transition="in" filter="wheel(1)">
+                                      <p:cBhvr>
+                                        <p:cTn id="19" dur="2000"/>
+                                        <p:tgtEl>
+                                          <p:spTgt spid="5"/>
+                                        </p:tgtEl>
+                                      </p:cBhvr>
+                                    </p:animEffect>
+                                  </p:childTnLst>
+                                </p:cTn>
+                              </p:par>
+                            </p:childTnLst>
+                          </p:cTn>
+                        </p:par>
+                      </p:childTnLst>
+                    </p:cTn>
+                  </p:par>
+                  <p:par>
+                    <p:cTn id="20" fill="hold">
+                      <p:stCondLst>
+                        <p:cond delay="indefinite"/>
+                      </p:stCondLst>
+                      <p:childTnLst>
+                        <p:par>
+                          <p:cTn id="21" fill="hold">
+                            <p:stCondLst>
+                              <p:cond delay="0"/>
+                            </p:stCondLst>
+                            <p:childTnLst>
+                              <p:par>
+                                <p:cTn id="22" presetID="31" presetClass="entr" presetSubtype="0" fill="hold" nodeType="clickEffect">
+                                  <p:stCondLst>
+                                    <p:cond delay="0"/>
+                                  </p:stCondLst>
+                                  <p:childTnLst>
+                                    <p:set>
+                                      <p:cBhvr>
+                                        <p:cTn id="23" dur="1" fill="hold">
+                                          <p:stCondLst>
+                                            <p:cond delay="0"/>
+                                          </p:stCondLst>
+                                        </p:cTn>
+                                        <p:tgtEl>
+                                          <p:spTgt spid="6"/>
+                                        </p:tgtEl>
+                                        <p:attrNameLst>
+                                          <p:attrName>style.visibility</p:attrName>
+                                        </p:attrNameLst>
+                                      </p:cBhvr>
+                                      <p:to>
+                                        <p:strVal val="visible"/>
+                                      </p:to>
+                                    </p:set>
+                                    <p:anim calcmode="lin" valueType="num">
+                                      <p:cBhvr>
+                                        <p:cTn id="24" dur="1000" fill="hold"/>
+                                        <p:tgtEl>
+                                          <p:spTgt spid="6"/>
+                                        </p:tgtEl>
+                                        <p:attrNameLst>
+                                          <p:attrName>ppt_w</p:attrName>
+                                        </p:attrNameLst>
+                                      </p:cBhvr>
+                                      <p:tavLst>
+                                        <p:tav tm="0">
+                                          <p:val>
+                                            <p:fltVal val="0"/>
+                                          </p:val>
+                                        </p:tav>
+                                        <p:tav tm="100000">
+                                          <p:val>
+                                            <p:strVal val="#ppt_w"/>
+                                          </p:val>
+                                        </p:tav>
+                                      </p:tavLst>
+                                    </p:anim>
+                                    <p:anim calcmode="lin" valueType="num">
+                                      <p:cBhvr>
+                                        <p:cTn id="25" dur="1000" fill="hold"/>
+                                        <p:tgtEl>
+                                          <p:spTgt spid="6"/>
+                                        </p:tgtEl>
+                                        <p:attrNameLst>
+                                          <p:attrName>ppt_h</p:attrName>
+                                        </p:attrNameLst>
+                                      </p:cBhvr>
+                                      <p:tavLst>
+                                        <p:tav tm="0">
+                                          <p:val>
+                                            <p:fltVal val="0"/>
+                                          </p:val>
+                                        </p:tav>
+                                        <p:tav tm="100000">
+                                          <p:val>
+                                            <p:strVal val="#ppt_h"/>
+                                          </p:val>
+                                        </p:tav>
+                                      </p:tavLst>
+                                    </p:anim>
+                                    <p:anim calcmode="lin" valueType="num">
+                                      <p:cBhvr>
+                                        <p:cTn id="26" dur="1000" fill="hold"/>
+                                        <p:tgtEl>
+                                          <p:spTgt spid="6"/>
+                                        </p:tgtEl>
+                                        <p:attrNameLst>
+                                          <p:attrName>style.rotation</p:attrName>
+                                        </p:attrNameLst>
+                                      </p:cBhvr>
+                                      <p:tavLst>
+                                        <p:tav tm="0">
+                                          <p:val>
+                                            <p:fltVal val="90"/>
+                                          </p:val>
+                                        </p:tav>
+                                        <p:tav tm="100000">
+                                          <p:val>
+                                            <p:fltVal val="0"/>
+                                          </p:val>
+                                        </p:tav>
+                                      </p:tavLst>
+                                    </p:anim>
+                                    <p:animEffect transition="in" filter="fade">
+                                      <p:cBhvr>
+                                        <p:cTn id="27" dur="1000"/>
+                                        <p:tgtEl>
+                                          <p:spTgt spid="6"/>
+                                        </p:tgtEl>
+                                      </p:cBhvr>
+                                    </p:animEffect>
+                                  </p:childTnLst>
+                                </p:cTn>
+                              </p:par>
+                            </p:childTnLst>
+                          </p:cTn>
+                        </p:par>
+                      </p:childTnLst>
+                    </p:cTn>
+                  </p:par>
+                </p:childTnLst>
+              </p:cTn>
+              <p:prevCondLst>
+                <p:cond evt="onPrev" delay="0">
+                  <p:tgtEl>
+                    <p:sldTgt/>
+                  </p:tgtEl>
+                </p:cond>
+              </p:prevCondLst>
+              <p:nextCondLst>
+                <p:cond evt="onNext" delay="0">
+                  <p:tgtEl>
+                    <p:sldTgt/>
+                  </p:tgtEl>
+                </p:cond>
+              </p:nextCondLst>
+            </p:seq>
+          </p:childTnLst>
+        </p:cTn>
+      </p:par>
+    </p:tnLst>
+    <p:bldLst>
+      <p:bldP spid="2" grpId="0"/>
+    </p:bldLst>
+  </p:timing>
+</p:sld>
+</file>
+
+<file path=ppt/slides/slide11.xml><?xml version="1.0" encoding="utf-8"?>
+<p:sld xmlns:a="http://schemas.openxmlformats.org/drawingml/2006/main" xmlns:r="http://schemas.openxmlformats.org/officeDocument/2006/relationships" xmlns:p="http://schemas.openxmlformats.org/presentationml/2006/main">
+  <p:cSld>
+    <p:spTree>
+      <p:nvGrpSpPr>
+        <p:cNvPr id="1" name=""/>
+        <p:cNvGrpSpPr/>
+        <p:nvPr/>
+      </p:nvGrpSpPr>
+      <p:grpSpPr>
+        <a:xfrm>
+          <a:off x="0" y="0"/>
+          <a:ext cx="0" cy="0"/>
+          <a:chOff x="0" y="0"/>
+          <a:chExt cx="0" cy="0"/>
+        </a:xfrm>
+      </p:grpSpPr>
+      <p:sp>
+        <p:nvSpPr>
+          <p:cNvPr id="2" name="Title 1"/>
+          <p:cNvSpPr>
+            <a:spLocks noGrp="1"/>
+          </p:cNvSpPr>
+          <p:nvPr>
+            <p:ph type="title"/>
+          </p:nvPr>
+        </p:nvSpPr>
+        <p:spPr/>
+        <p:txBody>
+          <a:bodyPr>
+            <a:noAutofit/>
+          </a:bodyPr>
+          <a:lstStyle/>
+          <a:p>
+            <a:r>
+              <a:rPr lang="en-US" sz="2000" b="1" dirty="0">
+                <a:solidFill>
+                  <a:srgbClr val="8CADAE">
+                    <a:shade val="75000"/>
+                  </a:srgbClr>
+                </a:solidFill>
+              </a:rPr>
+              <a:t>TEAM</a:t>
+            </a:r>
+            <a:r>
+              <a:rPr lang="en-US" sz="2000" b="1" dirty="0">
+                <a:solidFill>
+                  <a:srgbClr val="FF0000"/>
+                </a:solidFill>
+              </a:rPr>
+              <a:t>4</a:t>
+            </a:r>
+            <a:r>
+              <a:rPr lang="en-US" sz="2000" b="1" dirty="0">
+                <a:solidFill>
+                  <a:srgbClr val="8CADAE">
+                    <a:shade val="75000"/>
+                  </a:srgbClr>
+                </a:solidFill>
+              </a:rPr>
+              <a:t>O</a:t>
+            </a:r>
+            <a:r>
+              <a:rPr lang="en-US" sz="2000" b="1" dirty="0">
+                <a:solidFill>
+                  <a:srgbClr val="FF0000"/>
+                </a:solidFill>
+              </a:rPr>
+              <a:t>IE</a:t>
+            </a:r>
+            <a:r>
+              <a:rPr lang="en-US" sz="2000" b="1" dirty="0">
+                <a:solidFill>
+                  <a:srgbClr val="8CADAE">
+                    <a:shade val="75000"/>
+                  </a:srgbClr>
+                </a:solidFill>
+              </a:rPr>
+              <a:t>S</a:t>
+            </a:r>
+            <a:r>
+              <a:rPr lang="en-US" sz="2000" dirty="0">
+                <a:solidFill>
+                  <a:srgbClr val="8CADAE">
+                    <a:shade val="75000"/>
+                  </a:srgbClr>
+                </a:solidFill>
+              </a:rPr>
+              <a:t/>
+            </a:r>
+            <a:br>
+              <a:rPr lang="en-US" sz="2000" dirty="0">
+                <a:solidFill>
+                  <a:srgbClr val="8CADAE">
+                    <a:shade val="75000"/>
+                  </a:srgbClr>
+                </a:solidFill>
+              </a:rPr>
+            </a:br>
+            <a:r>
+              <a:rPr lang="en-US" sz="2000" b="1" dirty="0">
+                <a:solidFill>
+                  <a:srgbClr val="FF0000"/>
+                </a:solidFill>
+              </a:rPr>
+              <a:t>O</a:t>
+            </a:r>
+            <a:r>
+              <a:rPr lang="en-US" sz="2000" dirty="0">
+                <a:solidFill>
+                  <a:srgbClr val="8CADAE">
+                    <a:shade val="75000"/>
+                  </a:srgbClr>
+                </a:solidFill>
+              </a:rPr>
+              <a:t>nline </a:t>
+            </a:r>
+            <a:r>
+              <a:rPr lang="en-US" sz="2000" b="1" dirty="0">
+                <a:solidFill>
+                  <a:srgbClr val="FF0000"/>
+                </a:solidFill>
+              </a:rPr>
+              <a:t>I</a:t>
+            </a:r>
+            <a:r>
+              <a:rPr lang="en-US" sz="2000" dirty="0">
+                <a:solidFill>
+                  <a:srgbClr val="8CADAE">
+                    <a:shade val="75000"/>
+                  </a:srgbClr>
+                </a:solidFill>
+              </a:rPr>
+              <a:t>nternational </a:t>
+            </a:r>
+            <a:r>
+              <a:rPr lang="en-US" sz="2000" b="1" dirty="0">
+                <a:solidFill>
+                  <a:srgbClr val="FF0000"/>
+                </a:solidFill>
+              </a:rPr>
+              <a:t>E</a:t>
+            </a:r>
+            <a:r>
+              <a:rPr lang="en-US" sz="2000" dirty="0">
+                <a:solidFill>
+                  <a:srgbClr val="8CADAE">
+                    <a:shade val="75000"/>
+                  </a:srgbClr>
+                </a:solidFill>
+              </a:rPr>
+              <a:t>VAR </a:t>
+            </a:r>
+            <a:r>
+              <a:rPr lang="en-US" sz="2000" b="1" dirty="0">
+                <a:solidFill>
+                  <a:srgbClr val="FF0000"/>
+                </a:solidFill>
+              </a:rPr>
+              <a:t>S</a:t>
+            </a:r>
+            <a:r>
+              <a:rPr lang="en-US" sz="2000" dirty="0">
+                <a:solidFill>
+                  <a:srgbClr val="8CADAE">
+                    <a:shade val="75000"/>
+                  </a:srgbClr>
+                </a:solidFill>
+              </a:rPr>
+              <a:t>ystem</a:t>
+            </a:r>
+            <a:br>
+              <a:rPr lang="en-US" sz="2000" dirty="0">
+                <a:solidFill>
+                  <a:srgbClr val="8CADAE">
+                    <a:shade val="75000"/>
+                  </a:srgbClr>
+                </a:solidFill>
+              </a:rPr>
+            </a:br>
+            <a:r>
+              <a:rPr lang="en-US" altLang="en-US" sz="1600" b="1" dirty="0">
+                <a:solidFill>
+                  <a:srgbClr val="000000"/>
+                </a:solidFill>
+              </a:rPr>
+              <a:t>(</a:t>
+            </a:r>
+            <a:r>
+              <a:rPr lang="en-US" altLang="en-US" sz="1600" b="1" dirty="0">
+                <a:solidFill>
+                  <a:srgbClr val="FF0000"/>
+                </a:solidFill>
+              </a:rPr>
+              <a:t>ANONYMIZED </a:t>
+            </a:r>
+            <a:r>
+              <a:rPr lang="en-US" altLang="en-US" sz="1600" b="1" dirty="0">
+                <a:solidFill>
+                  <a:srgbClr val="000000"/>
+                </a:solidFill>
+              </a:rPr>
+              <a:t>Long Term Follow up EVAR Database)</a:t>
+            </a:r>
+            <a:r>
+              <a:rPr lang="en-US" sz="1600" dirty="0">
+                <a:solidFill>
+                  <a:srgbClr val="8CADAE">
+                    <a:shade val="75000"/>
+                  </a:srgbClr>
+                </a:solidFill>
+              </a:rPr>
+              <a:t> </a:t>
+            </a:r>
+            <a:endParaRPr lang="en-US" sz="1600" dirty="0"/>
+          </a:p>
+        </p:txBody>
+      </p:sp>
+      <p:pic>
+        <p:nvPicPr>
+          <p:cNvPr id="4" name="Content Placeholder 3"/>
+          <p:cNvPicPr>
+            <a:picLocks noGrp="1" noChangeAspect="1"/>
+          </p:cNvPicPr>
+          <p:nvPr>
+            <p:ph sz="quarter" idx="1"/>
+          </p:nvPr>
+        </p:nvPicPr>
+        <p:blipFill>
+          <a:blip r:embed="rId2"/>
+          <a:stretch>
+            <a:fillRect/>
+          </a:stretch>
+        </p:blipFill>
+        <p:spPr>
+          <a:xfrm>
+            <a:off x="301752" y="1524000"/>
+            <a:ext cx="6010275" cy="3152775"/>
+          </a:xfrm>
+          <a:prstGeom prst="rect">
+            <a:avLst/>
+          </a:prstGeom>
+        </p:spPr>
+      </p:pic>
+      <p:grpSp>
+        <p:nvGrpSpPr>
+          <p:cNvPr id="8" name="Group 7"/>
+          <p:cNvGrpSpPr/>
+          <p:nvPr/>
+        </p:nvGrpSpPr>
+        <p:grpSpPr>
+          <a:xfrm>
+            <a:off x="1752600" y="1295400"/>
+            <a:ext cx="6000750" cy="5105400"/>
+            <a:chOff x="1752600" y="1295400"/>
+            <a:chExt cx="6000750" cy="5105400"/>
+          </a:xfrm>
+        </p:grpSpPr>
+        <p:pic>
+          <p:nvPicPr>
+            <p:cNvPr id="5" name="Picture 4"/>
+            <p:cNvPicPr>
+              <a:picLocks noChangeAspect="1"/>
+            </p:cNvPicPr>
+            <p:nvPr/>
+          </p:nvPicPr>
+          <p:blipFill>
+            <a:blip r:embed="rId3"/>
+            <a:stretch>
+              <a:fillRect/>
+            </a:stretch>
+          </p:blipFill>
+          <p:spPr>
+            <a:xfrm>
+              <a:off x="1752600" y="1295400"/>
+              <a:ext cx="6000750" cy="5105400"/>
+            </a:xfrm>
+            <a:prstGeom prst="rect">
+              <a:avLst/>
+            </a:prstGeom>
+            <a:solidFill>
+              <a:srgbClr val="000000">
+                <a:shade val="95000"/>
+              </a:srgbClr>
+            </a:solidFill>
+            <a:ln w="444500" cap="sq">
+              <a:solidFill>
+                <a:srgbClr val="000000"/>
+              </a:solidFill>
+              <a:miter lim="800000"/>
+            </a:ln>
+            <a:effectLst>
+              <a:outerShdw blurRad="254000" dist="190500" dir="2700000" sy="90000" algn="bl" rotWithShape="0">
+                <a:srgbClr val="000000">
+                  <a:alpha val="40000"/>
+                </a:srgbClr>
+              </a:outerShdw>
+            </a:effectLst>
+          </p:spPr>
+        </p:pic>
+        <p:sp>
+          <p:nvSpPr>
+            <p:cNvPr id="6" name="Rectangle 5"/>
+            <p:cNvSpPr/>
+            <p:nvPr/>
+          </p:nvSpPr>
+          <p:spPr>
+            <a:xfrm>
+              <a:off x="4038600" y="1625672"/>
+              <a:ext cx="3581400" cy="203128"/>
+            </a:xfrm>
+            <a:prstGeom prst="rect">
+              <a:avLst/>
+            </a:prstGeom>
+            <a:noFill/>
+            <a:ln w="38100">
+              <a:solidFill>
+                <a:srgbClr val="C00000"/>
+              </a:solidFill>
+              <a:prstDash val="solid"/>
+            </a:ln>
+          </p:spPr>
+          <p:style>
+            <a:lnRef idx="2">
+              <a:schemeClr val="accent1">
+                <a:shade val="50000"/>
+              </a:schemeClr>
+            </a:lnRef>
+            <a:fillRef idx="1">
+              <a:schemeClr val="accent1"/>
+            </a:fillRef>
+            <a:effectRef idx="0">
+              <a:schemeClr val="accent1"/>
+            </a:effectRef>
+            <a:fontRef idx="minor">
+              <a:schemeClr val="lt1"/>
+            </a:fontRef>
+          </p:style>
+          <p:txBody>
+            <a:bodyPr rtlCol="0" anchor="ctr"/>
+            <a:lstStyle/>
+            <a:p>
+              <a:pPr algn="ctr"/>
+              <a:endParaRPr lang="en-US"/>
+            </a:p>
+          </p:txBody>
+        </p:sp>
+        <p:sp>
+          <p:nvSpPr>
+            <p:cNvPr id="7" name="Rectangle 6"/>
+            <p:cNvSpPr/>
+            <p:nvPr/>
+          </p:nvSpPr>
+          <p:spPr>
+            <a:xfrm>
+              <a:off x="1943100" y="2136647"/>
+              <a:ext cx="2781300" cy="1009815"/>
+            </a:xfrm>
+            <a:prstGeom prst="rect">
+              <a:avLst/>
+            </a:prstGeom>
+            <a:noFill/>
+            <a:ln w="38100">
+              <a:solidFill>
+                <a:srgbClr val="C00000"/>
+              </a:solidFill>
+              <a:prstDash val="solid"/>
+            </a:ln>
+          </p:spPr>
+          <p:style>
+            <a:lnRef idx="2">
+              <a:schemeClr val="accent1">
+                <a:shade val="50000"/>
+              </a:schemeClr>
+            </a:lnRef>
+            <a:fillRef idx="1">
+              <a:schemeClr val="accent1"/>
+            </a:fillRef>
+            <a:effectRef idx="0">
+              <a:schemeClr val="accent1"/>
+            </a:effectRef>
+            <a:fontRef idx="minor">
+              <a:schemeClr val="lt1"/>
+            </a:fontRef>
+          </p:style>
+          <p:txBody>
+            <a:bodyPr rtlCol="0" anchor="ctr"/>
+            <a:lstStyle/>
+            <a:p>
+              <a:pPr algn="ctr"/>
+              <a:endParaRPr lang="en-US"/>
+            </a:p>
+          </p:txBody>
+        </p:sp>
+      </p:grpSp>
+      <p:pic>
+        <p:nvPicPr>
+          <p:cNvPr id="3" name="Picture 2"/>
+          <p:cNvPicPr>
+            <a:picLocks noChangeAspect="1"/>
+          </p:cNvPicPr>
+          <p:nvPr/>
+        </p:nvPicPr>
+        <p:blipFill>
+          <a:blip r:embed="rId4"/>
+          <a:stretch>
+            <a:fillRect/>
+          </a:stretch>
+        </p:blipFill>
+        <p:spPr>
+          <a:xfrm>
+            <a:off x="3733800" y="1676400"/>
+            <a:ext cx="4495800" cy="1419335"/>
+          </a:xfrm>
+          <a:prstGeom prst="rect">
+            <a:avLst/>
+          </a:prstGeom>
+        </p:spPr>
+      </p:pic>
+      <p:pic>
+        <p:nvPicPr>
+          <p:cNvPr id="9" name="Picture 8"/>
+          <p:cNvPicPr>
+            <a:picLocks noChangeAspect="1"/>
+          </p:cNvPicPr>
+          <p:nvPr/>
+        </p:nvPicPr>
+        <p:blipFill>
+          <a:blip r:embed="rId5"/>
+          <a:stretch>
+            <a:fillRect/>
+          </a:stretch>
+        </p:blipFill>
+        <p:spPr>
+          <a:xfrm>
+            <a:off x="1309687" y="438150"/>
+            <a:ext cx="6524625" cy="5981700"/>
+          </a:xfrm>
+          <a:prstGeom prst="rect">
+            <a:avLst/>
+          </a:prstGeom>
+        </p:spPr>
+      </p:pic>
+    </p:spTree>
+    <p:extLst>
+      <p:ext uri="{BB962C8B-B14F-4D97-AF65-F5344CB8AC3E}">
+        <p14:creationId xmlns:p14="http://schemas.microsoft.com/office/powerpoint/2010/main" val="3977465047"/>
+      </p:ext>
+    </p:extLst>
+  </p:cSld>
+  <p:clrMapOvr>
+    <a:masterClrMapping/>
+  </p:clrMapOvr>
+  <mc:AlternateContent xmlns:mc="http://schemas.openxmlformats.org/markup-compatibility/2006" xmlns:p14="http://schemas.microsoft.com/office/powerpoint/2010/main">
+    <mc:Choice Requires="p14">
+      <p:transition spd="med" p14:dur="700">
+        <p:fade/>
+      </p:transition>
+    </mc:Choice>
+    <mc:Fallback xmlns="">
+      <p:transition spd="med">
+        <p:fade/>
+      </p:transition>
+    </mc:Fallback>
+  </mc:AlternateContent>
+  <p:timing>
+    <p:tnLst>
+      <p:par>
+        <p:cTn id="1" dur="indefinite" restart="never" nodeType="tmRoot">
+          <p:childTnLst>
+            <p:seq concurrent="1" nextAc="seek">
+              <p:cTn id="2" dur="indefinite" nodeType="mainSeq">
+                <p:childTnLst>
+                  <p:par>
+                    <p:cTn id="3" fill="hold">
+                      <p:stCondLst>
+                        <p:cond delay="indefinite"/>
+                      </p:stCondLst>
+                      <p:childTnLst>
+                        <p:par>
+                          <p:cTn id="4" fill="hold">
+                            <p:stCondLst>
+                              <p:cond delay="0"/>
+                            </p:stCondLst>
+                            <p:childTnLst>
+                              <p:par>
+                                <p:cTn id="5" presetID="16" presetClass="entr" presetSubtype="21" fill="hold" nodeType="clickEffect">
+                                  <p:stCondLst>
+                                    <p:cond delay="0"/>
+                                  </p:stCondLst>
+                                  <p:childTnLst>
+                                    <p:set>
+                                      <p:cBhvr>
+                                        <p:cTn id="6" dur="1" fill="hold">
+                                          <p:stCondLst>
+                                            <p:cond delay="0"/>
+                                          </p:stCondLst>
+                                        </p:cTn>
+                                        <p:tgtEl>
+                                          <p:spTgt spid="8"/>
+                                        </p:tgtEl>
+                                        <p:attrNameLst>
+                                          <p:attrName>style.visibility</p:attrName>
+                                        </p:attrNameLst>
+                                      </p:cBhvr>
+                                      <p:to>
+                                        <p:strVal val="visible"/>
+                                      </p:to>
+                                    </p:set>
+                                    <p:animEffect transition="in" filter="barn(inVertical)">
+                                      <p:cBhvr>
+                                        <p:cTn id="7" dur="500"/>
+                                        <p:tgtEl>
+                                          <p:spTgt spid="8"/>
+                                        </p:tgtEl>
+                                      </p:cBhvr>
+                                    </p:animEffect>
+                                  </p:childTnLst>
+                                </p:cTn>
+                              </p:par>
+                            </p:childTnLst>
+                          </p:cTn>
+                        </p:par>
+                      </p:childTnLst>
+                    </p:cTn>
+                  </p:par>
+                  <p:par>
+                    <p:cTn id="8" fill="hold">
+                      <p:stCondLst>
+                        <p:cond delay="indefinite"/>
+                      </p:stCondLst>
+                      <p:childTnLst>
+                        <p:par>
+                          <p:cTn id="9" fill="hold">
+                            <p:stCondLst>
+                              <p:cond delay="0"/>
+                            </p:stCondLst>
+                            <p:childTnLst>
+                              <p:par>
+                                <p:cTn id="10" presetID="26" presetClass="entr" presetSubtype="0" fill="hold" nodeType="clickEffect">
+                                  <p:stCondLst>
+                                    <p:cond delay="0"/>
+                                  </p:stCondLst>
+                                  <p:childTnLst>
+                                    <p:set>
+                                      <p:cBhvr>
+                                        <p:cTn id="11" dur="1" fill="hold">
+                                          <p:stCondLst>
+                                            <p:cond delay="0"/>
+                                          </p:stCondLst>
+                                        </p:cTn>
+                                        <p:tgtEl>
+                                          <p:spTgt spid="3"/>
+                                        </p:tgtEl>
+                                        <p:attrNameLst>
+                                          <p:attrName>style.visibility</p:attrName>
+                                        </p:attrNameLst>
+                                      </p:cBhvr>
+                                      <p:to>
+                                        <p:strVal val="visible"/>
+                                      </p:to>
+                                    </p:set>
+                                    <p:animEffect transition="in" filter="wipe(down)">
+                                      <p:cBhvr>
+                                        <p:cTn id="12" dur="580">
+                                          <p:stCondLst>
+                                            <p:cond delay="0"/>
+                                          </p:stCondLst>
+                                        </p:cTn>
+                                        <p:tgtEl>
+                                          <p:spTgt spid="3"/>
+                                        </p:tgtEl>
+                                      </p:cBhvr>
+                                    </p:animEffect>
+                                    <p:anim calcmode="lin" valueType="num">
+                                      <p:cBhvr>
+                                        <p:cTn id="13" dur="1822" tmFilter="0,0; 0.14,0.36; 0.43,0.73; 0.71,0.91; 1.0,1.0">
+                                          <p:stCondLst>
+                                            <p:cond delay="0"/>
+                                          </p:stCondLst>
+                                        </p:cTn>
+                                        <p:tgtEl>
+                                          <p:spTgt spid="3"/>
+                                        </p:tgtEl>
+                                        <p:attrNameLst>
+                                          <p:attrName>ppt_x</p:attrName>
+                                        </p:attrNameLst>
+                                      </p:cBhvr>
+                                      <p:tavLst>
+                                        <p:tav tm="0">
+                                          <p:val>
+                                            <p:strVal val="#ppt_x-0.25"/>
+                                          </p:val>
+                                        </p:tav>
+                                        <p:tav tm="100000">
+                                          <p:val>
+                                            <p:strVal val="#ppt_x"/>
+                                          </p:val>
+                                        </p:tav>
+                                      </p:tavLst>
+                                    </p:anim>
+                                    <p:anim calcmode="lin" valueType="num">
+                                      <p:cBhvr>
+                                        <p:cTn id="14" dur="664" tmFilter="0.0,0.0; 0.25,0.07; 0.50,0.2; 0.75,0.467; 1.0,1.0">
+                                          <p:stCondLst>
+                                            <p:cond delay="0"/>
+                                          </p:stCondLst>
+                                        </p:cTn>
+                                        <p:tgtEl>
+                                          <p:spTgt spid="3"/>
+                                        </p:tgtEl>
+                                        <p:attrNameLst>
+                                          <p:attrName>ppt_y</p:attrName>
+                                        </p:attrNameLst>
+                                      </p:cBhvr>
+                                      <p:tavLst>
+                                        <p:tav tm="0" fmla="#ppt_y-sin(pi*$)/3">
+                                          <p:val>
+                                            <p:fltVal val="0.5"/>
+                                          </p:val>
+                                        </p:tav>
+                                        <p:tav tm="100000">
+                                          <p:val>
+                                            <p:fltVal val="1"/>
+                                          </p:val>
+                                        </p:tav>
+                                      </p:tavLst>
+                                    </p:anim>
+                                    <p:anim calcmode="lin" valueType="num">
+                                      <p:cBhvr>
+                                        <p:cTn id="15" dur="664" tmFilter="0, 0; 0.125,0.2665; 0.25,0.4; 0.375,0.465; 0.5,0.5;  0.625,0.535; 0.75,0.6; 0.875,0.7335; 1,1">
+                                          <p:stCondLst>
+                                            <p:cond delay="664"/>
+                                          </p:stCondLst>
+                                        </p:cTn>
+                                        <p:tgtEl>
+                                          <p:spTgt spid="3"/>
+                                        </p:tgtEl>
+                                        <p:attrNameLst>
+                                          <p:attrName>ppt_y</p:attrName>
+                                        </p:attrNameLst>
+                                      </p:cBhvr>
+                                      <p:tavLst>
+                                        <p:tav tm="0" fmla="#ppt_y-sin(pi*$)/9">
+                                          <p:val>
+                                            <p:fltVal val="0"/>
+                                          </p:val>
+                                        </p:tav>
+                                        <p:tav tm="100000">
+                                          <p:val>
+                                            <p:fltVal val="1"/>
+                                          </p:val>
+                                        </p:tav>
+                                      </p:tavLst>
+                                    </p:anim>
+                                    <p:anim calcmode="lin" valueType="num">
+                                      <p:cBhvr>
+                                        <p:cTn id="16" dur="332" tmFilter="0, 0; 0.125,0.2665; 0.25,0.4; 0.375,0.465; 0.5,0.5;  0.625,0.535; 0.75,0.6; 0.875,0.7335; 1,1">
+                                          <p:stCondLst>
+                                            <p:cond delay="1324"/>
+                                          </p:stCondLst>
+                                        </p:cTn>
+                                        <p:tgtEl>
+                                          <p:spTgt spid="3"/>
+                                        </p:tgtEl>
+                                        <p:attrNameLst>
+                                          <p:attrName>ppt_y</p:attrName>
+                                        </p:attrNameLst>
+                                      </p:cBhvr>
+                                      <p:tavLst>
+                                        <p:tav tm="0" fmla="#ppt_y-sin(pi*$)/27">
+                                          <p:val>
+                                            <p:fltVal val="0"/>
+                                          </p:val>
+                                        </p:tav>
+                                        <p:tav tm="100000">
+                                          <p:val>
+                                            <p:fltVal val="1"/>
+                                          </p:val>
+                                        </p:tav>
+                                      </p:tavLst>
+                                    </p:anim>
+                                    <p:anim calcmode="lin" valueType="num">
+                                      <p:cBhvr>
+                                        <p:cTn id="17" dur="164" tmFilter="0, 0; 0.125,0.2665; 0.25,0.4; 0.375,0.465; 0.5,0.5;  0.625,0.535; 0.75,0.6; 0.875,0.7335; 1,1">
+                                          <p:stCondLst>
+                                            <p:cond delay="1656"/>
+                                          </p:stCondLst>
+                                        </p:cTn>
+                                        <p:tgtEl>
+                                          <p:spTgt spid="3"/>
+                                        </p:tgtEl>
+                                        <p:attrNameLst>
+                                          <p:attrName>ppt_y</p:attrName>
+                                        </p:attrNameLst>
+                                      </p:cBhvr>
+                                      <p:tavLst>
+                                        <p:tav tm="0" fmla="#ppt_y-sin(pi*$)/81">
+                                          <p:val>
+                                            <p:fltVal val="0"/>
+                                          </p:val>
+                                        </p:tav>
+                                        <p:tav tm="100000">
+                                          <p:val>
+                                            <p:fltVal val="1"/>
+                                          </p:val>
+                                        </p:tav>
+                                      </p:tavLst>
+                                    </p:anim>
+                                    <p:animScale>
+                                      <p:cBhvr>
+                                        <p:cTn id="18" dur="26">
+                                          <p:stCondLst>
+                                            <p:cond delay="650"/>
+                                          </p:stCondLst>
+                                        </p:cTn>
+                                        <p:tgtEl>
+                                          <p:spTgt spid="3"/>
+                                        </p:tgtEl>
+                                      </p:cBhvr>
+                                      <p:to x="100000" y="60000"/>
+                                    </p:animScale>
+                                    <p:animScale>
+                                      <p:cBhvr>
+                                        <p:cTn id="19" dur="166" decel="50000">
+                                          <p:stCondLst>
+                                            <p:cond delay="676"/>
+                                          </p:stCondLst>
+                                        </p:cTn>
+                                        <p:tgtEl>
+                                          <p:spTgt spid="3"/>
+                                        </p:tgtEl>
+                                      </p:cBhvr>
+                                      <p:to x="100000" y="100000"/>
+                                    </p:animScale>
+                                    <p:animScale>
+                                      <p:cBhvr>
+                                        <p:cTn id="20" dur="26">
+                                          <p:stCondLst>
+                                            <p:cond delay="1312"/>
+                                          </p:stCondLst>
+                                        </p:cTn>
+                                        <p:tgtEl>
+                                          <p:spTgt spid="3"/>
+                                        </p:tgtEl>
+                                      </p:cBhvr>
+                                      <p:to x="100000" y="80000"/>
+                                    </p:animScale>
+                                    <p:animScale>
+                                      <p:cBhvr>
+                                        <p:cTn id="21" dur="166" decel="50000">
+                                          <p:stCondLst>
+                                            <p:cond delay="1338"/>
+                                          </p:stCondLst>
+                                        </p:cTn>
+                                        <p:tgtEl>
+                                          <p:spTgt spid="3"/>
+                                        </p:tgtEl>
+                                      </p:cBhvr>
+                                      <p:to x="100000" y="100000"/>
+                                    </p:animScale>
+                                    <p:animScale>
+                                      <p:cBhvr>
+                                        <p:cTn id="22" dur="26">
+                                          <p:stCondLst>
+                                            <p:cond delay="1642"/>
+                                          </p:stCondLst>
+                                        </p:cTn>
+                                        <p:tgtEl>
+                                          <p:spTgt spid="3"/>
+                                        </p:tgtEl>
+                                      </p:cBhvr>
+                                      <p:to x="100000" y="90000"/>
+                                    </p:animScale>
+                                    <p:animScale>
+                                      <p:cBhvr>
+                                        <p:cTn id="23" dur="166" decel="50000">
+                                          <p:stCondLst>
+                                            <p:cond delay="1668"/>
+                                          </p:stCondLst>
+                                        </p:cTn>
+                                        <p:tgtEl>
+                                          <p:spTgt spid="3"/>
+                                        </p:tgtEl>
+                                      </p:cBhvr>
+                                      <p:to x="100000" y="100000"/>
+                                    </p:animScale>
+                                    <p:animScale>
+                                      <p:cBhvr>
+                                        <p:cTn id="24" dur="26">
+                                          <p:stCondLst>
+                                            <p:cond delay="1808"/>
+                                          </p:stCondLst>
+                                        </p:cTn>
+                                        <p:tgtEl>
+                                          <p:spTgt spid="3"/>
+                                        </p:tgtEl>
+                                      </p:cBhvr>
+                                      <p:to x="100000" y="95000"/>
+                                    </p:animScale>
+                                    <p:animScale>
+                                      <p:cBhvr>
+                                        <p:cTn id="25" dur="166" decel="50000">
+                                          <p:stCondLst>
+                                            <p:cond delay="1834"/>
+                                          </p:stCondLst>
+                                        </p:cTn>
+                                        <p:tgtEl>
+                                          <p:spTgt spid="3"/>
+                                        </p:tgtEl>
+                                      </p:cBhvr>
+                                      <p:to x="100000" y="100000"/>
+                                    </p:animScale>
+                                  </p:childTnLst>
+                                </p:cTn>
+                              </p:par>
+                            </p:childTnLst>
+                          </p:cTn>
+                        </p:par>
+                      </p:childTnLst>
+                    </p:cTn>
+                  </p:par>
+                  <p:par>
+                    <p:cTn id="26" fill="hold">
+                      <p:stCondLst>
+                        <p:cond delay="indefinite"/>
+                      </p:stCondLst>
+                      <p:childTnLst>
+                        <p:par>
+                          <p:cTn id="27" fill="hold">
+                            <p:stCondLst>
+                              <p:cond delay="0"/>
+                            </p:stCondLst>
+                            <p:childTnLst>
+                              <p:par>
+                                <p:cTn id="28" presetID="45" presetClass="entr" presetSubtype="0" fill="hold" nodeType="clickEffect">
+                                  <p:stCondLst>
+                                    <p:cond delay="0"/>
+                                  </p:stCondLst>
+                                  <p:childTnLst>
+                                    <p:set>
+                                      <p:cBhvr>
+                                        <p:cTn id="29" dur="1" fill="hold">
+                                          <p:stCondLst>
+                                            <p:cond delay="0"/>
+                                          </p:stCondLst>
+                                        </p:cTn>
+                                        <p:tgtEl>
+                                          <p:spTgt spid="9"/>
+                                        </p:tgtEl>
+                                        <p:attrNameLst>
+                                          <p:attrName>style.visibility</p:attrName>
+                                        </p:attrNameLst>
+                                      </p:cBhvr>
+                                      <p:to>
+                                        <p:strVal val="visible"/>
+                                      </p:to>
+                                    </p:set>
+                                    <p:animEffect transition="in" filter="fade">
+                                      <p:cBhvr>
+                                        <p:cTn id="30" dur="2000"/>
+                                        <p:tgtEl>
+                                          <p:spTgt spid="9"/>
+                                        </p:tgtEl>
+                                      </p:cBhvr>
+                                    </p:animEffect>
+                                    <p:anim calcmode="lin" valueType="num">
+                                      <p:cBhvr>
+                                        <p:cTn id="31" dur="2000" fill="hold"/>
+                                        <p:tgtEl>
+                                          <p:spTgt spid="9"/>
+                                        </p:tgtEl>
+                                        <p:attrNameLst>
+                                          <p:attrName>ppt_w</p:attrName>
+                                        </p:attrNameLst>
+                                      </p:cBhvr>
+                                      <p:tavLst>
+                                        <p:tav tm="0" fmla="#ppt_w*sin(2.5*pi*$)">
+                                          <p:val>
+                                            <p:fltVal val="0"/>
+                                          </p:val>
+                                        </p:tav>
+                                        <p:tav tm="100000">
+                                          <p:val>
+                                            <p:fltVal val="1"/>
+                                          </p:val>
+                                        </p:tav>
+                                      </p:tavLst>
+                                    </p:anim>
+                                    <p:anim calcmode="lin" valueType="num">
+                                      <p:cBhvr>
+                                        <p:cTn id="32" dur="2000" fill="hold"/>
+                                        <p:tgtEl>
+                                          <p:spTgt spid="9"/>
+                                        </p:tgtEl>
+                                        <p:attrNameLst>
+                                          <p:attrName>ppt_h</p:attrName>
+                                        </p:attrNameLst>
+                                      </p:cBhvr>
+                                      <p:tavLst>
+                                        <p:tav tm="0">
+                                          <p:val>
+                                            <p:strVal val="#ppt_h"/>
+                                          </p:val>
+                                        </p:tav>
+                                        <p:tav tm="100000">
+                                          <p:val>
+                                            <p:strVal val="#ppt_h"/>
+                                          </p:val>
+                                        </p:tav>
+                                      </p:tavLst>
+                                    </p:anim>
+                                  </p:childTnLst>
+                                </p:cTn>
+                              </p:par>
+                            </p:childTnLst>
+                          </p:cTn>
+                        </p:par>
+                      </p:childTnLst>
+                    </p:cTn>
+                  </p:par>
+                </p:childTnLst>
+              </p:cTn>
+              <p:prevCondLst>
+                <p:cond evt="onPrev" delay="0">
+                  <p:tgtEl>
+                    <p:sldTgt/>
+                  </p:tgtEl>
+                </p:cond>
+              </p:prevCondLst>
+              <p:nextCondLst>
+                <p:cond evt="onNext" delay="0">
+                  <p:tgtEl>
+                    <p:sldTgt/>
+                  </p:tgtEl>
+                </p:cond>
+              </p:nextCondLst>
+            </p:seq>
+          </p:childTnLst>
+        </p:cTn>
+      </p:par>
+    </p:tnLst>
+  </p:timing>
+</p:sld>
+</file>
+
+<file path=ppt/slides/slide12.xml><?xml version="1.0" encoding="utf-8"?>
+<p:sld xmlns:a="http://schemas.openxmlformats.org/drawingml/2006/main" xmlns:r="http://schemas.openxmlformats.org/officeDocument/2006/relationships" xmlns:p="http://schemas.openxmlformats.org/presentationml/2006/main">
+  <p:cSld>
+    <p:spTree>
+      <p:nvGrpSpPr>
+        <p:cNvPr id="1" name=""/>
+        <p:cNvGrpSpPr/>
+        <p:nvPr/>
+      </p:nvGrpSpPr>
+      <p:grpSpPr>
+        <a:xfrm>
+          <a:off x="0" y="0"/>
+          <a:ext cx="0" cy="0"/>
+          <a:chOff x="0" y="0"/>
+          <a:chExt cx="0" cy="0"/>
+        </a:xfrm>
+      </p:grpSpPr>
+      <p:sp>
+        <p:nvSpPr>
+          <p:cNvPr id="2" name="Title 1"/>
+          <p:cNvSpPr>
+            <a:spLocks noGrp="1"/>
+          </p:cNvSpPr>
+          <p:nvPr>
+            <p:ph type="title"/>
+          </p:nvPr>
+        </p:nvSpPr>
+        <p:spPr>
+          <a:xfrm>
+            <a:off x="304800" y="0"/>
+            <a:ext cx="8534400" cy="2054352"/>
+          </a:xfrm>
+        </p:spPr>
+        <p:txBody>
+          <a:bodyPr>
+            <a:normAutofit fontScale="90000"/>
+          </a:bodyPr>
+          <a:lstStyle/>
+          <a:p>
+            <a:r>
+              <a:rPr lang="en-US" sz="2700" b="1" dirty="0" smtClean="0">
+                <a:solidFill>
+                  <a:srgbClr val="8CADAE">
+                    <a:shade val="75000"/>
+                  </a:srgbClr>
+                </a:solidFill>
+              </a:rPr>
+              <a:t>TEAM4O</a:t>
+            </a:r>
+            <a:r>
+              <a:rPr lang="en-US" sz="2700" b="1" dirty="0" smtClean="0">
+                <a:solidFill>
+                  <a:srgbClr val="FF0000"/>
+                </a:solidFill>
+              </a:rPr>
+              <a:t>IE</a:t>
+            </a:r>
+            <a:r>
+              <a:rPr lang="en-US" sz="2700" b="1" dirty="0" smtClean="0">
+                <a:solidFill>
+                  <a:srgbClr val="8CADAE">
+                    <a:shade val="75000"/>
+                  </a:srgbClr>
+                </a:solidFill>
+              </a:rPr>
+              <a:t>S</a:t>
+            </a:r>
+            <a:r>
+              <a:rPr lang="en-US" sz="2700" dirty="0">
+                <a:solidFill>
+                  <a:srgbClr val="8CADAE">
+                    <a:shade val="75000"/>
+                  </a:srgbClr>
+                </a:solidFill>
+              </a:rPr>
+              <a:t/>
+            </a:r>
+            <a:br>
+              <a:rPr lang="en-US" sz="2700" dirty="0">
+                <a:solidFill>
+                  <a:srgbClr val="8CADAE">
+                    <a:shade val="75000"/>
+                  </a:srgbClr>
+                </a:solidFill>
+              </a:rPr>
+            </a:br>
+            <a:r>
+              <a:rPr lang="en-US" sz="2700" b="1" dirty="0">
+                <a:solidFill>
+                  <a:srgbClr val="FF0000"/>
+                </a:solidFill>
+              </a:rPr>
+              <a:t>O</a:t>
+            </a:r>
+            <a:r>
+              <a:rPr lang="en-US" sz="2700" dirty="0">
+                <a:solidFill>
+                  <a:srgbClr val="8CADAE">
+                    <a:shade val="75000"/>
+                  </a:srgbClr>
+                </a:solidFill>
+              </a:rPr>
+              <a:t>nline </a:t>
+            </a:r>
+            <a:r>
+              <a:rPr lang="en-US" sz="2700" b="1" dirty="0">
+                <a:solidFill>
+                  <a:srgbClr val="FF0000"/>
+                </a:solidFill>
+              </a:rPr>
+              <a:t>I</a:t>
+            </a:r>
+            <a:r>
+              <a:rPr lang="en-US" sz="2700" dirty="0">
+                <a:solidFill>
+                  <a:srgbClr val="8CADAE">
+                    <a:shade val="75000"/>
+                  </a:srgbClr>
+                </a:solidFill>
+              </a:rPr>
+              <a:t>nternational </a:t>
+            </a:r>
+            <a:r>
+              <a:rPr lang="en-US" sz="2700" b="1" dirty="0">
+                <a:solidFill>
+                  <a:srgbClr val="FF0000"/>
+                </a:solidFill>
+              </a:rPr>
+              <a:t>E</a:t>
+            </a:r>
+            <a:r>
+              <a:rPr lang="en-US" sz="2700" dirty="0">
+                <a:solidFill>
+                  <a:srgbClr val="8CADAE">
+                    <a:shade val="75000"/>
+                  </a:srgbClr>
+                </a:solidFill>
+              </a:rPr>
+              <a:t>VAR </a:t>
+            </a:r>
+            <a:r>
+              <a:rPr lang="en-US" sz="2700" b="1" dirty="0">
+                <a:solidFill>
+                  <a:srgbClr val="FF0000"/>
+                </a:solidFill>
+              </a:rPr>
+              <a:t>S</a:t>
+            </a:r>
+            <a:r>
+              <a:rPr lang="en-US" sz="2700" dirty="0">
+                <a:solidFill>
+                  <a:srgbClr val="8CADAE">
+                    <a:shade val="75000"/>
+                  </a:srgbClr>
+                </a:solidFill>
+              </a:rPr>
+              <a:t>ystem</a:t>
+            </a:r>
+            <a:br>
+              <a:rPr lang="en-US" sz="2700" dirty="0">
+                <a:solidFill>
+                  <a:srgbClr val="8CADAE">
+                    <a:shade val="75000"/>
+                  </a:srgbClr>
+                </a:solidFill>
+              </a:rPr>
+            </a:br>
+            <a:r>
+              <a:rPr lang="en-US" altLang="en-US" sz="2000" b="1" dirty="0">
+                <a:solidFill>
+                  <a:srgbClr val="000000"/>
+                </a:solidFill>
+              </a:rPr>
+              <a:t>(</a:t>
+            </a:r>
+            <a:r>
+              <a:rPr lang="en-US" altLang="en-US" sz="2000" b="1" dirty="0">
+                <a:solidFill>
+                  <a:srgbClr val="FF0000"/>
+                </a:solidFill>
+              </a:rPr>
+              <a:t>ANONYMIZED </a:t>
+            </a:r>
+            <a:r>
+              <a:rPr lang="en-US" altLang="en-US" sz="2000" b="1" dirty="0">
+                <a:solidFill>
+                  <a:srgbClr val="000000"/>
+                </a:solidFill>
+              </a:rPr>
+              <a:t>Long Term Follow up EVAR Database)</a:t>
+            </a:r>
+            <a:r>
+              <a:rPr lang="en-US" sz="2000" dirty="0">
+                <a:solidFill>
+                  <a:srgbClr val="8CADAE">
+                    <a:shade val="75000"/>
+                  </a:srgbClr>
+                </a:solidFill>
+              </a:rPr>
+              <a:t> </a:t>
+            </a:r>
+            <a:r>
+              <a:rPr lang="en-US" sz="3600" dirty="0">
+                <a:solidFill>
+                  <a:srgbClr val="8CADAE">
+                    <a:shade val="75000"/>
+                  </a:srgbClr>
+                </a:solidFill>
+              </a:rPr>
+              <a:t/>
+            </a:r>
+            <a:br>
+              <a:rPr lang="en-US" sz="3600" dirty="0">
+                <a:solidFill>
+                  <a:srgbClr val="8CADAE">
+                    <a:shade val="75000"/>
+                  </a:srgbClr>
+                </a:solidFill>
+              </a:rPr>
+            </a:br>
+            <a:r>
+              <a:rPr lang="en-US" sz="3600" dirty="0" smtClean="0"/>
+              <a:t/>
+            </a:r>
+            <a:br>
+              <a:rPr lang="en-US" sz="3600" dirty="0" smtClean="0"/>
+            </a:br>
+            <a:r>
+              <a:rPr lang="en-US" dirty="0" smtClean="0">
+                <a:solidFill>
+                  <a:srgbClr val="FF0000"/>
+                </a:solidFill>
+              </a:rPr>
+              <a:t>Software Project Management Plan</a:t>
+            </a:r>
+            <a:endParaRPr lang="en-US" dirty="0">
+              <a:solidFill>
+                <a:srgbClr val="FF0000"/>
+              </a:solidFill>
+            </a:endParaRPr>
+          </a:p>
+        </p:txBody>
+      </p:sp>
+      <p:pic>
+        <p:nvPicPr>
+          <p:cNvPr id="4" name="Content Placeholder 3"/>
+          <p:cNvPicPr>
+            <a:picLocks noGrp="1" noChangeAspect="1"/>
+          </p:cNvPicPr>
+          <p:nvPr>
+            <p:ph sz="quarter" idx="1"/>
+          </p:nvPr>
+        </p:nvPicPr>
+        <p:blipFill>
+          <a:blip r:embed="rId2"/>
+          <a:stretch>
+            <a:fillRect/>
+          </a:stretch>
+        </p:blipFill>
+        <p:spPr>
+          <a:xfrm>
+            <a:off x="322006" y="2054352"/>
+            <a:ext cx="5181600" cy="2971800"/>
+          </a:xfrm>
+          <a:prstGeom prst="rect">
+            <a:avLst/>
+          </a:prstGeom>
+        </p:spPr>
+      </p:pic>
+      <p:pic>
+        <p:nvPicPr>
+          <p:cNvPr id="12" name="Content Placeholder 3"/>
+          <p:cNvPicPr>
+            <a:picLocks noChangeAspect="1"/>
+          </p:cNvPicPr>
+          <p:nvPr/>
+        </p:nvPicPr>
+        <p:blipFill>
+          <a:blip r:embed="rId3"/>
+          <a:stretch>
+            <a:fillRect/>
+          </a:stretch>
+        </p:blipFill>
+        <p:spPr>
+          <a:xfrm>
+            <a:off x="1138428" y="192925"/>
+            <a:ext cx="6861048" cy="6440799"/>
+          </a:xfrm>
+          <a:prstGeom prst="rect">
+            <a:avLst/>
+          </a:prstGeom>
+        </p:spPr>
+      </p:pic>
+      <p:grpSp>
+        <p:nvGrpSpPr>
+          <p:cNvPr id="9" name="Group 8"/>
+          <p:cNvGrpSpPr/>
+          <p:nvPr/>
+        </p:nvGrpSpPr>
+        <p:grpSpPr>
+          <a:xfrm>
+            <a:off x="1752600" y="1447800"/>
+            <a:ext cx="5915947" cy="2914650"/>
+            <a:chOff x="1752600" y="1447800"/>
+            <a:chExt cx="5915947" cy="2914650"/>
+          </a:xfrm>
+        </p:grpSpPr>
+        <p:pic>
+          <p:nvPicPr>
+            <p:cNvPr id="5" name="Picture 4"/>
+            <p:cNvPicPr>
+              <a:picLocks noChangeAspect="1"/>
+            </p:cNvPicPr>
+            <p:nvPr/>
+          </p:nvPicPr>
+          <p:blipFill>
+            <a:blip r:embed="rId4"/>
+            <a:stretch>
+              <a:fillRect/>
+            </a:stretch>
+          </p:blipFill>
+          <p:spPr>
+            <a:xfrm>
+              <a:off x="1991647" y="1447800"/>
+              <a:ext cx="5676900" cy="2914650"/>
+            </a:xfrm>
+            <a:prstGeom prst="rect">
+              <a:avLst/>
+            </a:prstGeom>
+          </p:spPr>
+        </p:pic>
+        <p:sp>
+          <p:nvSpPr>
+            <p:cNvPr id="6" name="Oval 5"/>
+            <p:cNvSpPr/>
+            <p:nvPr/>
+          </p:nvSpPr>
+          <p:spPr>
+            <a:xfrm>
+              <a:off x="1752600" y="1746504"/>
+              <a:ext cx="2057400" cy="996696"/>
+            </a:xfrm>
+            <a:prstGeom prst="ellipse">
+              <a:avLst/>
+            </a:prstGeom>
+            <a:noFill/>
+            <a:ln w="57150">
+              <a:solidFill>
+                <a:srgbClr val="FF0000"/>
+              </a:solidFill>
+            </a:ln>
+          </p:spPr>
+          <p:style>
+            <a:lnRef idx="2">
+              <a:schemeClr val="accent1">
+                <a:shade val="50000"/>
+              </a:schemeClr>
+            </a:lnRef>
+            <a:fillRef idx="1">
+              <a:schemeClr val="accent1"/>
+            </a:fillRef>
+            <a:effectRef idx="0">
+              <a:schemeClr val="accent1"/>
+            </a:effectRef>
+            <a:fontRef idx="minor">
+              <a:schemeClr val="lt1"/>
+            </a:fontRef>
+          </p:style>
+          <p:txBody>
+            <a:bodyPr rtlCol="0" anchor="ctr"/>
+            <a:lstStyle/>
+            <a:p>
+              <a:pPr algn="ctr"/>
+              <a:endParaRPr lang="en-US"/>
+            </a:p>
+          </p:txBody>
+        </p:sp>
+      </p:grpSp>
+      <p:pic>
+        <p:nvPicPr>
+          <p:cNvPr id="8" name="Picture 7"/>
+          <p:cNvPicPr>
+            <a:picLocks noChangeAspect="1"/>
+          </p:cNvPicPr>
+          <p:nvPr/>
+        </p:nvPicPr>
+        <p:blipFill>
+          <a:blip r:embed="rId5"/>
+          <a:stretch>
+            <a:fillRect/>
+          </a:stretch>
+        </p:blipFill>
+        <p:spPr>
+          <a:xfrm>
+            <a:off x="1508502" y="1031246"/>
+            <a:ext cx="6657975" cy="5666544"/>
+          </a:xfrm>
+          <a:prstGeom prst="rect">
+            <a:avLst/>
+          </a:prstGeom>
+        </p:spPr>
+      </p:pic>
+      <p:grpSp>
+        <p:nvGrpSpPr>
+          <p:cNvPr id="14" name="Group 13"/>
+          <p:cNvGrpSpPr/>
+          <p:nvPr/>
+        </p:nvGrpSpPr>
+        <p:grpSpPr>
+          <a:xfrm>
+            <a:off x="76199" y="609600"/>
+            <a:ext cx="9106545" cy="5061574"/>
+            <a:chOff x="-34835" y="498758"/>
+            <a:chExt cx="9217580" cy="5172416"/>
+          </a:xfrm>
+        </p:grpSpPr>
+        <p:pic>
+          <p:nvPicPr>
+            <p:cNvPr id="10" name="Picture 9"/>
+            <p:cNvPicPr>
+              <a:picLocks noChangeAspect="1"/>
+            </p:cNvPicPr>
+            <p:nvPr/>
+          </p:nvPicPr>
+          <p:blipFill>
+            <a:blip r:embed="rId6"/>
+            <a:stretch>
+              <a:fillRect/>
+            </a:stretch>
+          </p:blipFill>
+          <p:spPr>
+            <a:xfrm>
+              <a:off x="-34835" y="498758"/>
+              <a:ext cx="9207574" cy="4488884"/>
+            </a:xfrm>
+            <a:prstGeom prst="rect">
+              <a:avLst/>
+            </a:prstGeom>
+          </p:spPr>
+        </p:pic>
+        <p:pic>
+          <p:nvPicPr>
+            <p:cNvPr id="13" name="Picture 12"/>
+            <p:cNvPicPr>
+              <a:picLocks noChangeAspect="1"/>
+            </p:cNvPicPr>
+            <p:nvPr/>
+          </p:nvPicPr>
+          <p:blipFill>
+            <a:blip r:embed="rId7"/>
+            <a:stretch>
+              <a:fillRect/>
+            </a:stretch>
+          </p:blipFill>
+          <p:spPr>
+            <a:xfrm>
+              <a:off x="-24829" y="4987642"/>
+              <a:ext cx="9207574" cy="683532"/>
+            </a:xfrm>
+            <a:prstGeom prst="rect">
+              <a:avLst/>
+            </a:prstGeom>
+          </p:spPr>
+        </p:pic>
+      </p:grpSp>
+    </p:spTree>
+    <p:extLst>
+      <p:ext uri="{BB962C8B-B14F-4D97-AF65-F5344CB8AC3E}">
+        <p14:creationId xmlns:p14="http://schemas.microsoft.com/office/powerpoint/2010/main" val="1863565787"/>
+      </p:ext>
+    </p:extLst>
+  </p:cSld>
+  <p:clrMapOvr>
+    <a:masterClrMapping/>
+  </p:clrMapOvr>
+  <p:transition spd="slow">
+    <p:push dir="u"/>
+  </p:transition>
+  <p:timing>
+    <p:tnLst>
+      <p:par>
+        <p:cTn id="1" dur="indefinite" restart="never" nodeType="tmRoot">
+          <p:childTnLst>
+            <p:seq concurrent="1" nextAc="seek">
+              <p:cTn id="2" dur="indefinite" nodeType="mainSeq">
+                <p:childTnLst>
+                  <p:par>
+                    <p:cTn id="3" fill="hold">
+                      <p:stCondLst>
+                        <p:cond delay="indefinite"/>
+                      </p:stCondLst>
+                      <p:childTnLst>
+                        <p:par>
+                          <p:cTn id="4" fill="hold">
+                            <p:stCondLst>
+                              <p:cond delay="0"/>
+                            </p:stCondLst>
+                            <p:childTnLst>
+                              <p:par>
+                                <p:cTn id="5" presetID="10" presetClass="entr" presetSubtype="0" fill="hold" nodeType="clickEffect">
+                                  <p:stCondLst>
+                                    <p:cond delay="0"/>
+                                  </p:stCondLst>
+                                  <p:childTnLst>
+                                    <p:set>
+                                      <p:cBhvr>
+                                        <p:cTn id="6" dur="1" fill="hold">
+                                          <p:stCondLst>
+                                            <p:cond delay="0"/>
+                                          </p:stCondLst>
+                                        </p:cTn>
+                                        <p:tgtEl>
+                                          <p:spTgt spid="4"/>
+                                        </p:tgtEl>
+                                        <p:attrNameLst>
+                                          <p:attrName>style.visibility</p:attrName>
+                                        </p:attrNameLst>
+                                      </p:cBhvr>
+                                      <p:to>
+                                        <p:strVal val="visible"/>
+                                      </p:to>
+                                    </p:set>
+                                    <p:animEffect transition="in" filter="fade">
+                                      <p:cBhvr>
+                                        <p:cTn id="7" dur="500"/>
+                                        <p:tgtEl>
+                                          <p:spTgt spid="4"/>
+                                        </p:tgtEl>
+                                      </p:cBhvr>
+                                    </p:animEffect>
+                                  </p:childTnLst>
+                                </p:cTn>
+                              </p:par>
+                            </p:childTnLst>
+                          </p:cTn>
+                        </p:par>
+                      </p:childTnLst>
+                    </p:cTn>
+                  </p:par>
+                  <p:par>
+                    <p:cTn id="8" fill="hold">
+                      <p:stCondLst>
+                        <p:cond delay="indefinite"/>
+                      </p:stCondLst>
+                      <p:childTnLst>
+                        <p:par>
+                          <p:cTn id="9" fill="hold">
+                            <p:stCondLst>
+                              <p:cond delay="0"/>
+                            </p:stCondLst>
+                            <p:childTnLst>
+                              <p:par>
+                                <p:cTn id="10" presetID="42" presetClass="entr" presetSubtype="0" fill="hold" nodeType="clickEffect">
+                                  <p:stCondLst>
+                                    <p:cond delay="0"/>
+                                  </p:stCondLst>
+                                  <p:childTnLst>
+                                    <p:set>
+                                      <p:cBhvr>
+                                        <p:cTn id="11" dur="1" fill="hold">
+                                          <p:stCondLst>
+                                            <p:cond delay="0"/>
+                                          </p:stCondLst>
+                                        </p:cTn>
+                                        <p:tgtEl>
+                                          <p:spTgt spid="12"/>
+                                        </p:tgtEl>
+                                        <p:attrNameLst>
+                                          <p:attrName>style.visibility</p:attrName>
+                                        </p:attrNameLst>
+                                      </p:cBhvr>
+                                      <p:to>
+                                        <p:strVal val="visible"/>
+                                      </p:to>
+                                    </p:set>
+                                    <p:animEffect transition="in" filter="fade">
+                                      <p:cBhvr>
+                                        <p:cTn id="12" dur="1000"/>
+                                        <p:tgtEl>
+                                          <p:spTgt spid="12"/>
+                                        </p:tgtEl>
+                                      </p:cBhvr>
+                                    </p:animEffect>
+                                    <p:anim calcmode="lin" valueType="num">
+                                      <p:cBhvr>
+                                        <p:cTn id="13" dur="1000" fill="hold"/>
+                                        <p:tgtEl>
+                                          <p:spTgt spid="12"/>
+                                        </p:tgtEl>
+                                        <p:attrNameLst>
+                                          <p:attrName>ppt_x</p:attrName>
+                                        </p:attrNameLst>
+                                      </p:cBhvr>
+                                      <p:tavLst>
+                                        <p:tav tm="0">
+                                          <p:val>
+                                            <p:strVal val="#ppt_x"/>
+                                          </p:val>
+                                        </p:tav>
+                                        <p:tav tm="100000">
+                                          <p:val>
+                                            <p:strVal val="#ppt_x"/>
+                                          </p:val>
+                                        </p:tav>
+                                      </p:tavLst>
+                                    </p:anim>
+                                    <p:anim calcmode="lin" valueType="num">
+                                      <p:cBhvr>
+                                        <p:cTn id="14" dur="1000" fill="hold"/>
+                                        <p:tgtEl>
+                                          <p:spTgt spid="12"/>
+                                        </p:tgtEl>
+                                        <p:attrNameLst>
+                                          <p:attrName>ppt_y</p:attrName>
+                                        </p:attrNameLst>
+                                      </p:cBhvr>
+                                      <p:tavLst>
+                                        <p:tav tm="0">
+                                          <p:val>
+                                            <p:strVal val="#ppt_y+.1"/>
+                                          </p:val>
+                                        </p:tav>
+                                        <p:tav tm="100000">
+                                          <p:val>
+                                            <p:strVal val="#ppt_y"/>
+                                          </p:val>
+                                        </p:tav>
+                                      </p:tavLst>
+                                    </p:anim>
+                                  </p:childTnLst>
+                                </p:cTn>
+                              </p:par>
+                            </p:childTnLst>
+                          </p:cTn>
+                        </p:par>
+                      </p:childTnLst>
+                    </p:cTn>
+                  </p:par>
+                  <p:par>
+                    <p:cTn id="15" fill="hold">
+                      <p:stCondLst>
+                        <p:cond delay="indefinite"/>
+                      </p:stCondLst>
+                      <p:childTnLst>
+                        <p:par>
+                          <p:cTn id="16" fill="hold">
+                            <p:stCondLst>
+                              <p:cond delay="0"/>
+                            </p:stCondLst>
+                            <p:childTnLst>
+                              <p:par>
+                                <p:cTn id="17" presetID="14" presetClass="entr" presetSubtype="10" fill="hold" nodeType="clickEffect">
+                                  <p:stCondLst>
+                                    <p:cond delay="0"/>
+                                  </p:stCondLst>
+                                  <p:childTnLst>
+                                    <p:set>
+                                      <p:cBhvr>
+                                        <p:cTn id="18" dur="1" fill="hold">
+                                          <p:stCondLst>
+                                            <p:cond delay="0"/>
+                                          </p:stCondLst>
+                                        </p:cTn>
+                                        <p:tgtEl>
+                                          <p:spTgt spid="9"/>
+                                        </p:tgtEl>
+                                        <p:attrNameLst>
+                                          <p:attrName>style.visibility</p:attrName>
+                                        </p:attrNameLst>
+                                      </p:cBhvr>
+                                      <p:to>
+                                        <p:strVal val="visible"/>
+                                      </p:to>
+                                    </p:set>
+                                    <p:animEffect transition="in" filter="randombar(horizontal)">
+                                      <p:cBhvr>
+                                        <p:cTn id="19" dur="500"/>
+                                        <p:tgtEl>
+                                          <p:spTgt spid="9"/>
+                                        </p:tgtEl>
+                                      </p:cBhvr>
+                                    </p:animEffect>
+                                  </p:childTnLst>
+                                </p:cTn>
+                              </p:par>
+                            </p:childTnLst>
+                          </p:cTn>
+                        </p:par>
+                      </p:childTnLst>
+                    </p:cTn>
+                  </p:par>
+                  <p:par>
+                    <p:cTn id="20" fill="hold">
+                      <p:stCondLst>
+                        <p:cond delay="indefinite"/>
+                      </p:stCondLst>
+                      <p:childTnLst>
+                        <p:par>
+                          <p:cTn id="21" fill="hold">
+                            <p:stCondLst>
+                              <p:cond delay="0"/>
+                            </p:stCondLst>
+                            <p:childTnLst>
+                              <p:par>
+                                <p:cTn id="22" presetID="45" presetClass="entr" presetSubtype="0" fill="hold" nodeType="clickEffect">
+                                  <p:stCondLst>
+                                    <p:cond delay="0"/>
+                                  </p:stCondLst>
+                                  <p:childTnLst>
+                                    <p:set>
+                                      <p:cBhvr>
+                                        <p:cTn id="23" dur="1" fill="hold">
+                                          <p:stCondLst>
+                                            <p:cond delay="0"/>
+                                          </p:stCondLst>
+                                        </p:cTn>
+                                        <p:tgtEl>
+                                          <p:spTgt spid="8"/>
+                                        </p:tgtEl>
+                                        <p:attrNameLst>
+                                          <p:attrName>style.visibility</p:attrName>
+                                        </p:attrNameLst>
+                                      </p:cBhvr>
+                                      <p:to>
+                                        <p:strVal val="visible"/>
+                                      </p:to>
+                                    </p:set>
+                                    <p:animEffect transition="in" filter="fade">
+                                      <p:cBhvr>
+                                        <p:cTn id="24" dur="2000"/>
+                                        <p:tgtEl>
+                                          <p:spTgt spid="8"/>
+                                        </p:tgtEl>
+                                      </p:cBhvr>
+                                    </p:animEffect>
+                                    <p:anim calcmode="lin" valueType="num">
+                                      <p:cBhvr>
+                                        <p:cTn id="25" dur="2000" fill="hold"/>
+                                        <p:tgtEl>
+                                          <p:spTgt spid="8"/>
+                                        </p:tgtEl>
+                                        <p:attrNameLst>
+                                          <p:attrName>ppt_w</p:attrName>
+                                        </p:attrNameLst>
+                                      </p:cBhvr>
+                                      <p:tavLst>
+                                        <p:tav tm="0" fmla="#ppt_w*sin(2.5*pi*$)">
+                                          <p:val>
+                                            <p:fltVal val="0"/>
+                                          </p:val>
+                                        </p:tav>
+                                        <p:tav tm="100000">
+                                          <p:val>
+                                            <p:fltVal val="1"/>
+                                          </p:val>
+                                        </p:tav>
+                                      </p:tavLst>
+                                    </p:anim>
+                                    <p:anim calcmode="lin" valueType="num">
+                                      <p:cBhvr>
+                                        <p:cTn id="26" dur="2000" fill="hold"/>
+                                        <p:tgtEl>
+                                          <p:spTgt spid="8"/>
+                                        </p:tgtEl>
+                                        <p:attrNameLst>
+                                          <p:attrName>ppt_h</p:attrName>
+                                        </p:attrNameLst>
+                                      </p:cBhvr>
+                                      <p:tavLst>
+                                        <p:tav tm="0">
+                                          <p:val>
+                                            <p:strVal val="#ppt_h"/>
+                                          </p:val>
+                                        </p:tav>
+                                        <p:tav tm="100000">
+                                          <p:val>
+                                            <p:strVal val="#ppt_h"/>
+                                          </p:val>
+                                        </p:tav>
+                                      </p:tavLst>
+                                    </p:anim>
+                                  </p:childTnLst>
+                                </p:cTn>
+                              </p:par>
+                            </p:childTnLst>
+                          </p:cTn>
+                        </p:par>
+                      </p:childTnLst>
+                    </p:cTn>
+                  </p:par>
+                  <p:par>
+                    <p:cTn id="27" fill="hold">
+                      <p:stCondLst>
+                        <p:cond delay="indefinite"/>
+                      </p:stCondLst>
+                      <p:childTnLst>
+                        <p:par>
+                          <p:cTn id="28" fill="hold">
+                            <p:stCondLst>
+                              <p:cond delay="0"/>
+                            </p:stCondLst>
+                            <p:childTnLst>
+                              <p:par>
+                                <p:cTn id="29" presetID="16" presetClass="entr" presetSubtype="21" fill="hold" nodeType="clickEffect">
+                                  <p:stCondLst>
+                                    <p:cond delay="0"/>
+                                  </p:stCondLst>
+                                  <p:childTnLst>
+                                    <p:set>
+                                      <p:cBhvr>
+                                        <p:cTn id="30" dur="1" fill="hold">
+                                          <p:stCondLst>
+                                            <p:cond delay="0"/>
+                                          </p:stCondLst>
+                                        </p:cTn>
+                                        <p:tgtEl>
+                                          <p:spTgt spid="14"/>
+                                        </p:tgtEl>
+                                        <p:attrNameLst>
+                                          <p:attrName>style.visibility</p:attrName>
+                                        </p:attrNameLst>
+                                      </p:cBhvr>
+                                      <p:to>
+                                        <p:strVal val="visible"/>
+                                      </p:to>
+                                    </p:set>
+                                    <p:animEffect transition="in" filter="barn(inVertical)">
+                                      <p:cBhvr>
+                                        <p:cTn id="31" dur="500"/>
+                                        <p:tgtEl>
+                                          <p:spTgt spid="14"/>
+                                        </p:tgtEl>
+                                      </p:cBhvr>
+                                    </p:animEffect>
+                                  </p:childTnLst>
+                                </p:cTn>
+                              </p:par>
+                            </p:childTnLst>
+                          </p:cTn>
+                        </p:par>
+                      </p:childTnLst>
+                    </p:cTn>
+                  </p:par>
+                </p:childTnLst>
+              </p:cTn>
+              <p:prevCondLst>
+                <p:cond evt="onPrev" delay="0">
+                  <p:tgtEl>
+                    <p:sldTgt/>
+                  </p:tgtEl>
+                </p:cond>
+              </p:prevCondLst>
+              <p:nextCondLst>
+                <p:cond evt="onNext" delay="0">
+                  <p:tgtEl>
+                    <p:sldTgt/>
+                  </p:tgtEl>
+                </p:cond>
+              </p:nextCondLst>
+            </p:seq>
+          </p:childTnLst>
+        </p:cTn>
+      </p:par>
+    </p:tnLst>
+  </p:timing>
+</p:sld>
+</file>
+
+<file path=ppt/slides/slide13.xml><?xml version="1.0" encoding="utf-8"?>
+<p:sld xmlns:a="http://schemas.openxmlformats.org/drawingml/2006/main" xmlns:r="http://schemas.openxmlformats.org/officeDocument/2006/relationships" xmlns:p="http://schemas.openxmlformats.org/presentationml/2006/main">
+  <p:cSld>
+    <p:spTree>
+      <p:nvGrpSpPr>
+        <p:cNvPr id="1" name=""/>
+        <p:cNvGrpSpPr/>
+        <p:nvPr/>
+      </p:nvGrpSpPr>
+      <p:grpSpPr>
+        <a:xfrm>
+          <a:off x="0" y="0"/>
+          <a:ext cx="0" cy="0"/>
+          <a:chOff x="0" y="0"/>
+          <a:chExt cx="0" cy="0"/>
+        </a:xfrm>
+      </p:grpSpPr>
+      <p:sp>
+        <p:nvSpPr>
+          <p:cNvPr id="2" name="Title 1"/>
+          <p:cNvSpPr>
+            <a:spLocks noGrp="1"/>
+          </p:cNvSpPr>
+          <p:nvPr>
+            <p:ph type="title"/>
+          </p:nvPr>
+        </p:nvSpPr>
+        <p:spPr>
+          <a:xfrm>
+            <a:off x="301752" y="228600"/>
+            <a:ext cx="8534400" cy="1143000"/>
+          </a:xfrm>
+        </p:spPr>
+        <p:txBody>
+          <a:bodyPr>
+            <a:noAutofit/>
+          </a:bodyPr>
+          <a:lstStyle/>
+          <a:p>
+            <a:r>
+              <a:rPr lang="en-US" sz="2800" b="1" dirty="0">
+                <a:solidFill>
+                  <a:srgbClr val="8CADAE">
+                    <a:shade val="75000"/>
+                  </a:srgbClr>
+                </a:solidFill>
+              </a:rPr>
+              <a:t>TEAM</a:t>
+            </a:r>
+            <a:r>
+              <a:rPr lang="en-US" sz="2800" b="1" dirty="0">
+                <a:solidFill>
+                  <a:srgbClr val="FF0000"/>
+                </a:solidFill>
+              </a:rPr>
+              <a:t>4</a:t>
+            </a:r>
+            <a:r>
+              <a:rPr lang="en-US" sz="2800" b="1" dirty="0">
+                <a:solidFill>
+                  <a:srgbClr val="8CADAE">
+                    <a:shade val="75000"/>
+                  </a:srgbClr>
+                </a:solidFill>
+              </a:rPr>
+              <a:t>O</a:t>
+            </a:r>
+            <a:r>
+              <a:rPr lang="en-US" sz="2800" b="1" dirty="0">
+                <a:solidFill>
+                  <a:srgbClr val="FF0000"/>
+                </a:solidFill>
+              </a:rPr>
+              <a:t>IE</a:t>
+            </a:r>
+            <a:r>
+              <a:rPr lang="en-US" sz="2800" b="1" dirty="0">
+                <a:solidFill>
+                  <a:srgbClr val="8CADAE">
+                    <a:shade val="75000"/>
+                  </a:srgbClr>
+                </a:solidFill>
+              </a:rPr>
+              <a:t>S</a:t>
+            </a:r>
+            <a:r>
+              <a:rPr lang="en-US" sz="2800" dirty="0">
+                <a:solidFill>
+                  <a:srgbClr val="8CADAE">
+                    <a:shade val="75000"/>
+                  </a:srgbClr>
+                </a:solidFill>
+              </a:rPr>
+              <a:t/>
+            </a:r>
+            <a:br>
+              <a:rPr lang="en-US" sz="2800" dirty="0">
+                <a:solidFill>
+                  <a:srgbClr val="8CADAE">
+                    <a:shade val="75000"/>
+                  </a:srgbClr>
+                </a:solidFill>
+              </a:rPr>
+            </a:br>
+            <a:r>
+              <a:rPr lang="en-US" sz="2800" b="1" dirty="0">
+                <a:solidFill>
+                  <a:srgbClr val="FF0000"/>
+                </a:solidFill>
+              </a:rPr>
+              <a:t>O</a:t>
+            </a:r>
+            <a:r>
+              <a:rPr lang="en-US" sz="2800" dirty="0">
+                <a:solidFill>
+                  <a:srgbClr val="8CADAE">
+                    <a:shade val="75000"/>
+                  </a:srgbClr>
+                </a:solidFill>
+              </a:rPr>
+              <a:t>nline </a:t>
+            </a:r>
+            <a:r>
+              <a:rPr lang="en-US" sz="2800" b="1" dirty="0">
+                <a:solidFill>
+                  <a:srgbClr val="FF0000"/>
+                </a:solidFill>
+              </a:rPr>
+              <a:t>I</a:t>
+            </a:r>
+            <a:r>
+              <a:rPr lang="en-US" sz="2800" dirty="0">
+                <a:solidFill>
+                  <a:srgbClr val="8CADAE">
+                    <a:shade val="75000"/>
+                  </a:srgbClr>
+                </a:solidFill>
+              </a:rPr>
+              <a:t>nternational </a:t>
+            </a:r>
+            <a:r>
+              <a:rPr lang="en-US" sz="2800" b="1" dirty="0">
+                <a:solidFill>
+                  <a:srgbClr val="FF0000"/>
+                </a:solidFill>
+              </a:rPr>
+              <a:t>E</a:t>
+            </a:r>
+            <a:r>
+              <a:rPr lang="en-US" sz="2800" dirty="0">
+                <a:solidFill>
+                  <a:srgbClr val="8CADAE">
+                    <a:shade val="75000"/>
+                  </a:srgbClr>
+                </a:solidFill>
+              </a:rPr>
+              <a:t>VAR </a:t>
+            </a:r>
+            <a:r>
+              <a:rPr lang="en-US" sz="2800" b="1" dirty="0">
+                <a:solidFill>
+                  <a:srgbClr val="FF0000"/>
+                </a:solidFill>
+              </a:rPr>
+              <a:t>S</a:t>
+            </a:r>
+            <a:r>
+              <a:rPr lang="en-US" sz="2800" dirty="0">
+                <a:solidFill>
+                  <a:srgbClr val="8CADAE">
+                    <a:shade val="75000"/>
+                  </a:srgbClr>
+                </a:solidFill>
+              </a:rPr>
+              <a:t>ystem</a:t>
+            </a:r>
+            <a:br>
+              <a:rPr lang="en-US" sz="2800" dirty="0">
+                <a:solidFill>
+                  <a:srgbClr val="8CADAE">
+                    <a:shade val="75000"/>
+                  </a:srgbClr>
+                </a:solidFill>
+              </a:rPr>
+            </a:br>
+            <a:r>
+              <a:rPr lang="en-US" altLang="en-US" sz="2000" b="1" dirty="0">
+                <a:solidFill>
+                  <a:srgbClr val="000000"/>
+                </a:solidFill>
+              </a:rPr>
+              <a:t>(</a:t>
+            </a:r>
+            <a:r>
+              <a:rPr lang="en-US" altLang="en-US" sz="2000" b="1" dirty="0">
+                <a:solidFill>
+                  <a:srgbClr val="FF0000"/>
+                </a:solidFill>
+              </a:rPr>
+              <a:t>ANONYMIZED </a:t>
+            </a:r>
+            <a:r>
+              <a:rPr lang="en-US" altLang="en-US" sz="2000" b="1" dirty="0">
+                <a:solidFill>
+                  <a:srgbClr val="000000"/>
+                </a:solidFill>
+              </a:rPr>
+              <a:t>Long Term Follow up EVAR Database)</a:t>
+            </a:r>
+            <a:r>
+              <a:rPr lang="en-US" sz="2000" dirty="0">
+                <a:solidFill>
+                  <a:srgbClr val="8CADAE">
+                    <a:shade val="75000"/>
+                  </a:srgbClr>
+                </a:solidFill>
+              </a:rPr>
+              <a:t> </a:t>
+            </a:r>
+            <a:endParaRPr lang="en-US" sz="2000" dirty="0"/>
+          </a:p>
+        </p:txBody>
+      </p:sp>
+      <p:pic>
+        <p:nvPicPr>
+          <p:cNvPr id="4" name="Content Placeholder 3"/>
+          <p:cNvPicPr>
+            <a:picLocks noGrp="1" noChangeAspect="1"/>
+          </p:cNvPicPr>
+          <p:nvPr>
+            <p:ph sz="quarter" idx="1"/>
+          </p:nvPr>
+        </p:nvPicPr>
+        <p:blipFill>
+          <a:blip r:embed="rId2"/>
+          <a:stretch>
+            <a:fillRect/>
+          </a:stretch>
+        </p:blipFill>
+        <p:spPr>
+          <a:xfrm>
+            <a:off x="357057" y="1527175"/>
+            <a:ext cx="8393373" cy="4572000"/>
+          </a:xfrm>
+          <a:prstGeom prst="rect">
+            <a:avLst/>
+          </a:prstGeom>
+        </p:spPr>
+      </p:pic>
+    </p:spTree>
+    <p:extLst>
+      <p:ext uri="{BB962C8B-B14F-4D97-AF65-F5344CB8AC3E}">
+        <p14:creationId xmlns:p14="http://schemas.microsoft.com/office/powerpoint/2010/main" val="997569897"/>
+      </p:ext>
+    </p:extLst>
+  </p:cSld>
+  <p:clrMapOvr>
+    <a:masterClrMapping/>
+  </p:clrMapOvr>
+  <p:timing>
+    <p:tnLst>
+      <p:par>
+        <p:cTn id="1" dur="indefinite" restart="never" nodeType="tmRoot">
+          <p:childTnLst>
+            <p:seq concurrent="1" nextAc="seek">
+              <p:cTn id="2" dur="indefinite" nodeType="mainSeq">
+                <p:childTnLst>
+                  <p:par>
+                    <p:cTn id="3" fill="hold">
+                      <p:stCondLst>
+                        <p:cond delay="indefinite"/>
+                      </p:stCondLst>
+                      <p:childTnLst>
+                        <p:par>
+                          <p:cTn id="4" fill="hold">
+                            <p:stCondLst>
+                              <p:cond delay="0"/>
+                            </p:stCondLst>
+                            <p:childTnLst>
+                              <p:par>
+                                <p:cTn id="5" presetID="2" presetClass="exit" presetSubtype="4" fill="hold" nodeType="clickEffect">
+                                  <p:stCondLst>
+                                    <p:cond delay="0"/>
+                                  </p:stCondLst>
+                                  <p:childTnLst>
+                                    <p:anim calcmode="lin" valueType="num">
+                                      <p:cBhvr additive="base">
+                                        <p:cTn id="6" dur="500"/>
+                                        <p:tgtEl>
+                                          <p:spTgt spid="4"/>
+                                        </p:tgtEl>
+                                        <p:attrNameLst>
+                                          <p:attrName>ppt_x</p:attrName>
+                                        </p:attrNameLst>
+                                      </p:cBhvr>
+                                      <p:tavLst>
+                                        <p:tav tm="0">
+                                          <p:val>
+                                            <p:strVal val="ppt_x"/>
+                                          </p:val>
+                                        </p:tav>
+                                        <p:tav tm="100000">
+                                          <p:val>
+                                            <p:strVal val="ppt_x"/>
+                                          </p:val>
+                                        </p:tav>
+                                      </p:tavLst>
+                                    </p:anim>
+                                    <p:anim calcmode="lin" valueType="num">
+                                      <p:cBhvr additive="base">
+                                        <p:cTn id="7" dur="500"/>
+                                        <p:tgtEl>
+                                          <p:spTgt spid="4"/>
+                                        </p:tgtEl>
+                                        <p:attrNameLst>
+                                          <p:attrName>ppt_y</p:attrName>
+                                        </p:attrNameLst>
+                                      </p:cBhvr>
+                                      <p:tavLst>
+                                        <p:tav tm="0">
+                                          <p:val>
+                                            <p:strVal val="ppt_y"/>
+                                          </p:val>
+                                        </p:tav>
+                                        <p:tav tm="100000">
+                                          <p:val>
+                                            <p:strVal val="1+ppt_h/2"/>
+                                          </p:val>
+                                        </p:tav>
+                                      </p:tavLst>
+                                    </p:anim>
+                                    <p:set>
+                                      <p:cBhvr>
+                                        <p:cTn id="8" dur="1" fill="hold">
+                                          <p:stCondLst>
+                                            <p:cond delay="499"/>
+                                          </p:stCondLst>
+                                        </p:cTn>
+                                        <p:tgtEl>
+                                          <p:spTgt spid="4"/>
+                                        </p:tgtEl>
+                                        <p:attrNameLst>
+                                          <p:attrName>style.visibility</p:attrName>
+                                        </p:attrNameLst>
+                                      </p:cBhvr>
+                                      <p:to>
+                                        <p:strVal val="hidden"/>
+                                      </p:to>
+                                    </p:set>
+                                  </p:childTnLst>
+                                </p:cTn>
+                              </p:par>
+                            </p:childTnLst>
+                          </p:cTn>
+                        </p:par>
+                      </p:childTnLst>
+                    </p:cTn>
+                  </p:par>
+                </p:childTnLst>
+              </p:cTn>
+              <p:prevCondLst>
+                <p:cond evt="onPrev" delay="0">
+                  <p:tgtEl>
+                    <p:sldTgt/>
+                  </p:tgtEl>
+                </p:cond>
+              </p:prevCondLst>
+              <p:nextCondLst>
+                <p:cond evt="onNext" delay="0">
+                  <p:tgtEl>
+                    <p:sldTgt/>
+                  </p:tgtEl>
+                </p:cond>
+              </p:nextCondLst>
+            </p:seq>
+          </p:childTnLst>
+        </p:cTn>
       </p:par>
     </p:tnLst>
   </p:timing>
@@ -6565,24 +10227,13 @@
           <a:bodyPr/>
           <a:lstStyle/>
           <a:p>
-            <a:r>
-              <a:rPr lang="en-US" dirty="0"/>
-              <a:t>Added by VH; Please discuss DB </a:t>
-            </a:r>
+            <a:pPr marL="0" indent="0">
+              <a:buNone/>
+            </a:pPr>
             <a:r>
               <a:rPr lang="en-US" dirty="0" smtClean="0"/>
-              <a:t>first</a:t>
-            </a:r>
-          </a:p>
-          <a:p>
-            <a:endParaRPr lang="en-US" dirty="0"/>
-          </a:p>
-          <a:p>
-            <a:r>
-              <a:rPr lang="en-US" dirty="0" smtClean="0"/>
-              <a:t>Please place these as dividers </a:t>
-            </a:r>
-            <a:endParaRPr lang="en-US" dirty="0"/>
+              <a:t>ERD:</a:t>
+            </a:r>
           </a:p>
         </p:txBody>
       </p:sp>
@@ -6609,8 +10260,8 @@
         </p:blipFill>
         <p:spPr bwMode="auto">
           <a:xfrm>
-            <a:off x="457200" y="1676400"/>
-            <a:ext cx="3810866" cy="4457700"/>
+            <a:off x="262127" y="2057400"/>
+            <a:ext cx="6954411" cy="4343400"/>
           </a:xfrm>
           <a:prstGeom prst="rect">
             <a:avLst/>
@@ -6648,8 +10299,8 @@
         </p:nvSpPr>
         <p:spPr>
           <a:xfrm>
-            <a:off x="4702629" y="3200400"/>
-            <a:ext cx="3581400" cy="2308324"/>
+            <a:off x="7086600" y="3072441"/>
+            <a:ext cx="1774517" cy="2308324"/>
           </a:xfrm>
           <a:prstGeom prst="rect">
             <a:avLst/>
@@ -6663,96 +10314,258 @@
           <a:lstStyle/>
           <a:p>
             <a:r>
-              <a:rPr lang="en-US" b="1" i="1" dirty="0"/>
+              <a:rPr lang="en-US" b="1" i="1" dirty="0">
+                <a:solidFill>
+                  <a:prstClr val="black"/>
+                </a:solidFill>
+              </a:rPr>
               <a:t># of </a:t>
             </a:r>
             <a:r>
-              <a:rPr lang="en-US" b="1" i="1" dirty="0" err="1"/>
+              <a:rPr lang="en-US" b="1" i="1" dirty="0" err="1">
+                <a:solidFill>
+                  <a:prstClr val="black"/>
+                </a:solidFill>
+              </a:rPr>
               <a:t>Es</a:t>
             </a:r>
             <a:r>
-              <a:rPr lang="en-US" b="1" i="1" dirty="0"/>
+              <a:rPr lang="en-US" b="1" i="1" dirty="0">
+                <a:solidFill>
+                  <a:prstClr val="black"/>
+                </a:solidFill>
+              </a:rPr>
               <a:t>:  10</a:t>
             </a:r>
-            <a:endParaRPr lang="en-US" dirty="0"/>
-          </a:p>
-          <a:p>
-            <a:r>
-              <a:rPr lang="en-US" b="1" i="1" dirty="0"/>
+            <a:endParaRPr lang="en-US" dirty="0">
+              <a:solidFill>
+                <a:prstClr val="black"/>
+              </a:solidFill>
+            </a:endParaRPr>
+          </a:p>
+          <a:p>
+            <a:r>
+              <a:rPr lang="en-US" b="1" i="1" dirty="0">
+                <a:solidFill>
+                  <a:prstClr val="black"/>
+                </a:solidFill>
+              </a:rPr>
               <a:t># of </a:t>
             </a:r>
             <a:r>
-              <a:rPr lang="en-US" b="1" i="1" dirty="0" err="1"/>
+              <a:rPr lang="en-US" b="1" i="1" dirty="0" err="1">
+                <a:solidFill>
+                  <a:prstClr val="black"/>
+                </a:solidFill>
+              </a:rPr>
               <a:t>Rs</a:t>
             </a:r>
             <a:r>
-              <a:rPr lang="en-US" b="1" i="1" dirty="0"/>
+              <a:rPr lang="en-US" b="1" i="1" dirty="0">
+                <a:solidFill>
+                  <a:prstClr val="black"/>
+                </a:solidFill>
+              </a:rPr>
               <a:t>:  8</a:t>
             </a:r>
-            <a:endParaRPr lang="en-US" dirty="0"/>
-          </a:p>
-          <a:p>
-            <a:r>
-              <a:rPr lang="en-US" b="1" i="1" dirty="0"/>
+            <a:endParaRPr lang="en-US" dirty="0">
+              <a:solidFill>
+                <a:prstClr val="black"/>
+              </a:solidFill>
+            </a:endParaRPr>
+          </a:p>
+          <a:p>
+            <a:r>
+              <a:rPr lang="en-US" b="1" i="1" dirty="0">
+                <a:solidFill>
+                  <a:prstClr val="black"/>
+                </a:solidFill>
+              </a:rPr>
               <a:t># of Vs:  1</a:t>
             </a:r>
-            <a:endParaRPr lang="en-US" dirty="0"/>
-          </a:p>
-          <a:p>
-            <a:r>
-              <a:rPr lang="en-US" b="1" i="1" dirty="0"/>
+            <a:endParaRPr lang="en-US" dirty="0">
+              <a:solidFill>
+                <a:prstClr val="black"/>
+              </a:solidFill>
+            </a:endParaRPr>
+          </a:p>
+          <a:p>
+            <a:r>
+              <a:rPr lang="en-US" b="1" i="1" dirty="0">
+                <a:solidFill>
+                  <a:prstClr val="black"/>
+                </a:solidFill>
+              </a:rPr>
               <a:t># of </a:t>
             </a:r>
             <a:r>
-              <a:rPr lang="en-US" b="1" i="1" dirty="0" err="1"/>
+              <a:rPr lang="en-US" b="1" i="1" dirty="0" err="1">
+                <a:solidFill>
+                  <a:prstClr val="black"/>
+                </a:solidFill>
+              </a:rPr>
               <a:t>Ts</a:t>
             </a:r>
             <a:r>
-              <a:rPr lang="en-US" b="1" i="1" dirty="0"/>
+              <a:rPr lang="en-US" b="1" i="1" dirty="0">
+                <a:solidFill>
+                  <a:prstClr val="black"/>
+                </a:solidFill>
+              </a:rPr>
               <a:t>:  1</a:t>
             </a:r>
-            <a:endParaRPr lang="en-US" dirty="0"/>
-          </a:p>
-          <a:p>
-            <a:r>
-              <a:rPr lang="en-US" b="1" i="1" dirty="0"/>
+            <a:endParaRPr lang="en-US" dirty="0">
+              <a:solidFill>
+                <a:prstClr val="black"/>
+              </a:solidFill>
+            </a:endParaRPr>
+          </a:p>
+          <a:p>
+            <a:r>
+              <a:rPr lang="en-US" b="1" i="1" dirty="0">
+                <a:solidFill>
+                  <a:prstClr val="black"/>
+                </a:solidFill>
+              </a:rPr>
               <a:t> </a:t>
             </a:r>
-            <a:endParaRPr lang="en-US" dirty="0"/>
-          </a:p>
-          <a:p>
-            <a:r>
-              <a:rPr lang="en-US" b="1" i="1" dirty="0"/>
+            <a:endParaRPr lang="en-US" dirty="0">
+              <a:solidFill>
+                <a:prstClr val="black"/>
+              </a:solidFill>
+            </a:endParaRPr>
+          </a:p>
+          <a:p>
+            <a:r>
+              <a:rPr lang="en-US" b="1" i="1" dirty="0">
+                <a:solidFill>
+                  <a:prstClr val="black"/>
+                </a:solidFill>
+              </a:rPr>
               <a:t># of Ds:  18    </a:t>
             </a:r>
-            <a:endParaRPr lang="en-US" dirty="0"/>
-          </a:p>
-          <a:p>
-            <a:r>
-              <a:rPr lang="en-US" b="1" i="1" dirty="0"/>
+            <a:endParaRPr lang="en-US" dirty="0">
+              <a:solidFill>
+                <a:prstClr val="black"/>
+              </a:solidFill>
+            </a:endParaRPr>
+          </a:p>
+          <a:p>
+            <a:r>
+              <a:rPr lang="en-US" b="1" i="1" dirty="0">
+                <a:solidFill>
+                  <a:prstClr val="black"/>
+                </a:solidFill>
+              </a:rPr>
               <a:t> </a:t>
             </a:r>
-            <a:endParaRPr lang="en-US" dirty="0"/>
-          </a:p>
-          <a:p>
-            <a:r>
-              <a:rPr lang="en-US" b="1" i="1" dirty="0"/>
+            <a:endParaRPr lang="en-US" dirty="0">
+              <a:solidFill>
+                <a:prstClr val="black"/>
+              </a:solidFill>
+            </a:endParaRPr>
+          </a:p>
+          <a:p>
+            <a:r>
+              <a:rPr lang="en-US" b="1" i="1" dirty="0">
+                <a:solidFill>
+                  <a:prstClr val="black"/>
+                </a:solidFill>
+              </a:rPr>
               <a:t># of Cs:  12 </a:t>
             </a:r>
-            <a:endParaRPr lang="en-US" dirty="0"/>
+            <a:endParaRPr lang="en-US" dirty="0">
+              <a:solidFill>
+                <a:prstClr val="black"/>
+              </a:solidFill>
+            </a:endParaRPr>
+          </a:p>
+        </p:txBody>
+      </p:sp>
+      <p:sp>
+        <p:nvSpPr>
+          <p:cNvPr id="5" name="Rectangle 4"/>
+          <p:cNvSpPr/>
+          <p:nvPr/>
+        </p:nvSpPr>
+        <p:spPr>
+          <a:xfrm>
+            <a:off x="1219200" y="1298334"/>
+            <a:ext cx="7071167" cy="923330"/>
+          </a:xfrm>
+          <a:prstGeom prst="rect">
+            <a:avLst/>
+          </a:prstGeom>
+          <a:noFill/>
+        </p:spPr>
+        <p:txBody>
+          <a:bodyPr wrap="none" lIns="91440" tIns="45720" rIns="91440" bIns="45720">
+            <a:spAutoFit/>
+          </a:bodyPr>
+          <a:lstStyle/>
+          <a:p>
+            <a:pPr algn="ctr"/>
+            <a:r>
+              <a:rPr lang="en-US" sz="5400" b="1" spc="200" dirty="0" smtClean="0">
+                <a:ln w="29210">
+                  <a:solidFill>
+                    <a:srgbClr val="8CADAE">
+                      <a:tint val="10000"/>
+                    </a:srgbClr>
+                  </a:solidFill>
+                </a:ln>
+                <a:solidFill>
+                  <a:srgbClr val="FF0000"/>
+                </a:solidFill>
+                <a:effectLst>
+                  <a:innerShdw blurRad="50800" dist="50800" dir="8100000">
+                    <a:srgbClr val="7D7D7D">
+                      <a:alpha val="73000"/>
+                    </a:srgbClr>
+                  </a:innerShdw>
+                </a:effectLst>
+              </a:rPr>
+              <a:t>COPY AND PASTE</a:t>
+            </a:r>
+            <a:endParaRPr lang="en-US" sz="5400" b="1" spc="200" dirty="0">
+              <a:ln w="29210">
+                <a:solidFill>
+                  <a:srgbClr val="8CADAE">
+                    <a:tint val="10000"/>
+                  </a:srgbClr>
+                </a:solidFill>
+              </a:ln>
+              <a:solidFill>
+                <a:srgbClr val="FF0000"/>
+              </a:solidFill>
+              <a:effectLst>
+                <a:innerShdw blurRad="50800" dist="50800" dir="8100000">
+                  <a:srgbClr val="7D7D7D">
+                    <a:alpha val="73000"/>
+                  </a:srgbClr>
+                </a:innerShdw>
+              </a:effectLst>
+            </a:endParaRPr>
           </a:p>
         </p:txBody>
       </p:sp>
     </p:spTree>
     <p:extLst>
       <p:ext uri="{BB962C8B-B14F-4D97-AF65-F5344CB8AC3E}">
-        <p14:creationId xmlns:p14="http://schemas.microsoft.com/office/powerpoint/2010/main" val="4266379870"/>
+        <p14:creationId xmlns:p14="http://schemas.microsoft.com/office/powerpoint/2010/main" val="2775980081"/>
       </p:ext>
     </p:extLst>
   </p:cSld>
   <p:clrMapOvr>
     <a:masterClrMapping/>
   </p:clrMapOvr>
+  <p:timing>
+    <p:tnLst>
+      <p:par>
+        <p:cTn id="1" dur="indefinite" restart="never" nodeType="tmRoot"/>
+      </p:par>
+    </p:tnLst>
+  </p:timing>
 </p:sld>
 </file>
 
@@ -6775,122 +10588,6 @@
       </p:grpSpPr>
       <p:sp>
         <p:nvSpPr>
-          <p:cNvPr id="2" name="Title 1"/>
-          <p:cNvSpPr>
-            <a:spLocks noGrp="1"/>
-          </p:cNvSpPr>
-          <p:nvPr>
-            <p:ph type="title"/>
-          </p:nvPr>
-        </p:nvSpPr>
-        <p:spPr>
-          <a:xfrm>
-            <a:off x="609600" y="685800"/>
-            <a:ext cx="8534400" cy="758952"/>
-          </a:xfrm>
-        </p:spPr>
-        <p:txBody>
-          <a:bodyPr>
-            <a:normAutofit fontScale="90000"/>
-          </a:bodyPr>
-          <a:lstStyle/>
-          <a:p>
-            <a:r>
-              <a:rPr lang="en-US" sz="3600" b="1" dirty="0" smtClean="0"/>
-              <a:t>TEAM</a:t>
-            </a:r>
-            <a:r>
-              <a:rPr lang="en-US" sz="3600" b="1" dirty="0" smtClean="0">
-                <a:solidFill>
-                  <a:srgbClr val="FF0000"/>
-                </a:solidFill>
-              </a:rPr>
-              <a:t>4</a:t>
-            </a:r>
-            <a:r>
-              <a:rPr lang="en-US" sz="3600" b="1" dirty="0" smtClean="0"/>
-              <a:t>O</a:t>
-            </a:r>
-            <a:r>
-              <a:rPr lang="en-US" sz="3600" b="1" dirty="0" smtClean="0">
-                <a:solidFill>
-                  <a:srgbClr val="FF0000"/>
-                </a:solidFill>
-              </a:rPr>
-              <a:t>IE</a:t>
-            </a:r>
-            <a:r>
-              <a:rPr lang="en-US" sz="3600" b="1" dirty="0" smtClean="0"/>
-              <a:t>S</a:t>
-            </a:r>
-            <a:r>
-              <a:rPr lang="en-US" sz="3600" dirty="0"/>
-              <a:t/>
-            </a:r>
-            <a:br>
-              <a:rPr lang="en-US" sz="3600" dirty="0"/>
-            </a:br>
-            <a:r>
-              <a:rPr lang="en-US" sz="3600" b="1" dirty="0">
-                <a:solidFill>
-                  <a:srgbClr val="FF0000"/>
-                </a:solidFill>
-              </a:rPr>
-              <a:t>O</a:t>
-            </a:r>
-            <a:r>
-              <a:rPr lang="en-US" sz="3600" dirty="0"/>
-              <a:t>nline </a:t>
-            </a:r>
-            <a:r>
-              <a:rPr lang="en-US" sz="3600" b="1" dirty="0">
-                <a:solidFill>
-                  <a:srgbClr val="FF0000"/>
-                </a:solidFill>
-              </a:rPr>
-              <a:t>I</a:t>
-            </a:r>
-            <a:r>
-              <a:rPr lang="en-US" sz="3600" dirty="0"/>
-              <a:t>nternational </a:t>
-            </a:r>
-            <a:r>
-              <a:rPr lang="en-US" sz="3600" b="1" dirty="0">
-                <a:solidFill>
-                  <a:srgbClr val="FF0000"/>
-                </a:solidFill>
-              </a:rPr>
-              <a:t>E</a:t>
-            </a:r>
-            <a:r>
-              <a:rPr lang="en-US" sz="3600" dirty="0"/>
-              <a:t>VAR </a:t>
-            </a:r>
-            <a:r>
-              <a:rPr lang="en-US" sz="3600" b="1" dirty="0">
-                <a:solidFill>
-                  <a:srgbClr val="FF0000"/>
-                </a:solidFill>
-              </a:rPr>
-              <a:t>S</a:t>
-            </a:r>
-            <a:r>
-              <a:rPr lang="en-US" sz="3600" dirty="0"/>
-              <a:t>ystem </a:t>
-            </a:r>
-            <a:br>
-              <a:rPr lang="en-US" sz="3600" dirty="0"/>
-            </a:br>
-            <a:r>
-              <a:rPr lang="en-US" dirty="0" smtClean="0"/>
-              <a:t>DATABASE BACK END</a:t>
-            </a:r>
-            <a:endParaRPr lang="en-US" dirty="0"/>
-          </a:p>
-        </p:txBody>
-      </p:sp>
-      <p:sp>
-        <p:nvSpPr>
           <p:cNvPr id="3" name="Content Placeholder 2"/>
           <p:cNvSpPr>
             <a:spLocks noGrp="1"/>
@@ -6899,33 +10596,304 @@
             <p:ph sz="quarter" idx="1"/>
           </p:nvPr>
         </p:nvSpPr>
-        <p:spPr/>
-        <p:txBody>
-          <a:bodyPr/>
+        <p:spPr>
+          <a:xfrm>
+            <a:off x="374609" y="1459468"/>
+            <a:ext cx="8503920" cy="4572000"/>
+          </a:xfrm>
+        </p:spPr>
+        <p:txBody>
+          <a:bodyPr>
+            <a:normAutofit/>
+          </a:bodyPr>
           <a:lstStyle/>
           <a:p>
             <a:r>
-              <a:rPr lang="en-US" dirty="0" smtClean="0"/>
-              <a:t>Relations…?</a:t>
-            </a:r>
-          </a:p>
-          <a:p>
-            <a:r>
-              <a:rPr lang="en-US" dirty="0" smtClean="0"/>
-              <a:t>1 to 1, Many to 1…?</a:t>
-            </a:r>
-          </a:p>
-          <a:p>
-            <a:r>
-              <a:rPr lang="en-US" dirty="0" smtClean="0"/>
-              <a:t>Picture of ERD…?</a:t>
-            </a:r>
+              <a:rPr lang="en-US" sz="2000" b="1" dirty="0" smtClean="0"/>
+              <a:t>DRS: T1: Data Requirements</a:t>
+            </a:r>
+          </a:p>
+        </p:txBody>
+      </p:sp>
+      <p:sp>
+        <p:nvSpPr>
+          <p:cNvPr id="6" name="Title 1"/>
+          <p:cNvSpPr txBox="1">
+            <a:spLocks/>
+          </p:cNvSpPr>
+          <p:nvPr/>
+        </p:nvSpPr>
+        <p:spPr>
+          <a:xfrm>
+            <a:off x="-76200" y="152400"/>
+            <a:ext cx="8991600" cy="1066800"/>
+          </a:xfrm>
+          <a:prstGeom prst="rect">
+            <a:avLst/>
+          </a:prstGeom>
+        </p:spPr>
+        <p:txBody>
+          <a:bodyPr vert="horz" anchor="b">
+            <a:normAutofit fontScale="47500" lnSpcReduction="20000"/>
+          </a:bodyPr>
+          <a:lstStyle>
+            <a:lvl1pPr algn="ctr" rtl="0" eaLnBrk="1" latinLnBrk="0" hangingPunct="1">
+              <a:spcBef>
+                <a:spcPct val="0"/>
+              </a:spcBef>
+              <a:buNone/>
+              <a:defRPr kumimoji="0" sz="3300" kern="1200">
+                <a:solidFill>
+                  <a:schemeClr val="accent3">
+                    <a:shade val="75000"/>
+                  </a:schemeClr>
+                </a:solidFill>
+                <a:latin typeface="+mj-lt"/>
+                <a:ea typeface="+mj-ea"/>
+                <a:cs typeface="+mj-cs"/>
+              </a:defRPr>
+            </a:lvl1pPr>
+          </a:lstStyle>
+          <a:p>
+            <a:r>
+              <a:rPr lang="en-US" sz="3200" b="1" dirty="0" smtClean="0">
+                <a:solidFill>
+                  <a:srgbClr val="8CADAE">
+                    <a:shade val="75000"/>
+                  </a:srgbClr>
+                </a:solidFill>
+              </a:rPr>
+              <a:t>TEAM</a:t>
+            </a:r>
+            <a:r>
+              <a:rPr lang="en-US" sz="3200" b="1" dirty="0" smtClean="0">
+                <a:solidFill>
+                  <a:srgbClr val="FF0000"/>
+                </a:solidFill>
+              </a:rPr>
+              <a:t>4</a:t>
+            </a:r>
+            <a:r>
+              <a:rPr lang="en-US" sz="3200" b="1" dirty="0" smtClean="0">
+                <a:solidFill>
+                  <a:srgbClr val="8CADAE">
+                    <a:shade val="75000"/>
+                  </a:srgbClr>
+                </a:solidFill>
+              </a:rPr>
+              <a:t>O</a:t>
+            </a:r>
+            <a:r>
+              <a:rPr lang="en-US" sz="3200" b="1" dirty="0" smtClean="0">
+                <a:solidFill>
+                  <a:srgbClr val="FF0000"/>
+                </a:solidFill>
+              </a:rPr>
+              <a:t>IE</a:t>
+            </a:r>
+            <a:r>
+              <a:rPr lang="en-US" sz="3200" b="1" dirty="0" smtClean="0">
+                <a:solidFill>
+                  <a:srgbClr val="8CADAE">
+                    <a:shade val="75000"/>
+                  </a:srgbClr>
+                </a:solidFill>
+              </a:rPr>
+              <a:t>S</a:t>
+            </a:r>
+            <a:r>
+              <a:rPr lang="en-US" sz="3200" dirty="0" smtClean="0">
+                <a:solidFill>
+                  <a:srgbClr val="8CADAE">
+                    <a:shade val="75000"/>
+                  </a:srgbClr>
+                </a:solidFill>
+              </a:rPr>
+              <a:t/>
+            </a:r>
+            <a:br>
+              <a:rPr lang="en-US" sz="3200" dirty="0" smtClean="0">
+                <a:solidFill>
+                  <a:srgbClr val="8CADAE">
+                    <a:shade val="75000"/>
+                  </a:srgbClr>
+                </a:solidFill>
+              </a:rPr>
+            </a:br>
+            <a:r>
+              <a:rPr lang="en-US" sz="3200" b="1" dirty="0" smtClean="0">
+                <a:solidFill>
+                  <a:srgbClr val="FF0000"/>
+                </a:solidFill>
+              </a:rPr>
+              <a:t>O</a:t>
+            </a:r>
+            <a:r>
+              <a:rPr lang="en-US" sz="3200" dirty="0" smtClean="0">
+                <a:solidFill>
+                  <a:srgbClr val="8CADAE">
+                    <a:shade val="75000"/>
+                  </a:srgbClr>
+                </a:solidFill>
+              </a:rPr>
+              <a:t>nline </a:t>
+            </a:r>
+            <a:r>
+              <a:rPr lang="en-US" sz="3200" b="1" dirty="0" smtClean="0">
+                <a:solidFill>
+                  <a:srgbClr val="FF0000"/>
+                </a:solidFill>
+              </a:rPr>
+              <a:t>I</a:t>
+            </a:r>
+            <a:r>
+              <a:rPr lang="en-US" sz="3200" dirty="0" smtClean="0">
+                <a:solidFill>
+                  <a:srgbClr val="8CADAE">
+                    <a:shade val="75000"/>
+                  </a:srgbClr>
+                </a:solidFill>
+              </a:rPr>
+              <a:t>nternational </a:t>
+            </a:r>
+            <a:r>
+              <a:rPr lang="en-US" sz="3200" b="1" dirty="0" smtClean="0">
+                <a:solidFill>
+                  <a:srgbClr val="FF0000"/>
+                </a:solidFill>
+              </a:rPr>
+              <a:t>E</a:t>
+            </a:r>
+            <a:r>
+              <a:rPr lang="en-US" sz="3200" dirty="0" smtClean="0">
+                <a:solidFill>
+                  <a:srgbClr val="8CADAE">
+                    <a:shade val="75000"/>
+                  </a:srgbClr>
+                </a:solidFill>
+              </a:rPr>
+              <a:t>VAR </a:t>
+            </a:r>
+            <a:r>
+              <a:rPr lang="en-US" sz="3200" b="1" dirty="0" smtClean="0">
+                <a:solidFill>
+                  <a:srgbClr val="FF0000"/>
+                </a:solidFill>
+              </a:rPr>
+              <a:t>S</a:t>
+            </a:r>
+            <a:r>
+              <a:rPr lang="en-US" sz="3200" dirty="0" smtClean="0">
+                <a:solidFill>
+                  <a:srgbClr val="8CADAE">
+                    <a:shade val="75000"/>
+                  </a:srgbClr>
+                </a:solidFill>
+              </a:rPr>
+              <a:t>ystem</a:t>
+            </a:r>
+            <a:br>
+              <a:rPr lang="en-US" sz="3200" dirty="0" smtClean="0">
+                <a:solidFill>
+                  <a:srgbClr val="8CADAE">
+                    <a:shade val="75000"/>
+                  </a:srgbClr>
+                </a:solidFill>
+              </a:rPr>
+            </a:br>
+            <a:r>
+              <a:rPr lang="en-US" altLang="en-US" sz="2000" b="1" dirty="0" smtClean="0">
+                <a:solidFill>
+                  <a:srgbClr val="000000"/>
+                </a:solidFill>
+              </a:rPr>
+              <a:t>(</a:t>
+            </a:r>
+            <a:r>
+              <a:rPr lang="en-US" altLang="en-US" sz="2000" b="1" dirty="0" smtClean="0">
+                <a:solidFill>
+                  <a:srgbClr val="FF0000"/>
+                </a:solidFill>
+              </a:rPr>
+              <a:t>ANONYMIZED </a:t>
+            </a:r>
+            <a:r>
+              <a:rPr lang="en-US" altLang="en-US" sz="2000" b="1" dirty="0" smtClean="0">
+                <a:solidFill>
+                  <a:srgbClr val="000000"/>
+                </a:solidFill>
+              </a:rPr>
+              <a:t>Long Term Follow up EVAR Database)</a:t>
+            </a:r>
+            <a:r>
+              <a:rPr lang="en-US" sz="3200" dirty="0" smtClean="0">
+                <a:solidFill>
+                  <a:srgbClr val="8CADAE">
+                    <a:shade val="75000"/>
+                  </a:srgbClr>
+                </a:solidFill>
+              </a:rPr>
+              <a:t> </a:t>
+            </a:r>
+            <a:br>
+              <a:rPr lang="en-US" sz="3200" dirty="0" smtClean="0">
+                <a:solidFill>
+                  <a:srgbClr val="8CADAE">
+                    <a:shade val="75000"/>
+                  </a:srgbClr>
+                </a:solidFill>
+              </a:rPr>
+            </a:br>
+            <a:r>
+              <a:rPr lang="en-US" sz="3200" dirty="0" smtClean="0">
+                <a:solidFill>
+                  <a:srgbClr val="2323F7"/>
+                </a:solidFill>
+              </a:rPr>
+              <a:t>PRESENTATION</a:t>
+            </a:r>
+            <a:r>
+              <a:rPr lang="en-US" sz="3200" dirty="0" smtClean="0">
+                <a:solidFill>
+                  <a:srgbClr val="8CADAE">
+                    <a:shade val="75000"/>
+                  </a:srgbClr>
+                </a:solidFill>
+              </a:rPr>
+              <a:t/>
+            </a:r>
+            <a:br>
+              <a:rPr lang="en-US" sz="3200" dirty="0" smtClean="0">
+                <a:solidFill>
+                  <a:srgbClr val="8CADAE">
+                    <a:shade val="75000"/>
+                  </a:srgbClr>
+                </a:solidFill>
+              </a:rPr>
+            </a:br>
+            <a:r>
+              <a:rPr lang="en-US" sz="3200" dirty="0" smtClean="0">
+                <a:solidFill>
+                  <a:srgbClr val="8CADAE">
+                    <a:shade val="75000"/>
+                  </a:srgbClr>
+                </a:solidFill>
+              </a:rPr>
+              <a:t>Spring 2015</a:t>
+            </a:r>
+            <a:endParaRPr lang="en-US" sz="3200" dirty="0">
+              <a:solidFill>
+                <a:srgbClr val="8CADAE">
+                  <a:shade val="75000"/>
+                </a:srgbClr>
+              </a:solidFill>
+            </a:endParaRPr>
           </a:p>
         </p:txBody>
       </p:sp>
       <p:pic>
         <p:nvPicPr>
-          <p:cNvPr id="2050" name="Picture 2"/>
+          <p:cNvPr id="8" name="Picture 2"/>
           <p:cNvPicPr>
             <a:picLocks noChangeAspect="1" noChangeArrowheads="1"/>
           </p:cNvPicPr>
@@ -6946,8 +10914,8 @@
         </p:blipFill>
         <p:spPr bwMode="auto">
           <a:xfrm>
-            <a:off x="304800" y="1524000"/>
-            <a:ext cx="3733437" cy="4835979"/>
+            <a:off x="3550011" y="189271"/>
+            <a:ext cx="4088989" cy="5220929"/>
           </a:xfrm>
           <a:prstGeom prst="rect">
             <a:avLst/>
@@ -6956,6 +10924,7 @@
           <a:ln>
             <a:noFill/>
           </a:ln>
+          <a:effectLst/>
           <a:extLst>
             <a:ext uri="{909E8E84-426E-40DD-AFC4-6F175D3DCCD1}">
               <a14:hiddenFill xmlns:a14="http://schemas.microsoft.com/office/drawing/2010/main">
@@ -6974,115 +10943,236 @@
                 <a:tailEnd/>
               </a14:hiddenLine>
             </a:ext>
+            <a:ext uri="{AF507438-7753-43E0-B8FC-AC1667EBCBE1}">
+              <a14:hiddenEffects xmlns:a14="http://schemas.microsoft.com/office/drawing/2010/main">
+                <a:effectLst>
+                  <a:outerShdw dist="35921" dir="2700000" algn="ctr" rotWithShape="0">
+                    <a:schemeClr val="bg2"/>
+                  </a:outerShdw>
+                </a:effectLst>
+              </a14:hiddenEffects>
+            </a:ext>
           </a:extLst>
         </p:spPr>
       </p:pic>
-      <p:sp>
-        <p:nvSpPr>
-          <p:cNvPr id="4" name="TextBox 3"/>
-          <p:cNvSpPr txBox="1"/>
+      <p:pic>
+        <p:nvPicPr>
+          <p:cNvPr id="2" name="Picture 1"/>
+          <p:cNvPicPr>
+            <a:picLocks noChangeAspect="1"/>
+          </p:cNvPicPr>
           <p:nvPr/>
-        </p:nvSpPr>
+        </p:nvPicPr>
+        <p:blipFill>
+          <a:blip r:embed="rId3"/>
+          <a:stretch>
+            <a:fillRect/>
+          </a:stretch>
+        </p:blipFill>
         <p:spPr>
           <a:xfrm>
-            <a:off x="4876800" y="2895600"/>
-            <a:ext cx="3124200" cy="2031325"/>
+            <a:off x="77306" y="152400"/>
+            <a:ext cx="3472705" cy="5257800"/>
           </a:xfrm>
           <a:prstGeom prst="rect">
             <a:avLst/>
           </a:prstGeom>
-          <a:noFill/>
-        </p:spPr>
-        <p:txBody>
-          <a:bodyPr wrap="square" rtlCol="0">
-            <a:spAutoFit/>
-          </a:bodyPr>
-          <a:lstStyle/>
-          <a:p>
-            <a:r>
-              <a:rPr lang="en-US" b="1" i="1" dirty="0"/>
-              <a:t>What Data (analysis):</a:t>
-            </a:r>
-            <a:endParaRPr lang="en-US" dirty="0"/>
-          </a:p>
-          <a:p>
-            <a:r>
-              <a:rPr lang="en-US" b="1" i="1" dirty="0"/>
-              <a:t># of </a:t>
-            </a:r>
-            <a:r>
-              <a:rPr lang="en-US" b="1" i="1" dirty="0" err="1"/>
-              <a:t>Es</a:t>
-            </a:r>
-            <a:r>
-              <a:rPr lang="en-US" b="1" i="1" dirty="0"/>
-              <a:t>:  </a:t>
-            </a:r>
-            <a:r>
-              <a:rPr lang="en-US" b="1" i="1" u="sng" dirty="0"/>
-              <a:t>10</a:t>
-            </a:r>
-            <a:endParaRPr lang="en-US" dirty="0"/>
-          </a:p>
-          <a:p>
-            <a:r>
-              <a:rPr lang="en-US" b="1" i="1" dirty="0"/>
-              <a:t># of </a:t>
-            </a:r>
-            <a:r>
-              <a:rPr lang="en-US" b="1" i="1" dirty="0" err="1"/>
-              <a:t>Rs</a:t>
-            </a:r>
-            <a:r>
-              <a:rPr lang="en-US" b="1" i="1" dirty="0"/>
-              <a:t>:  </a:t>
-            </a:r>
-            <a:r>
-              <a:rPr lang="en-US" b="1" i="1" u="sng" dirty="0"/>
-              <a:t>8</a:t>
-            </a:r>
-            <a:endParaRPr lang="en-US" dirty="0"/>
-          </a:p>
-          <a:p>
-            <a:r>
-              <a:rPr lang="en-US" b="1" i="1" dirty="0"/>
-              <a:t> </a:t>
-            </a:r>
-            <a:endParaRPr lang="en-US" dirty="0"/>
-          </a:p>
-          <a:p>
-            <a:r>
-              <a:rPr lang="en-US" b="1" i="1" dirty="0"/>
-              <a:t>HOW Data (design):</a:t>
-            </a:r>
-            <a:endParaRPr lang="en-US" dirty="0"/>
-          </a:p>
-          <a:p>
-            <a:r>
-              <a:rPr lang="en-US" b="1" i="1" dirty="0"/>
-              <a:t># of Relations:  </a:t>
-            </a:r>
-            <a:r>
-              <a:rPr lang="en-US" b="1" i="1" u="sng" dirty="0"/>
-              <a:t>10</a:t>
-            </a:r>
-            <a:endParaRPr lang="en-US" dirty="0"/>
-          </a:p>
-          <a:p>
-            <a:endParaRPr lang="en-US" dirty="0"/>
-          </a:p>
-        </p:txBody>
-      </p:sp>
+        </p:spPr>
+      </p:pic>
+      <p:pic>
+        <p:nvPicPr>
+          <p:cNvPr id="5" name="Picture 4"/>
+          <p:cNvPicPr>
+            <a:picLocks noChangeAspect="1"/>
+          </p:cNvPicPr>
+          <p:nvPr/>
+        </p:nvPicPr>
+        <p:blipFill>
+          <a:blip r:embed="rId4"/>
+          <a:stretch>
+            <a:fillRect/>
+          </a:stretch>
+        </p:blipFill>
+        <p:spPr>
+          <a:xfrm>
+            <a:off x="11423" y="5434781"/>
+            <a:ext cx="4370077" cy="1238250"/>
+          </a:xfrm>
+          <a:prstGeom prst="rect">
+            <a:avLst/>
+          </a:prstGeom>
+        </p:spPr>
+      </p:pic>
+      <p:pic>
+        <p:nvPicPr>
+          <p:cNvPr id="9" name="Picture 8"/>
+          <p:cNvPicPr>
+            <a:picLocks noChangeAspect="1"/>
+          </p:cNvPicPr>
+          <p:nvPr/>
+        </p:nvPicPr>
+        <p:blipFill>
+          <a:blip r:embed="rId5"/>
+          <a:stretch>
+            <a:fillRect/>
+          </a:stretch>
+        </p:blipFill>
+        <p:spPr>
+          <a:xfrm>
+            <a:off x="4381500" y="3988825"/>
+            <a:ext cx="4533900" cy="2781300"/>
+          </a:xfrm>
+          <a:prstGeom prst="rect">
+            <a:avLst/>
+          </a:prstGeom>
+        </p:spPr>
+      </p:pic>
     </p:spTree>
     <p:extLst>
       <p:ext uri="{BB962C8B-B14F-4D97-AF65-F5344CB8AC3E}">
-        <p14:creationId xmlns:p14="http://schemas.microsoft.com/office/powerpoint/2010/main" val="2526043119"/>
+        <p14:creationId xmlns:p14="http://schemas.microsoft.com/office/powerpoint/2010/main" val="1089990434"/>
       </p:ext>
     </p:extLst>
   </p:cSld>
   <p:clrMapOvr>
     <a:masterClrMapping/>
   </p:clrMapOvr>
+  <p:timing>
+    <p:tnLst>
+      <p:par>
+        <p:cTn id="1" dur="indefinite" restart="never" nodeType="tmRoot">
+          <p:childTnLst>
+            <p:seq concurrent="1" nextAc="seek">
+              <p:cTn id="2" dur="indefinite" nodeType="mainSeq">
+                <p:childTnLst>
+                  <p:par>
+                    <p:cTn id="3" fill="hold">
+                      <p:stCondLst>
+                        <p:cond delay="indefinite"/>
+                      </p:stCondLst>
+                      <p:childTnLst>
+                        <p:par>
+                          <p:cTn id="4" fill="hold">
+                            <p:stCondLst>
+                              <p:cond delay="0"/>
+                            </p:stCondLst>
+                            <p:childTnLst>
+                              <p:par>
+                                <p:cTn id="5" presetID="16" presetClass="entr" presetSubtype="21" fill="hold" nodeType="clickEffect">
+                                  <p:stCondLst>
+                                    <p:cond delay="0"/>
+                                  </p:stCondLst>
+                                  <p:childTnLst>
+                                    <p:set>
+                                      <p:cBhvr>
+                                        <p:cTn id="6" dur="1" fill="hold">
+                                          <p:stCondLst>
+                                            <p:cond delay="0"/>
+                                          </p:stCondLst>
+                                        </p:cTn>
+                                        <p:tgtEl>
+                                          <p:spTgt spid="2"/>
+                                        </p:tgtEl>
+                                        <p:attrNameLst>
+                                          <p:attrName>style.visibility</p:attrName>
+                                        </p:attrNameLst>
+                                      </p:cBhvr>
+                                      <p:to>
+                                        <p:strVal val="visible"/>
+                                      </p:to>
+                                    </p:set>
+                                    <p:animEffect transition="in" filter="barn(inVertical)">
+                                      <p:cBhvr>
+                                        <p:cTn id="7" dur="500"/>
+                                        <p:tgtEl>
+                                          <p:spTgt spid="2"/>
+                                        </p:tgtEl>
+                                      </p:cBhvr>
+                                    </p:animEffect>
+                                  </p:childTnLst>
+                                </p:cTn>
+                              </p:par>
+                            </p:childTnLst>
+                          </p:cTn>
+                        </p:par>
+                      </p:childTnLst>
+                    </p:cTn>
+                  </p:par>
+                  <p:par>
+                    <p:cTn id="8" fill="hold">
+                      <p:stCondLst>
+                        <p:cond delay="indefinite"/>
+                      </p:stCondLst>
+                      <p:childTnLst>
+                        <p:par>
+                          <p:cTn id="9" fill="hold">
+                            <p:stCondLst>
+                              <p:cond delay="0"/>
+                            </p:stCondLst>
+                            <p:childTnLst>
+                              <p:par>
+                                <p:cTn id="10" presetID="22" presetClass="entr" presetSubtype="4" fill="hold" nodeType="clickEffect">
+                                  <p:stCondLst>
+                                    <p:cond delay="0"/>
+                                  </p:stCondLst>
+                                  <p:childTnLst>
+                                    <p:set>
+                                      <p:cBhvr>
+                                        <p:cTn id="11" dur="1" fill="hold">
+                                          <p:stCondLst>
+                                            <p:cond delay="0"/>
+                                          </p:stCondLst>
+                                        </p:cTn>
+                                        <p:tgtEl>
+                                          <p:spTgt spid="9"/>
+                                        </p:tgtEl>
+                                        <p:attrNameLst>
+                                          <p:attrName>style.visibility</p:attrName>
+                                        </p:attrNameLst>
+                                      </p:cBhvr>
+                                      <p:to>
+                                        <p:strVal val="visible"/>
+                                      </p:to>
+                                    </p:set>
+                                    <p:animEffect transition="in" filter="wipe(down)">
+                                      <p:cBhvr>
+                                        <p:cTn id="12" dur="500"/>
+                                        <p:tgtEl>
+                                          <p:spTgt spid="9"/>
+                                        </p:tgtEl>
+                                      </p:cBhvr>
+                                    </p:animEffect>
+                                  </p:childTnLst>
+                                </p:cTn>
+                              </p:par>
+                            </p:childTnLst>
+                          </p:cTn>
+                        </p:par>
+                      </p:childTnLst>
+                    </p:cTn>
+                  </p:par>
+                </p:childTnLst>
+              </p:cTn>
+              <p:prevCondLst>
+                <p:cond evt="onPrev" delay="0">
+                  <p:tgtEl>
+                    <p:sldTgt/>
+                  </p:tgtEl>
+                </p:cond>
+              </p:prevCondLst>
+              <p:nextCondLst>
+                <p:cond evt="onNext" delay="0">
+                  <p:tgtEl>
+                    <p:sldTgt/>
+                  </p:tgtEl>
+                </p:cond>
+              </p:nextCondLst>
+            </p:seq>
+          </p:childTnLst>
+        </p:cTn>
+      </p:par>
+    </p:tnLst>
+  </p:timing>
 </p:sld>
 </file>
 
@@ -7115,22 +11205,28 @@
         </p:nvSpPr>
         <p:spPr>
           <a:xfrm>
-            <a:off x="304800" y="762000"/>
-            <a:ext cx="8534400" cy="758952"/>
+            <a:off x="301752" y="228600"/>
+            <a:ext cx="8534400" cy="1066800"/>
           </a:xfrm>
         </p:spPr>
         <p:txBody>
           <a:bodyPr>
-            <a:normAutofit fontScale="90000"/>
+            <a:noAutofit/>
           </a:bodyPr>
           <a:lstStyle/>
           <a:p>
             <a:r>
-              <a:rPr lang="en-US" sz="3600" b="1" dirty="0" smtClean="0"/>
+              <a:rPr lang="en-US" sz="1200" b="1" dirty="0">
+                <a:solidFill>
+                  <a:srgbClr val="8CADAE">
+                    <a:shade val="75000"/>
+                  </a:srgbClr>
+                </a:solidFill>
+              </a:rPr>
               <a:t>TEAM</a:t>
             </a:r>
             <a:r>
-              <a:rPr lang="en-US" sz="3600" b="1" dirty="0" smtClean="0">
+              <a:rPr lang="en-US" sz="1200" b="1" dirty="0">
                 <a:solidFill>
                   <a:srgbClr val="FF0000"/>
                 </a:solidFill>
@@ -7138,11 +11234,17 @@
               <a:t>4</a:t>
             </a:r>
             <a:r>
-              <a:rPr lang="en-US" sz="3600" b="1" dirty="0" smtClean="0"/>
+              <a:rPr lang="en-US" sz="1200" b="1" dirty="0">
+                <a:solidFill>
+                  <a:srgbClr val="8CADAE">
+                    <a:shade val="75000"/>
+                  </a:srgbClr>
+                </a:solidFill>
+              </a:rPr>
               <a:t>O</a:t>
             </a:r>
             <a:r>
-              <a:rPr lang="en-US" sz="3600" b="1" dirty="0" smtClean="0">
+              <a:rPr lang="en-US" sz="1200" b="1" dirty="0">
                 <a:solidFill>
                   <a:srgbClr val="FF0000"/>
                 </a:solidFill>
@@ -7150,18 +11252,36 @@
               <a:t>IE</a:t>
             </a:r>
             <a:r>
-              <a:rPr lang="en-US" sz="3600" b="1" dirty="0" smtClean="0"/>
+              <a:rPr lang="en-US" sz="1200" b="1" dirty="0">
+                <a:solidFill>
+                  <a:srgbClr val="8CADAE">
+                    <a:shade val="75000"/>
+                  </a:srgbClr>
+                </a:solidFill>
+              </a:rPr>
               <a:t>S</a:t>
             </a:r>
             <a:r>
-              <a:rPr lang="en-US" sz="3600" dirty="0"/>
+              <a:rPr lang="en-US" sz="1200" dirty="0">
+                <a:solidFill>
+                  <a:srgbClr val="8CADAE">
+                    <a:shade val="75000"/>
+                  </a:srgbClr>
+                </a:solidFill>
+              </a:rPr>
               <a:t/>
             </a:r>
             <a:br>
-              <a:rPr lang="en-US" sz="3600" dirty="0"/>
+              <a:rPr lang="en-US" sz="1200" dirty="0">
+                <a:solidFill>
+                  <a:srgbClr val="8CADAE">
+                    <a:shade val="75000"/>
+                  </a:srgbClr>
+                </a:solidFill>
+              </a:rPr>
             </a:br>
             <a:r>
-              <a:rPr lang="en-US" sz="3600" b="1" dirty="0">
+              <a:rPr lang="en-US" sz="1200" b="1" dirty="0">
                 <a:solidFill>
                   <a:srgbClr val="FF0000"/>
                 </a:solidFill>
@@ -7169,11 +11289,17 @@
               <a:t>O</a:t>
             </a:r>
             <a:r>
-              <a:rPr lang="en-US" sz="3600" dirty="0"/>
+              <a:rPr lang="en-US" sz="1200" dirty="0">
+                <a:solidFill>
+                  <a:srgbClr val="8CADAE">
+                    <a:shade val="75000"/>
+                  </a:srgbClr>
+                </a:solidFill>
+              </a:rPr>
               <a:t>nline </a:t>
             </a:r>
             <a:r>
-              <a:rPr lang="en-US" sz="3600" b="1" dirty="0">
+              <a:rPr lang="en-US" sz="1200" b="1" dirty="0">
                 <a:solidFill>
                   <a:srgbClr val="FF0000"/>
                 </a:solidFill>
@@ -7181,11 +11307,17 @@
               <a:t>I</a:t>
             </a:r>
             <a:r>
-              <a:rPr lang="en-US" sz="3600" dirty="0"/>
+              <a:rPr lang="en-US" sz="1200" dirty="0">
+                <a:solidFill>
+                  <a:srgbClr val="8CADAE">
+                    <a:shade val="75000"/>
+                  </a:srgbClr>
+                </a:solidFill>
+              </a:rPr>
               <a:t>nternational </a:t>
             </a:r>
             <a:r>
-              <a:rPr lang="en-US" sz="3600" b="1" dirty="0">
+              <a:rPr lang="en-US" sz="1200" b="1" dirty="0">
                 <a:solidFill>
                   <a:srgbClr val="FF0000"/>
                 </a:solidFill>
@@ -7193,11 +11325,17 @@
               <a:t>E</a:t>
             </a:r>
             <a:r>
-              <a:rPr lang="en-US" sz="3600" dirty="0"/>
+              <a:rPr lang="en-US" sz="1200" dirty="0">
+                <a:solidFill>
+                  <a:srgbClr val="8CADAE">
+                    <a:shade val="75000"/>
+                  </a:srgbClr>
+                </a:solidFill>
+              </a:rPr>
               <a:t>VAR </a:t>
             </a:r>
             <a:r>
-              <a:rPr lang="en-US" sz="3600" b="1" dirty="0">
+              <a:rPr lang="en-US" sz="1200" b="1" dirty="0">
                 <a:solidFill>
                   <a:srgbClr val="FF0000"/>
                 </a:solidFill>
@@ -7205,17 +11343,104 @@
               <a:t>S</a:t>
             </a:r>
             <a:r>
-              <a:rPr lang="en-US" sz="3600" dirty="0"/>
-              <a:t>ystem </a:t>
+              <a:rPr lang="en-US" sz="1200" dirty="0">
+                <a:solidFill>
+                  <a:srgbClr val="8CADAE">
+                    <a:shade val="75000"/>
+                  </a:srgbClr>
+                </a:solidFill>
+              </a:rPr>
+              <a:t>ystem</a:t>
             </a:r>
             <a:br>
-              <a:rPr lang="en-US" sz="3600" dirty="0"/>
+              <a:rPr lang="en-US" sz="1200" dirty="0">
+                <a:solidFill>
+                  <a:srgbClr val="8CADAE">
+                    <a:shade val="75000"/>
+                  </a:srgbClr>
+                </a:solidFill>
+              </a:rPr>
             </a:br>
             <a:r>
-              <a:rPr lang="en-US" dirty="0" smtClean="0"/>
-              <a:t>FRONT END</a:t>
-            </a:r>
-            <a:endParaRPr lang="en-US" dirty="0"/>
+              <a:rPr lang="en-US" altLang="en-US" sz="1050" b="1" dirty="0">
+                <a:solidFill>
+                  <a:srgbClr val="000000"/>
+                </a:solidFill>
+              </a:rPr>
+              <a:t>(</a:t>
+            </a:r>
+            <a:r>
+              <a:rPr lang="en-US" altLang="en-US" sz="1050" b="1" dirty="0">
+                <a:solidFill>
+                  <a:srgbClr val="FF0000"/>
+                </a:solidFill>
+              </a:rPr>
+              <a:t>ANONYMIZED </a:t>
+            </a:r>
+            <a:r>
+              <a:rPr lang="en-US" altLang="en-US" sz="1050" b="1" dirty="0">
+                <a:solidFill>
+                  <a:srgbClr val="000000"/>
+                </a:solidFill>
+              </a:rPr>
+              <a:t>Long Term Follow up EVAR Database)</a:t>
+            </a:r>
+            <a:r>
+              <a:rPr lang="en-US" sz="1200" dirty="0">
+                <a:solidFill>
+                  <a:srgbClr val="8CADAE">
+                    <a:shade val="75000"/>
+                  </a:srgbClr>
+                </a:solidFill>
+              </a:rPr>
+              <a:t> </a:t>
+            </a:r>
+            <a:br>
+              <a:rPr lang="en-US" sz="1200" dirty="0">
+                <a:solidFill>
+                  <a:srgbClr val="8CADAE">
+                    <a:shade val="75000"/>
+                  </a:srgbClr>
+                </a:solidFill>
+              </a:rPr>
+            </a:br>
+            <a:r>
+              <a:rPr lang="en-US" sz="1200" dirty="0">
+                <a:solidFill>
+                  <a:srgbClr val="2323F7"/>
+                </a:solidFill>
+              </a:rPr>
+              <a:t>PRESENTATION</a:t>
+            </a:r>
+            <a:r>
+              <a:rPr lang="en-US" sz="1200" dirty="0">
+                <a:solidFill>
+                  <a:srgbClr val="8CADAE">
+                    <a:shade val="75000"/>
+                  </a:srgbClr>
+                </a:solidFill>
+              </a:rPr>
+              <a:t/>
+            </a:r>
+            <a:br>
+              <a:rPr lang="en-US" sz="1200" dirty="0">
+                <a:solidFill>
+                  <a:srgbClr val="8CADAE">
+                    <a:shade val="75000"/>
+                  </a:srgbClr>
+                </a:solidFill>
+              </a:rPr>
+            </a:br>
+            <a:r>
+              <a:rPr lang="en-US" sz="1200" dirty="0">
+                <a:solidFill>
+                  <a:srgbClr val="8CADAE">
+                    <a:shade val="75000"/>
+                  </a:srgbClr>
+                </a:solidFill>
+              </a:rPr>
+              <a:t>Spring 2015</a:t>
+            </a:r>
           </a:p>
         </p:txBody>
       </p:sp>
@@ -7229,43 +11454,4231 @@
             <p:ph sz="quarter" idx="1"/>
           </p:nvPr>
         </p:nvSpPr>
-        <p:spPr>
-          <a:xfrm>
-            <a:off x="320040" y="1981200"/>
-            <a:ext cx="8503920" cy="4572000"/>
-          </a:xfrm>
-        </p:spPr>
+        <p:spPr/>
         <p:txBody>
           <a:bodyPr/>
           <a:lstStyle/>
           <a:p>
-            <a:r>
-              <a:rPr lang="en-US" dirty="0" smtClean="0"/>
-              <a:t>Added by VH;</a:t>
-            </a:r>
             <a:endParaRPr lang="en-US" dirty="0"/>
           </a:p>
-          <a:p>
-            <a:r>
-              <a:rPr lang="en-US" dirty="0"/>
-              <a:t>Please place these as dividers </a:t>
-            </a:r>
-          </a:p>
-          <a:p>
-            <a:endParaRPr lang="en-US" dirty="0"/>
+        </p:txBody>
+      </p:sp>
+      <p:graphicFrame>
+        <p:nvGraphicFramePr>
+          <p:cNvPr id="4" name="Table 3"/>
+          <p:cNvGraphicFramePr>
+            <a:graphicFrameLocks noGrp="1"/>
+          </p:cNvGraphicFramePr>
+          <p:nvPr>
+            <p:extLst>
+              <p:ext uri="{D42A27DB-BD31-4B8C-83A1-F6EECF244321}">
+                <p14:modId xmlns:p14="http://schemas.microsoft.com/office/powerpoint/2010/main" val="4116157853"/>
+              </p:ext>
+            </p:extLst>
+          </p:nvPr>
+        </p:nvGraphicFramePr>
+        <p:xfrm>
+          <a:off x="609600" y="1527048"/>
+          <a:ext cx="3624071" cy="4813814"/>
+        </p:xfrm>
+        <a:graphic>
+          <a:graphicData uri="http://schemas.openxmlformats.org/drawingml/2006/table">
+            <a:tbl>
+              <a:tblPr firstRow="1" firstCol="1" bandRow="1">
+                <a:tableStyleId>{5C22544A-7EE6-4342-B048-85BDC9FD1C3A}</a:tableStyleId>
+              </a:tblPr>
+              <a:tblGrid>
+                <a:gridCol w="338868"/>
+                <a:gridCol w="1246111"/>
+                <a:gridCol w="1019546"/>
+                <a:gridCol w="1019546"/>
+              </a:tblGrid>
+              <a:tr h="552379">
+                <a:tc>
+                  <a:txBody>
+                    <a:bodyPr/>
+                    <a:lstStyle/>
+                    <a:p>
+                      <a:pPr marL="0" marR="0">
+                        <a:spcBef>
+                          <a:spcPts val="0"/>
+                        </a:spcBef>
+                        <a:spcAft>
+                          <a:spcPts val="0"/>
+                        </a:spcAft>
+                      </a:pPr>
+                      <a:r>
+                        <a:rPr lang="en-US" sz="900" dirty="0">
+                          <a:effectLst/>
+                        </a:rPr>
+                        <a:t>ID</a:t>
+                      </a:r>
+                      <a:endParaRPr lang="en-US" sz="1000" dirty="0">
+                        <a:effectLst/>
+                        <a:latin typeface="Times New Roman"/>
+                        <a:ea typeface="Times New Roman"/>
+                      </a:endParaRPr>
+                    </a:p>
+                  </a:txBody>
+                  <a:tcPr marL="59130" marR="59130" marT="0" marB="0"/>
+                </a:tc>
+                <a:tc>
+                  <a:txBody>
+                    <a:bodyPr/>
+                    <a:lstStyle/>
+                    <a:p>
+                      <a:pPr marL="0" marR="0">
+                        <a:spcBef>
+                          <a:spcPts val="0"/>
+                        </a:spcBef>
+                        <a:spcAft>
+                          <a:spcPts val="0"/>
+                        </a:spcAft>
+                      </a:pPr>
+                      <a:r>
+                        <a:rPr lang="en-US" sz="900">
+                          <a:effectLst/>
+                        </a:rPr>
+                        <a:t>Detail</a:t>
+                      </a:r>
+                      <a:endParaRPr lang="en-US" sz="1000">
+                        <a:effectLst/>
+                        <a:latin typeface="Times New Roman"/>
+                        <a:ea typeface="Times New Roman"/>
+                      </a:endParaRPr>
+                    </a:p>
+                  </a:txBody>
+                  <a:tcPr marL="59130" marR="59130" marT="0" marB="0"/>
+                </a:tc>
+                <a:tc>
+                  <a:txBody>
+                    <a:bodyPr/>
+                    <a:lstStyle/>
+                    <a:p>
+                      <a:pPr marL="0" marR="0">
+                        <a:spcBef>
+                          <a:spcPts val="0"/>
+                        </a:spcBef>
+                        <a:spcAft>
+                          <a:spcPts val="0"/>
+                        </a:spcAft>
+                      </a:pPr>
+                      <a:r>
+                        <a:rPr lang="en-US" sz="900">
+                          <a:effectLst/>
+                        </a:rPr>
+                        <a:t>Entry Set PK or</a:t>
+                      </a:r>
+                      <a:endParaRPr lang="en-US" sz="1000">
+                        <a:effectLst/>
+                      </a:endParaRPr>
+                    </a:p>
+                    <a:p>
+                      <a:pPr marL="0" marR="0">
+                        <a:spcBef>
+                          <a:spcPts val="0"/>
+                        </a:spcBef>
+                        <a:spcAft>
+                          <a:spcPts val="0"/>
+                        </a:spcAft>
+                      </a:pPr>
+                      <a:r>
+                        <a:rPr lang="en-US" sz="900">
+                          <a:effectLst/>
+                        </a:rPr>
+                        <a:t>Views or</a:t>
+                      </a:r>
+                      <a:endParaRPr lang="en-US" sz="1000">
+                        <a:effectLst/>
+                      </a:endParaRPr>
+                    </a:p>
+                    <a:p>
+                      <a:pPr marL="0" marR="0">
+                        <a:spcBef>
+                          <a:spcPts val="0"/>
+                        </a:spcBef>
+                        <a:spcAft>
+                          <a:spcPts val="0"/>
+                        </a:spcAft>
+                      </a:pPr>
+                      <a:r>
+                        <a:rPr lang="en-US" sz="900">
+                          <a:effectLst/>
+                        </a:rPr>
+                        <a:t>Triggers</a:t>
+                      </a:r>
+                      <a:endParaRPr lang="en-US" sz="1000">
+                        <a:effectLst/>
+                        <a:latin typeface="Times New Roman"/>
+                        <a:ea typeface="Times New Roman"/>
+                      </a:endParaRPr>
+                    </a:p>
+                  </a:txBody>
+                  <a:tcPr marL="59130" marR="59130" marT="0" marB="0"/>
+                </a:tc>
+                <a:tc>
+                  <a:txBody>
+                    <a:bodyPr/>
+                    <a:lstStyle/>
+                    <a:p>
+                      <a:pPr marL="0" marR="0">
+                        <a:spcBef>
+                          <a:spcPts val="0"/>
+                        </a:spcBef>
+                        <a:spcAft>
+                          <a:spcPts val="0"/>
+                        </a:spcAft>
+                      </a:pPr>
+                      <a:r>
+                        <a:rPr lang="en-US" sz="900">
+                          <a:effectLst/>
+                        </a:rPr>
+                        <a:t>Constraints</a:t>
+                      </a:r>
+                      <a:endParaRPr lang="en-US" sz="1000">
+                        <a:effectLst/>
+                        <a:latin typeface="Times New Roman"/>
+                        <a:ea typeface="Times New Roman"/>
+                      </a:endParaRPr>
+                    </a:p>
+                  </a:txBody>
+                  <a:tcPr marL="59130" marR="59130" marT="0" marB="0"/>
+                </a:tc>
+              </a:tr>
+              <a:tr h="220951">
+                <a:tc>
+                  <a:txBody>
+                    <a:bodyPr/>
+                    <a:lstStyle/>
+                    <a:p>
+                      <a:pPr marL="0" marR="0">
+                        <a:spcBef>
+                          <a:spcPts val="0"/>
+                        </a:spcBef>
+                        <a:spcAft>
+                          <a:spcPts val="0"/>
+                        </a:spcAft>
+                      </a:pPr>
+                      <a:r>
+                        <a:rPr lang="en-US" sz="900">
+                          <a:effectLst/>
+                        </a:rPr>
+                        <a:t>C1</a:t>
+                      </a:r>
+                      <a:endParaRPr lang="en-US" sz="1000">
+                        <a:effectLst/>
+                        <a:latin typeface="Times New Roman"/>
+                        <a:ea typeface="Times New Roman"/>
+                      </a:endParaRPr>
+                    </a:p>
+                  </a:txBody>
+                  <a:tcPr marL="59130" marR="59130" marT="0" marB="0"/>
+                </a:tc>
+                <a:tc>
+                  <a:txBody>
+                    <a:bodyPr/>
+                    <a:lstStyle/>
+                    <a:p>
+                      <a:pPr marL="0" marR="0">
+                        <a:spcBef>
+                          <a:spcPts val="0"/>
+                        </a:spcBef>
+                        <a:spcAft>
+                          <a:spcPts val="0"/>
+                        </a:spcAft>
+                      </a:pPr>
+                      <a:r>
+                        <a:rPr lang="en-US" sz="900" dirty="0">
+                          <a:effectLst/>
+                        </a:rPr>
+                        <a:t>A1: </a:t>
+                      </a:r>
+                      <a:r>
+                        <a:rPr lang="en-US" sz="900" u="sng" dirty="0" err="1">
+                          <a:effectLst/>
+                        </a:rPr>
+                        <a:t>patient_id</a:t>
+                      </a:r>
+                      <a:endParaRPr lang="en-US" sz="1000" dirty="0">
+                        <a:effectLst/>
+                        <a:latin typeface="Times New Roman"/>
+                        <a:ea typeface="Times New Roman"/>
+                      </a:endParaRPr>
+                    </a:p>
+                  </a:txBody>
+                  <a:tcPr marL="59130" marR="59130" marT="0" marB="0"/>
+                </a:tc>
+                <a:tc>
+                  <a:txBody>
+                    <a:bodyPr/>
+                    <a:lstStyle/>
+                    <a:p>
+                      <a:pPr marL="0" marR="0">
+                        <a:spcBef>
+                          <a:spcPts val="0"/>
+                        </a:spcBef>
+                        <a:spcAft>
+                          <a:spcPts val="0"/>
+                        </a:spcAft>
+                      </a:pPr>
+                      <a:r>
+                        <a:rPr lang="en-US" sz="900">
+                          <a:effectLst/>
+                        </a:rPr>
+                        <a:t>E1: Patient</a:t>
+                      </a:r>
+                      <a:endParaRPr lang="en-US" sz="1000">
+                        <a:effectLst/>
+                        <a:latin typeface="Times New Roman"/>
+                        <a:ea typeface="Times New Roman"/>
+                      </a:endParaRPr>
+                    </a:p>
+                  </a:txBody>
+                  <a:tcPr marL="59130" marR="59130" marT="0" marB="0"/>
+                </a:tc>
+                <a:tc>
+                  <a:txBody>
+                    <a:bodyPr/>
+                    <a:lstStyle/>
+                    <a:p>
+                      <a:pPr marL="0" marR="0">
+                        <a:spcBef>
+                          <a:spcPts val="0"/>
+                        </a:spcBef>
+                        <a:spcAft>
+                          <a:spcPts val="0"/>
+                        </a:spcAft>
+                      </a:pPr>
+                      <a:r>
+                        <a:rPr lang="en-US" sz="900">
+                          <a:effectLst/>
+                        </a:rPr>
+                        <a:t>PK</a:t>
+                      </a:r>
+                      <a:endParaRPr lang="en-US" sz="1000">
+                        <a:effectLst/>
+                        <a:latin typeface="Times New Roman"/>
+                        <a:ea typeface="Times New Roman"/>
+                      </a:endParaRPr>
+                    </a:p>
+                  </a:txBody>
+                  <a:tcPr marL="59130" marR="59130" marT="0" marB="0"/>
+                </a:tc>
+              </a:tr>
+              <a:tr h="220951">
+                <a:tc>
+                  <a:txBody>
+                    <a:bodyPr/>
+                    <a:lstStyle/>
+                    <a:p>
+                      <a:pPr marL="0" marR="0">
+                        <a:spcBef>
+                          <a:spcPts val="0"/>
+                        </a:spcBef>
+                        <a:spcAft>
+                          <a:spcPts val="0"/>
+                        </a:spcAft>
+                      </a:pPr>
+                      <a:r>
+                        <a:rPr lang="en-US" sz="900">
+                          <a:effectLst/>
+                        </a:rPr>
+                        <a:t>C2</a:t>
+                      </a:r>
+                      <a:endParaRPr lang="en-US" sz="1000">
+                        <a:effectLst/>
+                        <a:latin typeface="Times New Roman"/>
+                        <a:ea typeface="Times New Roman"/>
+                      </a:endParaRPr>
+                    </a:p>
+                  </a:txBody>
+                  <a:tcPr marL="59130" marR="59130" marT="0" marB="0"/>
+                </a:tc>
+                <a:tc>
+                  <a:txBody>
+                    <a:bodyPr/>
+                    <a:lstStyle/>
+                    <a:p>
+                      <a:pPr marL="0" marR="0">
+                        <a:spcBef>
+                          <a:spcPts val="0"/>
+                        </a:spcBef>
+                        <a:spcAft>
+                          <a:spcPts val="0"/>
+                        </a:spcAft>
+                      </a:pPr>
+                      <a:r>
+                        <a:rPr lang="en-US" sz="900">
+                          <a:effectLst/>
+                        </a:rPr>
+                        <a:t>A1: </a:t>
+                      </a:r>
+                      <a:r>
+                        <a:rPr lang="en-US" sz="900" u="sng">
+                          <a:effectLst/>
+                        </a:rPr>
+                        <a:t>study_id</a:t>
+                      </a:r>
+                      <a:endParaRPr lang="en-US" sz="1000">
+                        <a:effectLst/>
+                        <a:latin typeface="Times New Roman"/>
+                        <a:ea typeface="Times New Roman"/>
+                      </a:endParaRPr>
+                    </a:p>
+                  </a:txBody>
+                  <a:tcPr marL="59130" marR="59130" marT="0" marB="0"/>
+                </a:tc>
+                <a:tc>
+                  <a:txBody>
+                    <a:bodyPr/>
+                    <a:lstStyle/>
+                    <a:p>
+                      <a:pPr marL="0" marR="0">
+                        <a:spcBef>
+                          <a:spcPts val="0"/>
+                        </a:spcBef>
+                        <a:spcAft>
+                          <a:spcPts val="0"/>
+                        </a:spcAft>
+                      </a:pPr>
+                      <a:r>
+                        <a:rPr lang="en-US" sz="900">
+                          <a:effectLst/>
+                        </a:rPr>
+                        <a:t>E2: Study</a:t>
+                      </a:r>
+                      <a:endParaRPr lang="en-US" sz="1000">
+                        <a:effectLst/>
+                        <a:latin typeface="Times New Roman"/>
+                        <a:ea typeface="Times New Roman"/>
+                      </a:endParaRPr>
+                    </a:p>
+                  </a:txBody>
+                  <a:tcPr marL="59130" marR="59130" marT="0" marB="0"/>
+                </a:tc>
+                <a:tc>
+                  <a:txBody>
+                    <a:bodyPr/>
+                    <a:lstStyle/>
+                    <a:p>
+                      <a:pPr marL="0" marR="0">
+                        <a:spcBef>
+                          <a:spcPts val="0"/>
+                        </a:spcBef>
+                        <a:spcAft>
+                          <a:spcPts val="0"/>
+                        </a:spcAft>
+                      </a:pPr>
+                      <a:r>
+                        <a:rPr lang="en-US" sz="900">
+                          <a:effectLst/>
+                        </a:rPr>
+                        <a:t>PK</a:t>
+                      </a:r>
+                      <a:endParaRPr lang="en-US" sz="1000">
+                        <a:effectLst/>
+                        <a:latin typeface="Times New Roman"/>
+                        <a:ea typeface="Times New Roman"/>
+                      </a:endParaRPr>
+                    </a:p>
+                  </a:txBody>
+                  <a:tcPr marL="59130" marR="59130" marT="0" marB="0"/>
+                </a:tc>
+              </a:tr>
+              <a:tr h="220951">
+                <a:tc>
+                  <a:txBody>
+                    <a:bodyPr/>
+                    <a:lstStyle/>
+                    <a:p>
+                      <a:pPr marL="0" marR="0">
+                        <a:spcBef>
+                          <a:spcPts val="0"/>
+                        </a:spcBef>
+                        <a:spcAft>
+                          <a:spcPts val="0"/>
+                        </a:spcAft>
+                      </a:pPr>
+                      <a:r>
+                        <a:rPr lang="en-US" sz="900">
+                          <a:effectLst/>
+                        </a:rPr>
+                        <a:t>C3</a:t>
+                      </a:r>
+                      <a:endParaRPr lang="en-US" sz="1000">
+                        <a:effectLst/>
+                        <a:latin typeface="Times New Roman"/>
+                        <a:ea typeface="Times New Roman"/>
+                      </a:endParaRPr>
+                    </a:p>
+                  </a:txBody>
+                  <a:tcPr marL="59130" marR="59130" marT="0" marB="0"/>
+                </a:tc>
+                <a:tc>
+                  <a:txBody>
+                    <a:bodyPr/>
+                    <a:lstStyle/>
+                    <a:p>
+                      <a:pPr marL="0" marR="0">
+                        <a:spcBef>
+                          <a:spcPts val="0"/>
+                        </a:spcBef>
+                        <a:spcAft>
+                          <a:spcPts val="0"/>
+                        </a:spcAft>
+                      </a:pPr>
+                      <a:r>
+                        <a:rPr lang="en-US" sz="900">
+                          <a:effectLst/>
+                        </a:rPr>
+                        <a:t>A1:</a:t>
+                      </a:r>
+                      <a:r>
+                        <a:rPr lang="en-US" sz="900" u="sng">
+                          <a:effectLst/>
+                        </a:rPr>
+                        <a:t>series_id</a:t>
+                      </a:r>
+                      <a:endParaRPr lang="en-US" sz="1000">
+                        <a:effectLst/>
+                        <a:latin typeface="Times New Roman"/>
+                        <a:ea typeface="Times New Roman"/>
+                      </a:endParaRPr>
+                    </a:p>
+                  </a:txBody>
+                  <a:tcPr marL="59130" marR="59130" marT="0" marB="0"/>
+                </a:tc>
+                <a:tc>
+                  <a:txBody>
+                    <a:bodyPr/>
+                    <a:lstStyle/>
+                    <a:p>
+                      <a:pPr marL="0" marR="0">
+                        <a:spcBef>
+                          <a:spcPts val="0"/>
+                        </a:spcBef>
+                        <a:spcAft>
+                          <a:spcPts val="0"/>
+                        </a:spcAft>
+                      </a:pPr>
+                      <a:r>
+                        <a:rPr lang="en-US" sz="900">
+                          <a:effectLst/>
+                        </a:rPr>
+                        <a:t>E3: Series</a:t>
+                      </a:r>
+                      <a:endParaRPr lang="en-US" sz="1000">
+                        <a:effectLst/>
+                        <a:latin typeface="Times New Roman"/>
+                        <a:ea typeface="Times New Roman"/>
+                      </a:endParaRPr>
+                    </a:p>
+                  </a:txBody>
+                  <a:tcPr marL="59130" marR="59130" marT="0" marB="0"/>
+                </a:tc>
+                <a:tc>
+                  <a:txBody>
+                    <a:bodyPr/>
+                    <a:lstStyle/>
+                    <a:p>
+                      <a:pPr marL="0" marR="0">
+                        <a:spcBef>
+                          <a:spcPts val="0"/>
+                        </a:spcBef>
+                        <a:spcAft>
+                          <a:spcPts val="0"/>
+                        </a:spcAft>
+                      </a:pPr>
+                      <a:r>
+                        <a:rPr lang="en-US" sz="900" dirty="0">
+                          <a:effectLst/>
+                        </a:rPr>
+                        <a:t>PK</a:t>
+                      </a:r>
+                      <a:endParaRPr lang="en-US" sz="1000" dirty="0">
+                        <a:effectLst/>
+                        <a:latin typeface="Times New Roman"/>
+                        <a:ea typeface="Times New Roman"/>
+                      </a:endParaRPr>
+                    </a:p>
+                  </a:txBody>
+                  <a:tcPr marL="59130" marR="59130" marT="0" marB="0"/>
+                </a:tc>
+              </a:tr>
+              <a:tr h="220951">
+                <a:tc>
+                  <a:txBody>
+                    <a:bodyPr/>
+                    <a:lstStyle/>
+                    <a:p>
+                      <a:pPr marL="0" marR="0">
+                        <a:spcBef>
+                          <a:spcPts val="0"/>
+                        </a:spcBef>
+                        <a:spcAft>
+                          <a:spcPts val="0"/>
+                        </a:spcAft>
+                      </a:pPr>
+                      <a:r>
+                        <a:rPr lang="en-US" sz="900">
+                          <a:effectLst/>
+                        </a:rPr>
+                        <a:t>C4</a:t>
+                      </a:r>
+                      <a:endParaRPr lang="en-US" sz="1000">
+                        <a:effectLst/>
+                        <a:latin typeface="Times New Roman"/>
+                        <a:ea typeface="Times New Roman"/>
+                      </a:endParaRPr>
+                    </a:p>
+                  </a:txBody>
+                  <a:tcPr marL="59130" marR="59130" marT="0" marB="0"/>
+                </a:tc>
+                <a:tc>
+                  <a:txBody>
+                    <a:bodyPr/>
+                    <a:lstStyle/>
+                    <a:p>
+                      <a:pPr marL="0" marR="0">
+                        <a:spcBef>
+                          <a:spcPts val="0"/>
+                        </a:spcBef>
+                        <a:spcAft>
+                          <a:spcPts val="0"/>
+                        </a:spcAft>
+                      </a:pPr>
+                      <a:r>
+                        <a:rPr lang="en-US" sz="900">
+                          <a:effectLst/>
+                        </a:rPr>
+                        <a:t>A1: </a:t>
+                      </a:r>
+                      <a:r>
+                        <a:rPr lang="en-US" sz="900" u="sng">
+                          <a:effectLst/>
+                        </a:rPr>
+                        <a:t>slice_id</a:t>
+                      </a:r>
+                      <a:endParaRPr lang="en-US" sz="1000">
+                        <a:effectLst/>
+                        <a:latin typeface="Times New Roman"/>
+                        <a:ea typeface="Times New Roman"/>
+                      </a:endParaRPr>
+                    </a:p>
+                  </a:txBody>
+                  <a:tcPr marL="59130" marR="59130" marT="0" marB="0"/>
+                </a:tc>
+                <a:tc>
+                  <a:txBody>
+                    <a:bodyPr/>
+                    <a:lstStyle/>
+                    <a:p>
+                      <a:pPr marL="0" marR="0">
+                        <a:spcBef>
+                          <a:spcPts val="0"/>
+                        </a:spcBef>
+                        <a:spcAft>
+                          <a:spcPts val="0"/>
+                        </a:spcAft>
+                      </a:pPr>
+                      <a:r>
+                        <a:rPr lang="en-US" sz="900">
+                          <a:effectLst/>
+                        </a:rPr>
+                        <a:t>E4: Slice</a:t>
+                      </a:r>
+                      <a:endParaRPr lang="en-US" sz="1000">
+                        <a:effectLst/>
+                        <a:latin typeface="Times New Roman"/>
+                        <a:ea typeface="Times New Roman"/>
+                      </a:endParaRPr>
+                    </a:p>
+                  </a:txBody>
+                  <a:tcPr marL="59130" marR="59130" marT="0" marB="0"/>
+                </a:tc>
+                <a:tc>
+                  <a:txBody>
+                    <a:bodyPr/>
+                    <a:lstStyle/>
+                    <a:p>
+                      <a:pPr marL="0" marR="0">
+                        <a:spcBef>
+                          <a:spcPts val="0"/>
+                        </a:spcBef>
+                        <a:spcAft>
+                          <a:spcPts val="0"/>
+                        </a:spcAft>
+                      </a:pPr>
+                      <a:r>
+                        <a:rPr lang="en-US" sz="900">
+                          <a:effectLst/>
+                        </a:rPr>
+                        <a:t>PK</a:t>
+                      </a:r>
+                      <a:endParaRPr lang="en-US" sz="1000">
+                        <a:effectLst/>
+                        <a:latin typeface="Times New Roman"/>
+                        <a:ea typeface="Times New Roman"/>
+                      </a:endParaRPr>
+                    </a:p>
+                  </a:txBody>
+                  <a:tcPr marL="59130" marR="59130" marT="0" marB="0"/>
+                </a:tc>
+              </a:tr>
+              <a:tr h="220951">
+                <a:tc>
+                  <a:txBody>
+                    <a:bodyPr/>
+                    <a:lstStyle/>
+                    <a:p>
+                      <a:pPr marL="0" marR="0">
+                        <a:spcBef>
+                          <a:spcPts val="0"/>
+                        </a:spcBef>
+                        <a:spcAft>
+                          <a:spcPts val="0"/>
+                        </a:spcAft>
+                      </a:pPr>
+                      <a:r>
+                        <a:rPr lang="en-US" sz="900">
+                          <a:effectLst/>
+                        </a:rPr>
+                        <a:t>C5</a:t>
+                      </a:r>
+                      <a:endParaRPr lang="en-US" sz="1000">
+                        <a:effectLst/>
+                        <a:latin typeface="Times New Roman"/>
+                        <a:ea typeface="Times New Roman"/>
+                      </a:endParaRPr>
+                    </a:p>
+                  </a:txBody>
+                  <a:tcPr marL="59130" marR="59130" marT="0" marB="0"/>
+                </a:tc>
+                <a:tc>
+                  <a:txBody>
+                    <a:bodyPr/>
+                    <a:lstStyle/>
+                    <a:p>
+                      <a:pPr marL="0" marR="0">
+                        <a:spcBef>
+                          <a:spcPts val="0"/>
+                        </a:spcBef>
+                        <a:spcAft>
+                          <a:spcPts val="0"/>
+                        </a:spcAft>
+                      </a:pPr>
+                      <a:r>
+                        <a:rPr lang="en-US" sz="900">
+                          <a:effectLst/>
+                        </a:rPr>
+                        <a:t>A4: </a:t>
+                      </a:r>
+                      <a:r>
+                        <a:rPr lang="en-US" sz="900" u="sng">
+                          <a:effectLst/>
+                        </a:rPr>
+                        <a:t>username</a:t>
+                      </a:r>
+                      <a:endParaRPr lang="en-US" sz="1000">
+                        <a:effectLst/>
+                        <a:latin typeface="Times New Roman"/>
+                        <a:ea typeface="Times New Roman"/>
+                      </a:endParaRPr>
+                    </a:p>
+                  </a:txBody>
+                  <a:tcPr marL="59130" marR="59130" marT="0" marB="0"/>
+                </a:tc>
+                <a:tc>
+                  <a:txBody>
+                    <a:bodyPr/>
+                    <a:lstStyle/>
+                    <a:p>
+                      <a:pPr marL="0" marR="0">
+                        <a:spcBef>
+                          <a:spcPts val="0"/>
+                        </a:spcBef>
+                        <a:spcAft>
+                          <a:spcPts val="0"/>
+                        </a:spcAft>
+                      </a:pPr>
+                      <a:r>
+                        <a:rPr lang="en-US" sz="900">
+                          <a:effectLst/>
+                        </a:rPr>
+                        <a:t>E5: Surgeon</a:t>
+                      </a:r>
+                      <a:endParaRPr lang="en-US" sz="1000">
+                        <a:effectLst/>
+                        <a:latin typeface="Times New Roman"/>
+                        <a:ea typeface="Times New Roman"/>
+                      </a:endParaRPr>
+                    </a:p>
+                  </a:txBody>
+                  <a:tcPr marL="59130" marR="59130" marT="0" marB="0"/>
+                </a:tc>
+                <a:tc>
+                  <a:txBody>
+                    <a:bodyPr/>
+                    <a:lstStyle/>
+                    <a:p>
+                      <a:pPr marL="0" marR="0">
+                        <a:spcBef>
+                          <a:spcPts val="0"/>
+                        </a:spcBef>
+                        <a:spcAft>
+                          <a:spcPts val="0"/>
+                        </a:spcAft>
+                      </a:pPr>
+                      <a:r>
+                        <a:rPr lang="en-US" sz="900">
+                          <a:effectLst/>
+                        </a:rPr>
+                        <a:t>PK</a:t>
+                      </a:r>
+                      <a:endParaRPr lang="en-US" sz="1000">
+                        <a:effectLst/>
+                        <a:latin typeface="Times New Roman"/>
+                        <a:ea typeface="Times New Roman"/>
+                      </a:endParaRPr>
+                    </a:p>
+                  </a:txBody>
+                  <a:tcPr marL="59130" marR="59130" marT="0" marB="0"/>
+                </a:tc>
+              </a:tr>
+              <a:tr h="331427">
+                <a:tc>
+                  <a:txBody>
+                    <a:bodyPr/>
+                    <a:lstStyle/>
+                    <a:p>
+                      <a:pPr marL="0" marR="0">
+                        <a:spcBef>
+                          <a:spcPts val="0"/>
+                        </a:spcBef>
+                        <a:spcAft>
+                          <a:spcPts val="0"/>
+                        </a:spcAft>
+                      </a:pPr>
+                      <a:r>
+                        <a:rPr lang="en-US" sz="900">
+                          <a:effectLst/>
+                        </a:rPr>
+                        <a:t>C6</a:t>
+                      </a:r>
+                      <a:endParaRPr lang="en-US" sz="1000">
+                        <a:effectLst/>
+                        <a:latin typeface="Times New Roman"/>
+                        <a:ea typeface="Times New Roman"/>
+                      </a:endParaRPr>
+                    </a:p>
+                  </a:txBody>
+                  <a:tcPr marL="59130" marR="59130" marT="0" marB="0"/>
+                </a:tc>
+                <a:tc>
+                  <a:txBody>
+                    <a:bodyPr/>
+                    <a:lstStyle/>
+                    <a:p>
+                      <a:pPr marL="0" marR="0">
+                        <a:spcBef>
+                          <a:spcPts val="0"/>
+                        </a:spcBef>
+                        <a:spcAft>
+                          <a:spcPts val="0"/>
+                        </a:spcAft>
+                      </a:pPr>
+                      <a:r>
+                        <a:rPr lang="en-US" sz="900">
+                          <a:effectLst/>
+                        </a:rPr>
+                        <a:t>A1: </a:t>
+                      </a:r>
+                      <a:r>
+                        <a:rPr lang="en-US" sz="900" u="sng">
+                          <a:effectLst/>
+                        </a:rPr>
+                        <a:t>TestimonialID</a:t>
+                      </a:r>
+                      <a:endParaRPr lang="en-US" sz="1000">
+                        <a:effectLst/>
+                        <a:latin typeface="Times New Roman"/>
+                        <a:ea typeface="Times New Roman"/>
+                      </a:endParaRPr>
+                    </a:p>
+                  </a:txBody>
+                  <a:tcPr marL="59130" marR="59130" marT="0" marB="0"/>
+                </a:tc>
+                <a:tc>
+                  <a:txBody>
+                    <a:bodyPr/>
+                    <a:lstStyle/>
+                    <a:p>
+                      <a:pPr marL="0" marR="0">
+                        <a:spcBef>
+                          <a:spcPts val="0"/>
+                        </a:spcBef>
+                        <a:spcAft>
+                          <a:spcPts val="0"/>
+                        </a:spcAft>
+                      </a:pPr>
+                      <a:r>
+                        <a:rPr lang="en-US" sz="900">
+                          <a:effectLst/>
+                        </a:rPr>
+                        <a:t>E6: Testimonial</a:t>
+                      </a:r>
+                      <a:endParaRPr lang="en-US" sz="1000">
+                        <a:effectLst/>
+                        <a:latin typeface="Times New Roman"/>
+                        <a:ea typeface="Times New Roman"/>
+                      </a:endParaRPr>
+                    </a:p>
+                  </a:txBody>
+                  <a:tcPr marL="59130" marR="59130" marT="0" marB="0"/>
+                </a:tc>
+                <a:tc>
+                  <a:txBody>
+                    <a:bodyPr/>
+                    <a:lstStyle/>
+                    <a:p>
+                      <a:pPr marL="0" marR="0">
+                        <a:spcBef>
+                          <a:spcPts val="0"/>
+                        </a:spcBef>
+                        <a:spcAft>
+                          <a:spcPts val="0"/>
+                        </a:spcAft>
+                      </a:pPr>
+                      <a:r>
+                        <a:rPr lang="en-US" sz="900">
+                          <a:effectLst/>
+                        </a:rPr>
+                        <a:t>PK</a:t>
+                      </a:r>
+                      <a:endParaRPr lang="en-US" sz="1000">
+                        <a:effectLst/>
+                        <a:latin typeface="Times New Roman"/>
+                        <a:ea typeface="Times New Roman"/>
+                      </a:endParaRPr>
+                    </a:p>
+                  </a:txBody>
+                  <a:tcPr marL="59130" marR="59130" marT="0" marB="0"/>
+                </a:tc>
+              </a:tr>
+              <a:tr h="331427">
+                <a:tc>
+                  <a:txBody>
+                    <a:bodyPr/>
+                    <a:lstStyle/>
+                    <a:p>
+                      <a:pPr marL="0" marR="0">
+                        <a:spcBef>
+                          <a:spcPts val="0"/>
+                        </a:spcBef>
+                        <a:spcAft>
+                          <a:spcPts val="0"/>
+                        </a:spcAft>
+                      </a:pPr>
+                      <a:r>
+                        <a:rPr lang="en-US" sz="900">
+                          <a:effectLst/>
+                        </a:rPr>
+                        <a:t>C7</a:t>
+                      </a:r>
+                      <a:endParaRPr lang="en-US" sz="1000">
+                        <a:effectLst/>
+                        <a:latin typeface="Times New Roman"/>
+                        <a:ea typeface="Times New Roman"/>
+                      </a:endParaRPr>
+                    </a:p>
+                  </a:txBody>
+                  <a:tcPr marL="59130" marR="59130" marT="0" marB="0"/>
+                </a:tc>
+                <a:tc>
+                  <a:txBody>
+                    <a:bodyPr/>
+                    <a:lstStyle/>
+                    <a:p>
+                      <a:pPr marL="0" marR="0">
+                        <a:spcBef>
+                          <a:spcPts val="0"/>
+                        </a:spcBef>
+                        <a:spcAft>
+                          <a:spcPts val="0"/>
+                        </a:spcAft>
+                      </a:pPr>
+                      <a:r>
+                        <a:rPr lang="en-US" sz="900">
+                          <a:effectLst/>
+                        </a:rPr>
+                        <a:t>A1: </a:t>
+                      </a:r>
+                      <a:r>
+                        <a:rPr lang="en-US" sz="900" u="sng">
+                          <a:effectLst/>
+                        </a:rPr>
+                        <a:t>endograft_id</a:t>
+                      </a:r>
+                      <a:endParaRPr lang="en-US" sz="1000">
+                        <a:effectLst/>
+                      </a:endParaRPr>
+                    </a:p>
+                    <a:p>
+                      <a:pPr marL="0" marR="0">
+                        <a:spcBef>
+                          <a:spcPts val="0"/>
+                        </a:spcBef>
+                        <a:spcAft>
+                          <a:spcPts val="0"/>
+                        </a:spcAft>
+                      </a:pPr>
+                      <a:r>
+                        <a:rPr lang="en-US" sz="900">
+                          <a:effectLst/>
+                        </a:rPr>
+                        <a:t> </a:t>
+                      </a:r>
+                      <a:endParaRPr lang="en-US" sz="1000">
+                        <a:effectLst/>
+                        <a:latin typeface="Times New Roman"/>
+                        <a:ea typeface="Times New Roman"/>
+                      </a:endParaRPr>
+                    </a:p>
+                  </a:txBody>
+                  <a:tcPr marL="59130" marR="59130" marT="0" marB="0"/>
+                </a:tc>
+                <a:tc>
+                  <a:txBody>
+                    <a:bodyPr/>
+                    <a:lstStyle/>
+                    <a:p>
+                      <a:pPr marL="0" marR="0">
+                        <a:spcBef>
+                          <a:spcPts val="0"/>
+                        </a:spcBef>
+                        <a:spcAft>
+                          <a:spcPts val="0"/>
+                        </a:spcAft>
+                      </a:pPr>
+                      <a:r>
+                        <a:rPr lang="en-US" sz="900">
+                          <a:effectLst/>
+                        </a:rPr>
+                        <a:t>E7: Endograft</a:t>
+                      </a:r>
+                      <a:endParaRPr lang="en-US" sz="1000">
+                        <a:effectLst/>
+                        <a:latin typeface="Times New Roman"/>
+                        <a:ea typeface="Times New Roman"/>
+                      </a:endParaRPr>
+                    </a:p>
+                  </a:txBody>
+                  <a:tcPr marL="59130" marR="59130" marT="0" marB="0"/>
+                </a:tc>
+                <a:tc>
+                  <a:txBody>
+                    <a:bodyPr/>
+                    <a:lstStyle/>
+                    <a:p>
+                      <a:pPr marL="0" marR="0">
+                        <a:spcBef>
+                          <a:spcPts val="0"/>
+                        </a:spcBef>
+                        <a:spcAft>
+                          <a:spcPts val="0"/>
+                        </a:spcAft>
+                      </a:pPr>
+                      <a:r>
+                        <a:rPr lang="en-US" sz="900">
+                          <a:effectLst/>
+                        </a:rPr>
+                        <a:t>PK</a:t>
+                      </a:r>
+                      <a:endParaRPr lang="en-US" sz="1000">
+                        <a:effectLst/>
+                        <a:latin typeface="Times New Roman"/>
+                        <a:ea typeface="Times New Roman"/>
+                      </a:endParaRPr>
+                    </a:p>
+                  </a:txBody>
+                  <a:tcPr marL="59130" marR="59130" marT="0" marB="0"/>
+                </a:tc>
+              </a:tr>
+              <a:tr h="261108">
+                <a:tc>
+                  <a:txBody>
+                    <a:bodyPr/>
+                    <a:lstStyle/>
+                    <a:p>
+                      <a:pPr marL="0" marR="0">
+                        <a:spcBef>
+                          <a:spcPts val="0"/>
+                        </a:spcBef>
+                        <a:spcAft>
+                          <a:spcPts val="0"/>
+                        </a:spcAft>
+                      </a:pPr>
+                      <a:r>
+                        <a:rPr lang="en-US" sz="900">
+                          <a:effectLst/>
+                        </a:rPr>
+                        <a:t>C8</a:t>
+                      </a:r>
+                      <a:endParaRPr lang="en-US" sz="1000">
+                        <a:effectLst/>
+                        <a:latin typeface="Times New Roman"/>
+                        <a:ea typeface="Times New Roman"/>
+                      </a:endParaRPr>
+                    </a:p>
+                  </a:txBody>
+                  <a:tcPr marL="59130" marR="59130" marT="0" marB="0"/>
+                </a:tc>
+                <a:tc>
+                  <a:txBody>
+                    <a:bodyPr/>
+                    <a:lstStyle/>
+                    <a:p>
+                      <a:pPr marL="0" marR="0">
+                        <a:spcBef>
+                          <a:spcPts val="0"/>
+                        </a:spcBef>
+                        <a:spcAft>
+                          <a:spcPts val="0"/>
+                        </a:spcAft>
+                      </a:pPr>
+                      <a:r>
+                        <a:rPr lang="en-US" sz="900">
+                          <a:effectLst/>
+                        </a:rPr>
+                        <a:t>A1: </a:t>
+                      </a:r>
+                      <a:r>
+                        <a:rPr lang="en-US" sz="900" u="sng">
+                          <a:effectLst/>
+                        </a:rPr>
+                        <a:t>brand_id</a:t>
+                      </a:r>
+                      <a:endParaRPr lang="en-US" sz="1000">
+                        <a:effectLst/>
+                      </a:endParaRPr>
+                    </a:p>
+                    <a:p>
+                      <a:pPr marL="0" marR="0">
+                        <a:spcBef>
+                          <a:spcPts val="0"/>
+                        </a:spcBef>
+                        <a:spcAft>
+                          <a:spcPts val="0"/>
+                        </a:spcAft>
+                      </a:pPr>
+                      <a:r>
+                        <a:rPr lang="en-US" sz="900">
+                          <a:effectLst/>
+                        </a:rPr>
+                        <a:t> </a:t>
+                      </a:r>
+                      <a:endParaRPr lang="en-US" sz="1000">
+                        <a:effectLst/>
+                        <a:latin typeface="Times New Roman"/>
+                        <a:ea typeface="Times New Roman"/>
+                      </a:endParaRPr>
+                    </a:p>
+                  </a:txBody>
+                  <a:tcPr marL="59130" marR="59130" marT="0" marB="0"/>
+                </a:tc>
+                <a:tc>
+                  <a:txBody>
+                    <a:bodyPr/>
+                    <a:lstStyle/>
+                    <a:p>
+                      <a:pPr marL="0" marR="0">
+                        <a:spcBef>
+                          <a:spcPts val="0"/>
+                        </a:spcBef>
+                        <a:spcAft>
+                          <a:spcPts val="0"/>
+                        </a:spcAft>
+                      </a:pPr>
+                      <a:r>
+                        <a:rPr lang="en-US" sz="900">
+                          <a:effectLst/>
+                        </a:rPr>
+                        <a:t>E8: Brand</a:t>
+                      </a:r>
+                      <a:endParaRPr lang="en-US" sz="1000">
+                        <a:effectLst/>
+                        <a:latin typeface="Times New Roman"/>
+                        <a:ea typeface="Times New Roman"/>
+                      </a:endParaRPr>
+                    </a:p>
+                  </a:txBody>
+                  <a:tcPr marL="59130" marR="59130" marT="0" marB="0"/>
+                </a:tc>
+                <a:tc>
+                  <a:txBody>
+                    <a:bodyPr/>
+                    <a:lstStyle/>
+                    <a:p>
+                      <a:pPr marL="0" marR="0">
+                        <a:spcBef>
+                          <a:spcPts val="0"/>
+                        </a:spcBef>
+                        <a:spcAft>
+                          <a:spcPts val="0"/>
+                        </a:spcAft>
+                      </a:pPr>
+                      <a:r>
+                        <a:rPr lang="en-US" sz="900">
+                          <a:effectLst/>
+                        </a:rPr>
+                        <a:t>PK</a:t>
+                      </a:r>
+                      <a:endParaRPr lang="en-US" sz="1000">
+                        <a:effectLst/>
+                        <a:latin typeface="Times New Roman"/>
+                        <a:ea typeface="Times New Roman"/>
+                      </a:endParaRPr>
+                    </a:p>
+                  </a:txBody>
+                  <a:tcPr marL="59130" marR="59130" marT="0" marB="0"/>
+                </a:tc>
+              </a:tr>
+              <a:tr h="441902">
+                <a:tc>
+                  <a:txBody>
+                    <a:bodyPr/>
+                    <a:lstStyle/>
+                    <a:p>
+                      <a:pPr marL="0" marR="0">
+                        <a:spcBef>
+                          <a:spcPts val="0"/>
+                        </a:spcBef>
+                        <a:spcAft>
+                          <a:spcPts val="0"/>
+                        </a:spcAft>
+                      </a:pPr>
+                      <a:r>
+                        <a:rPr lang="en-US" sz="900">
+                          <a:effectLst/>
+                        </a:rPr>
+                        <a:t>C9</a:t>
+                      </a:r>
+                      <a:endParaRPr lang="en-US" sz="1000">
+                        <a:effectLst/>
+                        <a:latin typeface="Times New Roman"/>
+                        <a:ea typeface="Times New Roman"/>
+                      </a:endParaRPr>
+                    </a:p>
+                  </a:txBody>
+                  <a:tcPr marL="59130" marR="59130" marT="0" marB="0"/>
+                </a:tc>
+                <a:tc>
+                  <a:txBody>
+                    <a:bodyPr/>
+                    <a:lstStyle/>
+                    <a:p>
+                      <a:pPr marL="0" marR="0">
+                        <a:spcBef>
+                          <a:spcPts val="0"/>
+                        </a:spcBef>
+                        <a:spcAft>
+                          <a:spcPts val="0"/>
+                        </a:spcAft>
+                      </a:pPr>
+                      <a:r>
+                        <a:rPr lang="en-US" sz="900">
+                          <a:effectLst/>
+                        </a:rPr>
+                        <a:t>A1: </a:t>
+                      </a:r>
+                      <a:r>
+                        <a:rPr lang="en-US" sz="900" u="sng">
+                          <a:effectLst/>
+                        </a:rPr>
+                        <a:t>institution_id</a:t>
+                      </a:r>
+                      <a:endParaRPr lang="en-US" sz="1000">
+                        <a:effectLst/>
+                      </a:endParaRPr>
+                    </a:p>
+                    <a:p>
+                      <a:pPr marL="0" marR="0">
+                        <a:spcBef>
+                          <a:spcPts val="0"/>
+                        </a:spcBef>
+                        <a:spcAft>
+                          <a:spcPts val="0"/>
+                        </a:spcAft>
+                      </a:pPr>
+                      <a:r>
+                        <a:rPr lang="en-US" sz="900">
+                          <a:effectLst/>
+                        </a:rPr>
+                        <a:t> </a:t>
+                      </a:r>
+                      <a:endParaRPr lang="en-US" sz="1000">
+                        <a:effectLst/>
+                        <a:latin typeface="Times New Roman"/>
+                        <a:ea typeface="Times New Roman"/>
+                      </a:endParaRPr>
+                    </a:p>
+                  </a:txBody>
+                  <a:tcPr marL="59130" marR="59130" marT="0" marB="0"/>
+                </a:tc>
+                <a:tc>
+                  <a:txBody>
+                    <a:bodyPr/>
+                    <a:lstStyle/>
+                    <a:p>
+                      <a:pPr marL="0" marR="0">
+                        <a:spcBef>
+                          <a:spcPts val="0"/>
+                        </a:spcBef>
+                        <a:spcAft>
+                          <a:spcPts val="0"/>
+                        </a:spcAft>
+                      </a:pPr>
+                      <a:r>
+                        <a:rPr lang="en-US" sz="900">
+                          <a:effectLst/>
+                        </a:rPr>
+                        <a:t>E9: Institution</a:t>
+                      </a:r>
+                      <a:endParaRPr lang="en-US" sz="1000">
+                        <a:effectLst/>
+                        <a:latin typeface="Times New Roman"/>
+                        <a:ea typeface="Times New Roman"/>
+                      </a:endParaRPr>
+                    </a:p>
+                  </a:txBody>
+                  <a:tcPr marL="59130" marR="59130" marT="0" marB="0"/>
+                </a:tc>
+                <a:tc>
+                  <a:txBody>
+                    <a:bodyPr/>
+                    <a:lstStyle/>
+                    <a:p>
+                      <a:pPr marL="0" marR="0">
+                        <a:spcBef>
+                          <a:spcPts val="0"/>
+                        </a:spcBef>
+                        <a:spcAft>
+                          <a:spcPts val="0"/>
+                        </a:spcAft>
+                      </a:pPr>
+                      <a:r>
+                        <a:rPr lang="en-US" sz="900">
+                          <a:effectLst/>
+                        </a:rPr>
+                        <a:t>PK</a:t>
+                      </a:r>
+                      <a:endParaRPr lang="en-US" sz="1000">
+                        <a:effectLst/>
+                        <a:latin typeface="Times New Roman"/>
+                        <a:ea typeface="Times New Roman"/>
+                      </a:endParaRPr>
+                    </a:p>
+                  </a:txBody>
+                  <a:tcPr marL="59130" marR="59130" marT="0" marB="0"/>
+                </a:tc>
+              </a:tr>
+              <a:tr h="331427">
+                <a:tc>
+                  <a:txBody>
+                    <a:bodyPr/>
+                    <a:lstStyle/>
+                    <a:p>
+                      <a:pPr marL="0" marR="0">
+                        <a:spcBef>
+                          <a:spcPts val="0"/>
+                        </a:spcBef>
+                        <a:spcAft>
+                          <a:spcPts val="0"/>
+                        </a:spcAft>
+                      </a:pPr>
+                      <a:r>
+                        <a:rPr lang="en-US" sz="900">
+                          <a:effectLst/>
+                        </a:rPr>
+                        <a:t>C10</a:t>
+                      </a:r>
+                      <a:endParaRPr lang="en-US" sz="1000">
+                        <a:effectLst/>
+                        <a:latin typeface="Times New Roman"/>
+                        <a:ea typeface="Times New Roman"/>
+                      </a:endParaRPr>
+                    </a:p>
+                  </a:txBody>
+                  <a:tcPr marL="59130" marR="59130" marT="0" marB="0"/>
+                </a:tc>
+                <a:tc>
+                  <a:txBody>
+                    <a:bodyPr/>
+                    <a:lstStyle/>
+                    <a:p>
+                      <a:pPr marL="0" marR="0">
+                        <a:spcBef>
+                          <a:spcPts val="0"/>
+                        </a:spcBef>
+                        <a:spcAft>
+                          <a:spcPts val="0"/>
+                        </a:spcAft>
+                      </a:pPr>
+                      <a:r>
+                        <a:rPr lang="en-US" sz="900">
+                          <a:effectLst/>
+                        </a:rPr>
+                        <a:t>A1: </a:t>
+                      </a:r>
+                      <a:r>
+                        <a:rPr lang="en-US" sz="900" u="sng">
+                          <a:effectLst/>
+                        </a:rPr>
+                        <a:t>audit_id</a:t>
+                      </a:r>
+                      <a:endParaRPr lang="en-US" sz="1000">
+                        <a:effectLst/>
+                      </a:endParaRPr>
+                    </a:p>
+                    <a:p>
+                      <a:pPr marL="0" marR="0">
+                        <a:spcBef>
+                          <a:spcPts val="0"/>
+                        </a:spcBef>
+                        <a:spcAft>
+                          <a:spcPts val="0"/>
+                        </a:spcAft>
+                      </a:pPr>
+                      <a:r>
+                        <a:rPr lang="en-US" sz="900">
+                          <a:effectLst/>
+                        </a:rPr>
+                        <a:t> </a:t>
+                      </a:r>
+                      <a:endParaRPr lang="en-US" sz="1000">
+                        <a:effectLst/>
+                        <a:latin typeface="Times New Roman"/>
+                        <a:ea typeface="Times New Roman"/>
+                      </a:endParaRPr>
+                    </a:p>
+                  </a:txBody>
+                  <a:tcPr marL="59130" marR="59130" marT="0" marB="0"/>
+                </a:tc>
+                <a:tc>
+                  <a:txBody>
+                    <a:bodyPr/>
+                    <a:lstStyle/>
+                    <a:p>
+                      <a:pPr marL="0" marR="0">
+                        <a:spcBef>
+                          <a:spcPts val="0"/>
+                        </a:spcBef>
+                        <a:spcAft>
+                          <a:spcPts val="0"/>
+                        </a:spcAft>
+                      </a:pPr>
+                      <a:r>
+                        <a:rPr lang="en-US" sz="900">
+                          <a:effectLst/>
+                        </a:rPr>
+                        <a:t>E10: Audit</a:t>
+                      </a:r>
+                      <a:endParaRPr lang="en-US" sz="1000">
+                        <a:effectLst/>
+                        <a:latin typeface="Times New Roman"/>
+                        <a:ea typeface="Times New Roman"/>
+                      </a:endParaRPr>
+                    </a:p>
+                  </a:txBody>
+                  <a:tcPr marL="59130" marR="59130" marT="0" marB="0"/>
+                </a:tc>
+                <a:tc>
+                  <a:txBody>
+                    <a:bodyPr/>
+                    <a:lstStyle/>
+                    <a:p>
+                      <a:pPr marL="0" marR="0">
+                        <a:spcBef>
+                          <a:spcPts val="0"/>
+                        </a:spcBef>
+                        <a:spcAft>
+                          <a:spcPts val="0"/>
+                        </a:spcAft>
+                      </a:pPr>
+                      <a:r>
+                        <a:rPr lang="en-US" sz="900">
+                          <a:effectLst/>
+                        </a:rPr>
+                        <a:t>PK</a:t>
+                      </a:r>
+                      <a:endParaRPr lang="en-US" sz="1000">
+                        <a:effectLst/>
+                        <a:latin typeface="Times New Roman"/>
+                        <a:ea typeface="Times New Roman"/>
+                      </a:endParaRPr>
+                    </a:p>
+                  </a:txBody>
+                  <a:tcPr marL="59130" marR="59130" marT="0" marB="0"/>
+                </a:tc>
+              </a:tr>
+              <a:tr h="783323">
+                <a:tc>
+                  <a:txBody>
+                    <a:bodyPr/>
+                    <a:lstStyle/>
+                    <a:p>
+                      <a:pPr marL="0" marR="0">
+                        <a:spcBef>
+                          <a:spcPts val="0"/>
+                        </a:spcBef>
+                        <a:spcAft>
+                          <a:spcPts val="0"/>
+                        </a:spcAft>
+                      </a:pPr>
+                      <a:r>
+                        <a:rPr lang="en-US" sz="900">
+                          <a:effectLst/>
+                        </a:rPr>
+                        <a:t>C11</a:t>
+                      </a:r>
+                      <a:endParaRPr lang="en-US" sz="1000">
+                        <a:effectLst/>
+                        <a:latin typeface="Times New Roman"/>
+                        <a:ea typeface="Times New Roman"/>
+                      </a:endParaRPr>
+                    </a:p>
+                  </a:txBody>
+                  <a:tcPr marL="59130" marR="59130" marT="0" marB="0"/>
+                </a:tc>
+                <a:tc>
+                  <a:txBody>
+                    <a:bodyPr/>
+                    <a:lstStyle/>
+                    <a:p>
+                      <a:pPr marL="0" marR="0">
+                        <a:spcBef>
+                          <a:spcPts val="0"/>
+                        </a:spcBef>
+                        <a:spcAft>
+                          <a:spcPts val="0"/>
+                        </a:spcAft>
+                      </a:pPr>
+                      <a:r>
+                        <a:rPr lang="en-US" sz="900" dirty="0">
+                          <a:effectLst/>
+                        </a:rPr>
+                        <a:t>E3: Study</a:t>
+                      </a:r>
+                      <a:endParaRPr lang="en-US" sz="1000" dirty="0">
+                        <a:effectLst/>
+                      </a:endParaRPr>
+                    </a:p>
+                    <a:p>
+                      <a:pPr marL="0" marR="0">
+                        <a:spcBef>
+                          <a:spcPts val="0"/>
+                        </a:spcBef>
+                        <a:spcAft>
+                          <a:spcPts val="0"/>
+                        </a:spcAft>
+                      </a:pPr>
+                      <a:r>
+                        <a:rPr lang="en-US" sz="900" dirty="0">
+                          <a:effectLst/>
+                        </a:rPr>
+                        <a:t>E4: Series</a:t>
+                      </a:r>
+                      <a:endParaRPr lang="en-US" sz="1000" dirty="0">
+                        <a:effectLst/>
+                      </a:endParaRPr>
+                    </a:p>
+                    <a:p>
+                      <a:pPr marL="0" marR="0">
+                        <a:spcBef>
+                          <a:spcPts val="0"/>
+                        </a:spcBef>
+                        <a:spcAft>
+                          <a:spcPts val="0"/>
+                        </a:spcAft>
+                      </a:pPr>
+                      <a:r>
+                        <a:rPr lang="en-US" sz="900" dirty="0">
+                          <a:effectLst/>
+                        </a:rPr>
+                        <a:t>E5: Slices</a:t>
+                      </a:r>
+                      <a:endParaRPr lang="en-US" sz="1000" dirty="0">
+                        <a:effectLst/>
+                        <a:latin typeface="Times New Roman"/>
+                        <a:ea typeface="Times New Roman"/>
+                      </a:endParaRPr>
+                    </a:p>
+                  </a:txBody>
+                  <a:tcPr marL="59130" marR="59130" marT="0" marB="0"/>
+                </a:tc>
+                <a:tc>
+                  <a:txBody>
+                    <a:bodyPr/>
+                    <a:lstStyle/>
+                    <a:p>
+                      <a:pPr marL="0" marR="0">
+                        <a:spcBef>
+                          <a:spcPts val="0"/>
+                        </a:spcBef>
+                        <a:spcAft>
+                          <a:spcPts val="0"/>
+                        </a:spcAft>
+                      </a:pPr>
+                      <a:r>
+                        <a:rPr lang="en-US" sz="900">
+                          <a:effectLst/>
+                        </a:rPr>
+                        <a:t>V1: EVARCTData</a:t>
+                      </a:r>
+                      <a:endParaRPr lang="en-US" sz="1000">
+                        <a:effectLst/>
+                        <a:latin typeface="Times New Roman"/>
+                        <a:ea typeface="Times New Roman"/>
+                      </a:endParaRPr>
+                    </a:p>
+                  </a:txBody>
+                  <a:tcPr marL="59130" marR="59130" marT="0" marB="0"/>
+                </a:tc>
+                <a:tc>
+                  <a:txBody>
+                    <a:bodyPr/>
+                    <a:lstStyle/>
+                    <a:p>
+                      <a:pPr marL="0" marR="0">
+                        <a:spcBef>
+                          <a:spcPts val="0"/>
+                        </a:spcBef>
+                        <a:spcAft>
+                          <a:spcPts val="0"/>
+                        </a:spcAft>
+                      </a:pPr>
+                      <a:r>
+                        <a:rPr lang="en-US" sz="900">
+                          <a:effectLst/>
+                        </a:rPr>
+                        <a:t>Input: E1: Patient</a:t>
+                      </a:r>
+                      <a:endParaRPr lang="en-US" sz="1000">
+                        <a:effectLst/>
+                      </a:endParaRPr>
+                    </a:p>
+                    <a:p>
+                      <a:pPr marL="0" marR="0">
+                        <a:spcBef>
+                          <a:spcPts val="0"/>
+                        </a:spcBef>
+                        <a:spcAft>
+                          <a:spcPts val="0"/>
+                        </a:spcAft>
+                      </a:pPr>
+                      <a:r>
+                        <a:rPr lang="en-US" sz="900">
+                          <a:effectLst/>
+                        </a:rPr>
+                        <a:t>Output: E2: Study</a:t>
+                      </a:r>
+                      <a:endParaRPr lang="en-US" sz="1000">
+                        <a:effectLst/>
+                      </a:endParaRPr>
+                    </a:p>
+                    <a:p>
+                      <a:pPr marL="0" marR="0">
+                        <a:spcBef>
+                          <a:spcPts val="0"/>
+                        </a:spcBef>
+                        <a:spcAft>
+                          <a:spcPts val="0"/>
+                        </a:spcAft>
+                      </a:pPr>
+                      <a:r>
+                        <a:rPr lang="en-US" sz="900">
+                          <a:effectLst/>
+                        </a:rPr>
+                        <a:t>E3: Series</a:t>
+                      </a:r>
+                      <a:endParaRPr lang="en-US" sz="1000">
+                        <a:effectLst/>
+                      </a:endParaRPr>
+                    </a:p>
+                    <a:p>
+                      <a:pPr marL="0" marR="0">
+                        <a:spcBef>
+                          <a:spcPts val="0"/>
+                        </a:spcBef>
+                        <a:spcAft>
+                          <a:spcPts val="0"/>
+                        </a:spcAft>
+                      </a:pPr>
+                      <a:r>
+                        <a:rPr lang="en-US" sz="900">
+                          <a:effectLst/>
+                        </a:rPr>
+                        <a:t>E4: Slices</a:t>
+                      </a:r>
+                      <a:endParaRPr lang="en-US" sz="1000">
+                        <a:effectLst/>
+                        <a:latin typeface="Times New Roman"/>
+                        <a:ea typeface="Times New Roman"/>
+                      </a:endParaRPr>
+                    </a:p>
+                  </a:txBody>
+                  <a:tcPr marL="59130" marR="59130" marT="0" marB="0"/>
+                </a:tc>
+              </a:tr>
+              <a:tr h="662854">
+                <a:tc>
+                  <a:txBody>
+                    <a:bodyPr/>
+                    <a:lstStyle/>
+                    <a:p>
+                      <a:pPr marL="0" marR="0">
+                        <a:spcBef>
+                          <a:spcPts val="0"/>
+                        </a:spcBef>
+                        <a:spcAft>
+                          <a:spcPts val="0"/>
+                        </a:spcAft>
+                      </a:pPr>
+                      <a:r>
+                        <a:rPr lang="en-US" sz="900">
+                          <a:effectLst/>
+                        </a:rPr>
+                        <a:t>C12</a:t>
+                      </a:r>
+                      <a:endParaRPr lang="en-US" sz="1000">
+                        <a:effectLst/>
+                        <a:latin typeface="Times New Roman"/>
+                        <a:ea typeface="Times New Roman"/>
+                      </a:endParaRPr>
+                    </a:p>
+                  </a:txBody>
+                  <a:tcPr marL="59130" marR="59130" marT="0" marB="0"/>
+                </a:tc>
+                <a:tc>
+                  <a:txBody>
+                    <a:bodyPr/>
+                    <a:lstStyle/>
+                    <a:p>
+                      <a:pPr marL="0" marR="0">
+                        <a:spcBef>
+                          <a:spcPts val="0"/>
+                        </a:spcBef>
+                        <a:spcAft>
+                          <a:spcPts val="0"/>
+                        </a:spcAft>
+                      </a:pPr>
+                      <a:r>
+                        <a:rPr lang="en-US" sz="900">
+                          <a:effectLst/>
+                        </a:rPr>
+                        <a:t>T1</a:t>
+                      </a:r>
+                      <a:endParaRPr lang="en-US" sz="1000">
+                        <a:effectLst/>
+                        <a:latin typeface="Times New Roman"/>
+                        <a:ea typeface="Times New Roman"/>
+                      </a:endParaRPr>
+                    </a:p>
+                  </a:txBody>
+                  <a:tcPr marL="59130" marR="59130" marT="0" marB="0"/>
+                </a:tc>
+                <a:tc>
+                  <a:txBody>
+                    <a:bodyPr/>
+                    <a:lstStyle/>
+                    <a:p>
+                      <a:pPr marL="0" marR="0">
+                        <a:spcBef>
+                          <a:spcPts val="0"/>
+                        </a:spcBef>
+                        <a:spcAft>
+                          <a:spcPts val="0"/>
+                        </a:spcAft>
+                      </a:pPr>
+                      <a:r>
+                        <a:rPr lang="en-US" sz="900">
+                          <a:effectLst/>
+                        </a:rPr>
+                        <a:t>T1: email</a:t>
+                      </a:r>
+                      <a:endParaRPr lang="en-US" sz="1000">
+                        <a:effectLst/>
+                        <a:latin typeface="Times New Roman"/>
+                        <a:ea typeface="Times New Roman"/>
+                      </a:endParaRPr>
+                    </a:p>
+                  </a:txBody>
+                  <a:tcPr marL="59130" marR="59130" marT="0" marB="0"/>
+                </a:tc>
+                <a:tc>
+                  <a:txBody>
+                    <a:bodyPr/>
+                    <a:lstStyle/>
+                    <a:p>
+                      <a:pPr marL="0" marR="0">
+                        <a:spcBef>
+                          <a:spcPts val="0"/>
+                        </a:spcBef>
+                        <a:spcAft>
+                          <a:spcPts val="0"/>
+                        </a:spcAft>
+                      </a:pPr>
+                      <a:r>
+                        <a:rPr lang="en-US" sz="900" dirty="0">
+                          <a:effectLst/>
+                        </a:rPr>
+                        <a:t>Event E7: Anatomical Data  on update to surgeon</a:t>
+                      </a:r>
+                      <a:endParaRPr lang="en-US" sz="1000" dirty="0">
+                        <a:effectLst/>
+                        <a:latin typeface="Times New Roman"/>
+                        <a:ea typeface="Times New Roman"/>
+                      </a:endParaRPr>
+                    </a:p>
+                  </a:txBody>
+                  <a:tcPr marL="59130" marR="59130" marT="0" marB="0"/>
+                </a:tc>
+              </a:tr>
+            </a:tbl>
+          </a:graphicData>
+        </a:graphic>
+      </p:graphicFrame>
+      <p:sp>
+        <p:nvSpPr>
+          <p:cNvPr id="5" name="TextBox 4"/>
+          <p:cNvSpPr txBox="1"/>
+          <p:nvPr/>
+        </p:nvSpPr>
+        <p:spPr>
+          <a:xfrm>
+            <a:off x="5181600" y="2133600"/>
+            <a:ext cx="3429000" cy="646331"/>
+          </a:xfrm>
+          <a:prstGeom prst="rect">
+            <a:avLst/>
+          </a:prstGeom>
+          <a:noFill/>
+        </p:spPr>
+        <p:txBody>
+          <a:bodyPr wrap="square" rtlCol="0">
+            <a:spAutoFit/>
+          </a:bodyPr>
+          <a:lstStyle/>
+          <a:p>
+            <a:pPr marL="0" lvl="3"/>
+            <a:r>
+              <a:rPr lang="en-US" b="1" dirty="0">
+                <a:solidFill>
+                  <a:prstClr val="black"/>
+                </a:solidFill>
+              </a:rPr>
+              <a:t>T2: Constraints</a:t>
+            </a:r>
+          </a:p>
+          <a:p>
+            <a:endParaRPr lang="en-US" dirty="0">
+              <a:solidFill>
+                <a:prstClr val="black"/>
+              </a:solidFill>
+            </a:endParaRPr>
           </a:p>
         </p:txBody>
       </p:sp>
     </p:spTree>
     <p:extLst>
       <p:ext uri="{BB962C8B-B14F-4D97-AF65-F5344CB8AC3E}">
-        <p14:creationId xmlns:p14="http://schemas.microsoft.com/office/powerpoint/2010/main" val="3428671890"/>
+        <p14:creationId xmlns:p14="http://schemas.microsoft.com/office/powerpoint/2010/main" val="971581553"/>
       </p:ext>
     </p:extLst>
   </p:cSld>
   <p:clrMapOvr>
     <a:masterClrMapping/>
   </p:clrMapOvr>
+  <p:timing>
+    <p:tnLst>
+      <p:par>
+        <p:cTn id="1" dur="indefinite" restart="never" nodeType="tmRoot"/>
+      </p:par>
+    </p:tnLst>
+  </p:timing>
+</p:sld>
+</file>
+
+<file path=ppt/slides/slide5.xml><?xml version="1.0" encoding="utf-8"?>
+<p:sld xmlns:a="http://schemas.openxmlformats.org/drawingml/2006/main" xmlns:r="http://schemas.openxmlformats.org/officeDocument/2006/relationships" xmlns:p="http://schemas.openxmlformats.org/presentationml/2006/main">
+  <p:cSld>
+    <p:spTree>
+      <p:nvGrpSpPr>
+        <p:cNvPr id="1" name=""/>
+        <p:cNvGrpSpPr/>
+        <p:nvPr/>
+      </p:nvGrpSpPr>
+      <p:grpSpPr>
+        <a:xfrm>
+          <a:off x="0" y="0"/>
+          <a:ext cx="0" cy="0"/>
+          <a:chOff x="0" y="0"/>
+          <a:chExt cx="0" cy="0"/>
+        </a:xfrm>
+      </p:grpSpPr>
+      <p:pic>
+        <p:nvPicPr>
+          <p:cNvPr id="3074" name="Picture 2"/>
+          <p:cNvPicPr>
+            <a:picLocks noChangeAspect="1" noChangeArrowheads="1"/>
+          </p:cNvPicPr>
+          <p:nvPr/>
+        </p:nvPicPr>
+        <p:blipFill>
+          <a:blip r:embed="rId2">
+            <a:extLst>
+              <a:ext uri="{28A0092B-C50C-407E-A947-70E740481C1C}">
+                <a14:useLocalDpi xmlns:a14="http://schemas.microsoft.com/office/drawing/2010/main" val="0"/>
+              </a:ext>
+            </a:extLst>
+          </a:blip>
+          <a:srcRect/>
+          <a:stretch>
+            <a:fillRect/>
+          </a:stretch>
+        </p:blipFill>
+        <p:spPr bwMode="auto">
+          <a:xfrm>
+            <a:off x="1981200" y="2057400"/>
+            <a:ext cx="4953001" cy="4495800"/>
+          </a:xfrm>
+          <a:prstGeom prst="rect">
+            <a:avLst/>
+          </a:prstGeom>
+          <a:noFill/>
+          <a:ln>
+            <a:noFill/>
+          </a:ln>
+          <a:effectLst/>
+          <a:extLst>
+            <a:ext uri="{909E8E84-426E-40DD-AFC4-6F175D3DCCD1}">
+              <a14:hiddenFill xmlns:a14="http://schemas.microsoft.com/office/drawing/2010/main">
+                <a:solidFill>
+                  <a:schemeClr val="accent1"/>
+                </a:solidFill>
+              </a14:hiddenFill>
+            </a:ext>
+            <a:ext uri="{91240B29-F687-4F45-9708-019B960494DF}">
+              <a14:hiddenLine xmlns:a14="http://schemas.microsoft.com/office/drawing/2010/main" w="9525">
+                <a:solidFill>
+                  <a:schemeClr val="tx1"/>
+                </a:solidFill>
+                <a:miter lim="800000"/>
+                <a:headEnd/>
+                <a:tailEnd/>
+              </a14:hiddenLine>
+            </a:ext>
+            <a:ext uri="{AF507438-7753-43E0-B8FC-AC1667EBCBE1}">
+              <a14:hiddenEffects xmlns:a14="http://schemas.microsoft.com/office/drawing/2010/main">
+                <a:effectLst>
+                  <a:outerShdw dist="35921" dir="2700000" algn="ctr" rotWithShape="0">
+                    <a:schemeClr val="bg2"/>
+                  </a:outerShdw>
+                </a:effectLst>
+              </a14:hiddenEffects>
+            </a:ext>
+          </a:extLst>
+        </p:spPr>
+      </p:pic>
+      <p:sp>
+        <p:nvSpPr>
+          <p:cNvPr id="2" name="Title 1"/>
+          <p:cNvSpPr>
+            <a:spLocks noGrp="1"/>
+          </p:cNvSpPr>
+          <p:nvPr>
+            <p:ph type="title"/>
+          </p:nvPr>
+        </p:nvSpPr>
+        <p:spPr>
+          <a:xfrm>
+            <a:off x="228600" y="76200"/>
+            <a:ext cx="8534400" cy="2054352"/>
+          </a:xfrm>
+        </p:spPr>
+        <p:txBody>
+          <a:bodyPr>
+            <a:normAutofit fontScale="90000"/>
+          </a:bodyPr>
+          <a:lstStyle/>
+          <a:p>
+            <a:r>
+              <a:rPr lang="en-US" sz="2700" b="1" dirty="0" smtClean="0"/>
+              <a:t>TEAM4O</a:t>
+            </a:r>
+            <a:r>
+              <a:rPr lang="en-US" sz="2700" b="1" dirty="0" smtClean="0">
+                <a:solidFill>
+                  <a:srgbClr val="FF0000"/>
+                </a:solidFill>
+              </a:rPr>
+              <a:t>IE</a:t>
+            </a:r>
+            <a:r>
+              <a:rPr lang="en-US" sz="2700" b="1" dirty="0" smtClean="0"/>
+              <a:t>S</a:t>
+            </a:r>
+            <a:r>
+              <a:rPr lang="en-US" sz="2700" dirty="0"/>
+              <a:t/>
+            </a:r>
+            <a:br>
+              <a:rPr lang="en-US" sz="2700" dirty="0"/>
+            </a:br>
+            <a:r>
+              <a:rPr lang="en-US" sz="2700" b="1" dirty="0">
+                <a:solidFill>
+                  <a:srgbClr val="FF0000"/>
+                </a:solidFill>
+              </a:rPr>
+              <a:t>O</a:t>
+            </a:r>
+            <a:r>
+              <a:rPr lang="en-US" sz="2700" dirty="0"/>
+              <a:t>nline </a:t>
+            </a:r>
+            <a:r>
+              <a:rPr lang="en-US" sz="2700" b="1" dirty="0">
+                <a:solidFill>
+                  <a:srgbClr val="FF0000"/>
+                </a:solidFill>
+              </a:rPr>
+              <a:t>I</a:t>
+            </a:r>
+            <a:r>
+              <a:rPr lang="en-US" sz="2700" dirty="0"/>
+              <a:t>nternational </a:t>
+            </a:r>
+            <a:r>
+              <a:rPr lang="en-US" sz="2700" b="1" dirty="0">
+                <a:solidFill>
+                  <a:srgbClr val="FF0000"/>
+                </a:solidFill>
+              </a:rPr>
+              <a:t>E</a:t>
+            </a:r>
+            <a:r>
+              <a:rPr lang="en-US" sz="2700" dirty="0"/>
+              <a:t>VAR </a:t>
+            </a:r>
+            <a:r>
+              <a:rPr lang="en-US" sz="2700" b="1" dirty="0">
+                <a:solidFill>
+                  <a:srgbClr val="FF0000"/>
+                </a:solidFill>
+              </a:rPr>
+              <a:t>S</a:t>
+            </a:r>
+            <a:r>
+              <a:rPr lang="en-US" sz="2700" dirty="0"/>
+              <a:t>ystem</a:t>
+            </a:r>
+            <a:br>
+              <a:rPr lang="en-US" sz="2700" dirty="0"/>
+            </a:br>
+            <a:r>
+              <a:rPr lang="en-US" altLang="en-US" sz="2000" b="1" dirty="0">
+                <a:solidFill>
+                  <a:srgbClr val="000000"/>
+                </a:solidFill>
+              </a:rPr>
+              <a:t>(</a:t>
+            </a:r>
+            <a:r>
+              <a:rPr lang="en-US" altLang="en-US" sz="2000" b="1" dirty="0">
+                <a:solidFill>
+                  <a:srgbClr val="FF0000"/>
+                </a:solidFill>
+              </a:rPr>
+              <a:t>ANONYMIZED </a:t>
+            </a:r>
+            <a:r>
+              <a:rPr lang="en-US" altLang="en-US" sz="2000" b="1" dirty="0">
+                <a:solidFill>
+                  <a:srgbClr val="000000"/>
+                </a:solidFill>
+              </a:rPr>
+              <a:t>Long Term Follow up EVAR Database)</a:t>
+            </a:r>
+            <a:r>
+              <a:rPr lang="en-US" sz="2000" dirty="0"/>
+              <a:t> </a:t>
+            </a:r>
+            <a:br>
+              <a:rPr lang="en-US" sz="2000" dirty="0"/>
+            </a:br>
+            <a:r>
+              <a:rPr lang="en-US" sz="3600" dirty="0"/>
+              <a:t/>
+            </a:r>
+            <a:br>
+              <a:rPr lang="en-US" sz="3600" dirty="0"/>
+            </a:br>
+            <a:r>
+              <a:rPr lang="en-US" dirty="0" smtClean="0"/>
+              <a:t>Data Design – Relational Model</a:t>
+            </a:r>
+            <a:endParaRPr lang="en-US" dirty="0"/>
+          </a:p>
+        </p:txBody>
+      </p:sp>
+      <p:pic>
+        <p:nvPicPr>
+          <p:cNvPr id="5" name="Content Placeholder 4"/>
+          <p:cNvPicPr>
+            <a:picLocks noGrp="1" noChangeAspect="1"/>
+          </p:cNvPicPr>
+          <p:nvPr>
+            <p:ph sz="quarter" idx="1"/>
+          </p:nvPr>
+        </p:nvPicPr>
+        <p:blipFill>
+          <a:blip r:embed="rId3"/>
+          <a:stretch>
+            <a:fillRect/>
+          </a:stretch>
+        </p:blipFill>
+        <p:spPr>
+          <a:xfrm>
+            <a:off x="1981200" y="2057400"/>
+            <a:ext cx="4953000" cy="4495800"/>
+          </a:xfrm>
+          <a:prstGeom prst="rect">
+            <a:avLst/>
+          </a:prstGeom>
+        </p:spPr>
+      </p:pic>
+      <p:sp>
+        <p:nvSpPr>
+          <p:cNvPr id="3" name="Notched Right Arrow 2"/>
+          <p:cNvSpPr/>
+          <p:nvPr/>
+        </p:nvSpPr>
+        <p:spPr>
+          <a:xfrm>
+            <a:off x="6934201" y="3429000"/>
+            <a:ext cx="1905000" cy="1066800"/>
+          </a:xfrm>
+          <a:prstGeom prst="notchedRightArrow">
+            <a:avLst/>
+          </a:prstGeom>
+        </p:spPr>
+        <p:style>
+          <a:lnRef idx="2">
+            <a:schemeClr val="accent1">
+              <a:shade val="50000"/>
+            </a:schemeClr>
+          </a:lnRef>
+          <a:fillRef idx="1">
+            <a:schemeClr val="accent1"/>
+          </a:fillRef>
+          <a:effectRef idx="0">
+            <a:schemeClr val="accent1"/>
+          </a:effectRef>
+          <a:fontRef idx="minor">
+            <a:schemeClr val="lt1"/>
+          </a:fontRef>
+        </p:style>
+        <p:txBody>
+          <a:bodyPr rtlCol="0" anchor="ctr"/>
+          <a:lstStyle/>
+          <a:p>
+            <a:pPr algn="ctr"/>
+            <a:endParaRPr lang="en-US">
+              <a:solidFill>
+                <a:prstClr val="white"/>
+              </a:solidFill>
+            </a:endParaRPr>
+          </a:p>
+        </p:txBody>
+      </p:sp>
+    </p:spTree>
+    <p:extLst>
+      <p:ext uri="{BB962C8B-B14F-4D97-AF65-F5344CB8AC3E}">
+        <p14:creationId xmlns:p14="http://schemas.microsoft.com/office/powerpoint/2010/main" val="2087581211"/>
+      </p:ext>
+    </p:extLst>
+  </p:cSld>
+  <p:clrMapOvr>
+    <a:masterClrMapping/>
+  </p:clrMapOvr>
+  <p:transition spd="slow">
+    <p:wipe/>
+  </p:transition>
+  <p:timing>
+    <p:tnLst>
+      <p:par>
+        <p:cTn id="1" dur="indefinite" restart="never" nodeType="tmRoot">
+          <p:childTnLst>
+            <p:seq concurrent="1" nextAc="seek">
+              <p:cTn id="2" dur="indefinite" nodeType="mainSeq">
+                <p:childTnLst>
+                  <p:par>
+                    <p:cTn id="3" fill="hold">
+                      <p:stCondLst>
+                        <p:cond delay="indefinite"/>
+                      </p:stCondLst>
+                      <p:childTnLst>
+                        <p:par>
+                          <p:cTn id="4" fill="hold">
+                            <p:stCondLst>
+                              <p:cond delay="0"/>
+                            </p:stCondLst>
+                            <p:childTnLst>
+                              <p:par>
+                                <p:cTn id="5" presetID="16" presetClass="entr" presetSubtype="21" fill="hold" nodeType="clickEffect">
+                                  <p:stCondLst>
+                                    <p:cond delay="0"/>
+                                  </p:stCondLst>
+                                  <p:childTnLst>
+                                    <p:set>
+                                      <p:cBhvr>
+                                        <p:cTn id="6" dur="1" fill="hold">
+                                          <p:stCondLst>
+                                            <p:cond delay="0"/>
+                                          </p:stCondLst>
+                                        </p:cTn>
+                                        <p:tgtEl>
+                                          <p:spTgt spid="5"/>
+                                        </p:tgtEl>
+                                        <p:attrNameLst>
+                                          <p:attrName>style.visibility</p:attrName>
+                                        </p:attrNameLst>
+                                      </p:cBhvr>
+                                      <p:to>
+                                        <p:strVal val="visible"/>
+                                      </p:to>
+                                    </p:set>
+                                    <p:animEffect transition="in" filter="barn(inVertical)">
+                                      <p:cBhvr>
+                                        <p:cTn id="7" dur="500"/>
+                                        <p:tgtEl>
+                                          <p:spTgt spid="5"/>
+                                        </p:tgtEl>
+                                      </p:cBhvr>
+                                    </p:animEffect>
+                                  </p:childTnLst>
+                                </p:cTn>
+                              </p:par>
+                            </p:childTnLst>
+                          </p:cTn>
+                        </p:par>
+                      </p:childTnLst>
+                    </p:cTn>
+                  </p:par>
+                  <p:par>
+                    <p:cTn id="8" fill="hold">
+                      <p:stCondLst>
+                        <p:cond delay="indefinite"/>
+                      </p:stCondLst>
+                      <p:childTnLst>
+                        <p:par>
+                          <p:cTn id="9" fill="hold">
+                            <p:stCondLst>
+                              <p:cond delay="0"/>
+                            </p:stCondLst>
+                            <p:childTnLst>
+                              <p:par>
+                                <p:cTn id="10" presetID="2" presetClass="entr" presetSubtype="8" fill="hold" grpId="0" nodeType="clickEffect">
+                                  <p:stCondLst>
+                                    <p:cond delay="0"/>
+                                  </p:stCondLst>
+                                  <p:childTnLst>
+                                    <p:set>
+                                      <p:cBhvr>
+                                        <p:cTn id="11" dur="1" fill="hold">
+                                          <p:stCondLst>
+                                            <p:cond delay="0"/>
+                                          </p:stCondLst>
+                                        </p:cTn>
+                                        <p:tgtEl>
+                                          <p:spTgt spid="3"/>
+                                        </p:tgtEl>
+                                        <p:attrNameLst>
+                                          <p:attrName>style.visibility</p:attrName>
+                                        </p:attrNameLst>
+                                      </p:cBhvr>
+                                      <p:to>
+                                        <p:strVal val="visible"/>
+                                      </p:to>
+                                    </p:set>
+                                    <p:anim calcmode="lin" valueType="num">
+                                      <p:cBhvr additive="base">
+                                        <p:cTn id="12" dur="500" fill="hold"/>
+                                        <p:tgtEl>
+                                          <p:spTgt spid="3"/>
+                                        </p:tgtEl>
+                                        <p:attrNameLst>
+                                          <p:attrName>ppt_x</p:attrName>
+                                        </p:attrNameLst>
+                                      </p:cBhvr>
+                                      <p:tavLst>
+                                        <p:tav tm="0">
+                                          <p:val>
+                                            <p:strVal val="0-#ppt_w/2"/>
+                                          </p:val>
+                                        </p:tav>
+                                        <p:tav tm="100000">
+                                          <p:val>
+                                            <p:strVal val="#ppt_x"/>
+                                          </p:val>
+                                        </p:tav>
+                                      </p:tavLst>
+                                    </p:anim>
+                                    <p:anim calcmode="lin" valueType="num">
+                                      <p:cBhvr additive="base">
+                                        <p:cTn id="13" dur="500" fill="hold"/>
+                                        <p:tgtEl>
+                                          <p:spTgt spid="3"/>
+                                        </p:tgtEl>
+                                        <p:attrNameLst>
+                                          <p:attrName>ppt_y</p:attrName>
+                                        </p:attrNameLst>
+                                      </p:cBhvr>
+                                      <p:tavLst>
+                                        <p:tav tm="0">
+                                          <p:val>
+                                            <p:strVal val="#ppt_y"/>
+                                          </p:val>
+                                        </p:tav>
+                                        <p:tav tm="100000">
+                                          <p:val>
+                                            <p:strVal val="#ppt_y"/>
+                                          </p:val>
+                                        </p:tav>
+                                      </p:tavLst>
+                                    </p:anim>
+                                  </p:childTnLst>
+                                </p:cTn>
+                              </p:par>
+                            </p:childTnLst>
+                          </p:cTn>
+                        </p:par>
+                      </p:childTnLst>
+                    </p:cTn>
+                  </p:par>
+                </p:childTnLst>
+              </p:cTn>
+              <p:prevCondLst>
+                <p:cond evt="onPrev" delay="0">
+                  <p:tgtEl>
+                    <p:sldTgt/>
+                  </p:tgtEl>
+                </p:cond>
+              </p:prevCondLst>
+              <p:nextCondLst>
+                <p:cond evt="onNext" delay="0">
+                  <p:tgtEl>
+                    <p:sldTgt/>
+                  </p:tgtEl>
+                </p:cond>
+              </p:nextCondLst>
+            </p:seq>
+          </p:childTnLst>
+        </p:cTn>
+      </p:par>
+    </p:tnLst>
+    <p:bldLst>
+      <p:bldP spid="3" grpId="0" animBg="1"/>
+    </p:bldLst>
+  </p:timing>
+</p:sld>
+</file>
+
+<file path=ppt/slides/slide6.xml><?xml version="1.0" encoding="utf-8"?>
+<p:sld xmlns:a="http://schemas.openxmlformats.org/drawingml/2006/main" xmlns:r="http://schemas.openxmlformats.org/officeDocument/2006/relationships" xmlns:p="http://schemas.openxmlformats.org/presentationml/2006/main">
+  <p:cSld>
+    <p:spTree>
+      <p:nvGrpSpPr>
+        <p:cNvPr id="1" name=""/>
+        <p:cNvGrpSpPr/>
+        <p:nvPr/>
+      </p:nvGrpSpPr>
+      <p:grpSpPr>
+        <a:xfrm>
+          <a:off x="0" y="0"/>
+          <a:ext cx="0" cy="0"/>
+          <a:chOff x="0" y="0"/>
+          <a:chExt cx="0" cy="0"/>
+        </a:xfrm>
+      </p:grpSpPr>
+      <p:sp>
+        <p:nvSpPr>
+          <p:cNvPr id="2" name="Title 1"/>
+          <p:cNvSpPr>
+            <a:spLocks noGrp="1"/>
+          </p:cNvSpPr>
+          <p:nvPr>
+            <p:ph type="title"/>
+          </p:nvPr>
+        </p:nvSpPr>
+        <p:spPr/>
+        <p:txBody>
+          <a:bodyPr>
+            <a:noAutofit/>
+          </a:bodyPr>
+          <a:lstStyle/>
+          <a:p>
+            <a:r>
+              <a:rPr lang="en-US" sz="1800" b="1" dirty="0"/>
+              <a:t>TEAM4O</a:t>
+            </a:r>
+            <a:r>
+              <a:rPr lang="en-US" sz="1800" b="1" dirty="0">
+                <a:solidFill>
+                  <a:srgbClr val="FF0000"/>
+                </a:solidFill>
+              </a:rPr>
+              <a:t>IE</a:t>
+            </a:r>
+            <a:r>
+              <a:rPr lang="en-US" sz="1800" b="1" dirty="0"/>
+              <a:t>S</a:t>
+            </a:r>
+            <a:r>
+              <a:rPr lang="en-US" sz="1800" dirty="0"/>
+              <a:t/>
+            </a:r>
+            <a:br>
+              <a:rPr lang="en-US" sz="1800" dirty="0"/>
+            </a:br>
+            <a:r>
+              <a:rPr lang="en-US" sz="1800" b="1" dirty="0">
+                <a:solidFill>
+                  <a:srgbClr val="FF0000"/>
+                </a:solidFill>
+              </a:rPr>
+              <a:t>O</a:t>
+            </a:r>
+            <a:r>
+              <a:rPr lang="en-US" sz="1800" dirty="0"/>
+              <a:t>nline </a:t>
+            </a:r>
+            <a:r>
+              <a:rPr lang="en-US" sz="1800" b="1" dirty="0">
+                <a:solidFill>
+                  <a:srgbClr val="FF0000"/>
+                </a:solidFill>
+              </a:rPr>
+              <a:t>I</a:t>
+            </a:r>
+            <a:r>
+              <a:rPr lang="en-US" sz="1800" dirty="0"/>
+              <a:t>nternational </a:t>
+            </a:r>
+            <a:r>
+              <a:rPr lang="en-US" sz="1800" b="1" dirty="0">
+                <a:solidFill>
+                  <a:srgbClr val="FF0000"/>
+                </a:solidFill>
+              </a:rPr>
+              <a:t>E</a:t>
+            </a:r>
+            <a:r>
+              <a:rPr lang="en-US" sz="1800" dirty="0"/>
+              <a:t>VAR </a:t>
+            </a:r>
+            <a:r>
+              <a:rPr lang="en-US" sz="1800" b="1" dirty="0">
+                <a:solidFill>
+                  <a:srgbClr val="FF0000"/>
+                </a:solidFill>
+              </a:rPr>
+              <a:t>S</a:t>
+            </a:r>
+            <a:r>
+              <a:rPr lang="en-US" sz="1800" dirty="0"/>
+              <a:t>ystem</a:t>
+            </a:r>
+            <a:br>
+              <a:rPr lang="en-US" sz="1800" dirty="0"/>
+            </a:br>
+            <a:r>
+              <a:rPr lang="en-US" altLang="en-US" sz="1400" b="1" dirty="0">
+                <a:solidFill>
+                  <a:srgbClr val="000000"/>
+                </a:solidFill>
+              </a:rPr>
+              <a:t>(</a:t>
+            </a:r>
+            <a:r>
+              <a:rPr lang="en-US" altLang="en-US" sz="1400" b="1" dirty="0">
+                <a:solidFill>
+                  <a:srgbClr val="FF0000"/>
+                </a:solidFill>
+              </a:rPr>
+              <a:t>ANONYMIZED </a:t>
+            </a:r>
+            <a:r>
+              <a:rPr lang="en-US" altLang="en-US" sz="1400" b="1" dirty="0">
+                <a:solidFill>
+                  <a:srgbClr val="000000"/>
+                </a:solidFill>
+              </a:rPr>
+              <a:t>Long Term Follow up EVAR Database)</a:t>
+            </a:r>
+            <a:endParaRPr lang="en-US" sz="1400" dirty="0"/>
+          </a:p>
+        </p:txBody>
+      </p:sp>
+      <p:pic>
+        <p:nvPicPr>
+          <p:cNvPr id="5" name="Content Placeholder 4"/>
+          <p:cNvPicPr>
+            <a:picLocks noGrp="1" noChangeAspect="1"/>
+          </p:cNvPicPr>
+          <p:nvPr>
+            <p:ph sz="quarter" idx="1"/>
+          </p:nvPr>
+        </p:nvPicPr>
+        <p:blipFill>
+          <a:blip r:embed="rId2"/>
+          <a:stretch>
+            <a:fillRect/>
+          </a:stretch>
+        </p:blipFill>
+        <p:spPr>
+          <a:xfrm>
+            <a:off x="4191000" y="1143000"/>
+            <a:ext cx="2151888" cy="5528485"/>
+          </a:xfrm>
+          <a:prstGeom prst="rect">
+            <a:avLst/>
+          </a:prstGeom>
+        </p:spPr>
+      </p:pic>
+      <p:pic>
+        <p:nvPicPr>
+          <p:cNvPr id="6" name="Picture 5"/>
+          <p:cNvPicPr>
+            <a:picLocks noChangeAspect="1"/>
+          </p:cNvPicPr>
+          <p:nvPr/>
+        </p:nvPicPr>
+        <p:blipFill>
+          <a:blip r:embed="rId3"/>
+          <a:stretch>
+            <a:fillRect/>
+          </a:stretch>
+        </p:blipFill>
+        <p:spPr>
+          <a:xfrm>
+            <a:off x="7010400" y="1604667"/>
+            <a:ext cx="1876425" cy="2009775"/>
+          </a:xfrm>
+          <a:prstGeom prst="rect">
+            <a:avLst/>
+          </a:prstGeom>
+        </p:spPr>
+      </p:pic>
+      <p:pic>
+        <p:nvPicPr>
+          <p:cNvPr id="7" name="Picture 6"/>
+          <p:cNvPicPr>
+            <a:picLocks noChangeAspect="1"/>
+          </p:cNvPicPr>
+          <p:nvPr/>
+        </p:nvPicPr>
+        <p:blipFill>
+          <a:blip r:embed="rId4"/>
+          <a:stretch>
+            <a:fillRect/>
+          </a:stretch>
+        </p:blipFill>
+        <p:spPr>
+          <a:xfrm>
+            <a:off x="6629400" y="3644922"/>
+            <a:ext cx="2381250" cy="2247900"/>
+          </a:xfrm>
+          <a:prstGeom prst="rect">
+            <a:avLst/>
+          </a:prstGeom>
+        </p:spPr>
+      </p:pic>
+      <p:pic>
+        <p:nvPicPr>
+          <p:cNvPr id="8" name="Picture 7"/>
+          <p:cNvPicPr>
+            <a:picLocks noChangeAspect="1"/>
+          </p:cNvPicPr>
+          <p:nvPr/>
+        </p:nvPicPr>
+        <p:blipFill>
+          <a:blip r:embed="rId5"/>
+          <a:stretch>
+            <a:fillRect/>
+          </a:stretch>
+        </p:blipFill>
+        <p:spPr>
+          <a:xfrm>
+            <a:off x="838200" y="1630702"/>
+            <a:ext cx="2141034" cy="4267200"/>
+          </a:xfrm>
+          <a:prstGeom prst="rect">
+            <a:avLst/>
+          </a:prstGeom>
+        </p:spPr>
+      </p:pic>
+    </p:spTree>
+    <p:extLst>
+      <p:ext uri="{BB962C8B-B14F-4D97-AF65-F5344CB8AC3E}">
+        <p14:creationId xmlns:p14="http://schemas.microsoft.com/office/powerpoint/2010/main" val="1935181291"/>
+      </p:ext>
+    </p:extLst>
+  </p:cSld>
+  <p:clrMapOvr>
+    <a:masterClrMapping/>
+  </p:clrMapOvr>
+  <p:timing>
+    <p:tnLst>
+      <p:par>
+        <p:cTn id="1" dur="indefinite" restart="never" nodeType="tmRoot"/>
+      </p:par>
+    </p:tnLst>
+  </p:timing>
+</p:sld>
+</file>
+
+<file path=ppt/slides/slide7.xml><?xml version="1.0" encoding="utf-8"?>
+<p:sld xmlns:a="http://schemas.openxmlformats.org/drawingml/2006/main" xmlns:r="http://schemas.openxmlformats.org/officeDocument/2006/relationships" xmlns:p="http://schemas.openxmlformats.org/presentationml/2006/main">
+  <p:cSld>
+    <p:spTree>
+      <p:nvGrpSpPr>
+        <p:cNvPr id="1" name=""/>
+        <p:cNvGrpSpPr/>
+        <p:nvPr/>
+      </p:nvGrpSpPr>
+      <p:grpSpPr>
+        <a:xfrm>
+          <a:off x="0" y="0"/>
+          <a:ext cx="0" cy="0"/>
+          <a:chOff x="0" y="0"/>
+          <a:chExt cx="0" cy="0"/>
+        </a:xfrm>
+      </p:grpSpPr>
+      <p:sp>
+        <p:nvSpPr>
+          <p:cNvPr id="4" name="Title 1"/>
+          <p:cNvSpPr txBox="1">
+            <a:spLocks/>
+          </p:cNvSpPr>
+          <p:nvPr/>
+        </p:nvSpPr>
+        <p:spPr>
+          <a:xfrm>
+            <a:off x="-76200" y="152400"/>
+            <a:ext cx="8991600" cy="1066800"/>
+          </a:xfrm>
+          <a:prstGeom prst="rect">
+            <a:avLst/>
+          </a:prstGeom>
+        </p:spPr>
+        <p:txBody>
+          <a:bodyPr vert="horz" anchor="b">
+            <a:normAutofit fontScale="47500" lnSpcReduction="20000"/>
+          </a:bodyPr>
+          <a:lstStyle>
+            <a:lvl1pPr algn="ctr" rtl="0" eaLnBrk="1" latinLnBrk="0" hangingPunct="1">
+              <a:spcBef>
+                <a:spcPct val="0"/>
+              </a:spcBef>
+              <a:buNone/>
+              <a:defRPr kumimoji="0" sz="3300" kern="1200">
+                <a:solidFill>
+                  <a:schemeClr val="accent3">
+                    <a:shade val="75000"/>
+                  </a:schemeClr>
+                </a:solidFill>
+                <a:latin typeface="+mj-lt"/>
+                <a:ea typeface="+mj-ea"/>
+                <a:cs typeface="+mj-cs"/>
+              </a:defRPr>
+            </a:lvl1pPr>
+          </a:lstStyle>
+          <a:p>
+            <a:r>
+              <a:rPr lang="en-US" sz="3200" b="1" dirty="0" smtClean="0">
+                <a:solidFill>
+                  <a:srgbClr val="8CADAE">
+                    <a:shade val="75000"/>
+                  </a:srgbClr>
+                </a:solidFill>
+              </a:rPr>
+              <a:t>TEAM</a:t>
+            </a:r>
+            <a:r>
+              <a:rPr lang="en-US" sz="3200" b="1" dirty="0" smtClean="0">
+                <a:solidFill>
+                  <a:srgbClr val="FF0000"/>
+                </a:solidFill>
+              </a:rPr>
+              <a:t>4</a:t>
+            </a:r>
+            <a:r>
+              <a:rPr lang="en-US" sz="3200" b="1" dirty="0" smtClean="0">
+                <a:solidFill>
+                  <a:srgbClr val="8CADAE">
+                    <a:shade val="75000"/>
+                  </a:srgbClr>
+                </a:solidFill>
+              </a:rPr>
+              <a:t>O</a:t>
+            </a:r>
+            <a:r>
+              <a:rPr lang="en-US" sz="3200" b="1" dirty="0" smtClean="0">
+                <a:solidFill>
+                  <a:srgbClr val="FF0000"/>
+                </a:solidFill>
+              </a:rPr>
+              <a:t>IE</a:t>
+            </a:r>
+            <a:r>
+              <a:rPr lang="en-US" sz="3200" b="1" dirty="0" smtClean="0">
+                <a:solidFill>
+                  <a:srgbClr val="8CADAE">
+                    <a:shade val="75000"/>
+                  </a:srgbClr>
+                </a:solidFill>
+              </a:rPr>
+              <a:t>S</a:t>
+            </a:r>
+            <a:r>
+              <a:rPr lang="en-US" sz="3200" dirty="0" smtClean="0">
+                <a:solidFill>
+                  <a:srgbClr val="8CADAE">
+                    <a:shade val="75000"/>
+                  </a:srgbClr>
+                </a:solidFill>
+              </a:rPr>
+              <a:t/>
+            </a:r>
+            <a:br>
+              <a:rPr lang="en-US" sz="3200" dirty="0" smtClean="0">
+                <a:solidFill>
+                  <a:srgbClr val="8CADAE">
+                    <a:shade val="75000"/>
+                  </a:srgbClr>
+                </a:solidFill>
+              </a:rPr>
+            </a:br>
+            <a:r>
+              <a:rPr lang="en-US" sz="3200" b="1" dirty="0" smtClean="0">
+                <a:solidFill>
+                  <a:srgbClr val="FF0000"/>
+                </a:solidFill>
+              </a:rPr>
+              <a:t>O</a:t>
+            </a:r>
+            <a:r>
+              <a:rPr lang="en-US" sz="3200" dirty="0" smtClean="0">
+                <a:solidFill>
+                  <a:srgbClr val="8CADAE">
+                    <a:shade val="75000"/>
+                  </a:srgbClr>
+                </a:solidFill>
+              </a:rPr>
+              <a:t>nline </a:t>
+            </a:r>
+            <a:r>
+              <a:rPr lang="en-US" sz="3200" b="1" dirty="0" smtClean="0">
+                <a:solidFill>
+                  <a:srgbClr val="FF0000"/>
+                </a:solidFill>
+              </a:rPr>
+              <a:t>I</a:t>
+            </a:r>
+            <a:r>
+              <a:rPr lang="en-US" sz="3200" dirty="0" smtClean="0">
+                <a:solidFill>
+                  <a:srgbClr val="8CADAE">
+                    <a:shade val="75000"/>
+                  </a:srgbClr>
+                </a:solidFill>
+              </a:rPr>
+              <a:t>nternational </a:t>
+            </a:r>
+            <a:r>
+              <a:rPr lang="en-US" sz="3200" b="1" dirty="0" smtClean="0">
+                <a:solidFill>
+                  <a:srgbClr val="FF0000"/>
+                </a:solidFill>
+              </a:rPr>
+              <a:t>E</a:t>
+            </a:r>
+            <a:r>
+              <a:rPr lang="en-US" sz="3200" dirty="0" smtClean="0">
+                <a:solidFill>
+                  <a:srgbClr val="8CADAE">
+                    <a:shade val="75000"/>
+                  </a:srgbClr>
+                </a:solidFill>
+              </a:rPr>
+              <a:t>VAR </a:t>
+            </a:r>
+            <a:r>
+              <a:rPr lang="en-US" sz="3200" b="1" dirty="0" smtClean="0">
+                <a:solidFill>
+                  <a:srgbClr val="FF0000"/>
+                </a:solidFill>
+              </a:rPr>
+              <a:t>S</a:t>
+            </a:r>
+            <a:r>
+              <a:rPr lang="en-US" sz="3200" dirty="0" smtClean="0">
+                <a:solidFill>
+                  <a:srgbClr val="8CADAE">
+                    <a:shade val="75000"/>
+                  </a:srgbClr>
+                </a:solidFill>
+              </a:rPr>
+              <a:t>ystem</a:t>
+            </a:r>
+            <a:br>
+              <a:rPr lang="en-US" sz="3200" dirty="0" smtClean="0">
+                <a:solidFill>
+                  <a:srgbClr val="8CADAE">
+                    <a:shade val="75000"/>
+                  </a:srgbClr>
+                </a:solidFill>
+              </a:rPr>
+            </a:br>
+            <a:r>
+              <a:rPr lang="en-US" altLang="en-US" sz="2000" b="1" dirty="0" smtClean="0">
+                <a:solidFill>
+                  <a:srgbClr val="000000"/>
+                </a:solidFill>
+              </a:rPr>
+              <a:t>(</a:t>
+            </a:r>
+            <a:r>
+              <a:rPr lang="en-US" altLang="en-US" sz="2000" b="1" dirty="0" smtClean="0">
+                <a:solidFill>
+                  <a:srgbClr val="FF0000"/>
+                </a:solidFill>
+              </a:rPr>
+              <a:t>ANONYMIZED </a:t>
+            </a:r>
+            <a:r>
+              <a:rPr lang="en-US" altLang="en-US" sz="2000" b="1" dirty="0" smtClean="0">
+                <a:solidFill>
+                  <a:srgbClr val="000000"/>
+                </a:solidFill>
+              </a:rPr>
+              <a:t>Long Term Follow up EVAR Database)</a:t>
+            </a:r>
+            <a:r>
+              <a:rPr lang="en-US" sz="3200" dirty="0" smtClean="0">
+                <a:solidFill>
+                  <a:srgbClr val="8CADAE">
+                    <a:shade val="75000"/>
+                  </a:srgbClr>
+                </a:solidFill>
+              </a:rPr>
+              <a:t> </a:t>
+            </a:r>
+            <a:br>
+              <a:rPr lang="en-US" sz="3200" dirty="0" smtClean="0">
+                <a:solidFill>
+                  <a:srgbClr val="8CADAE">
+                    <a:shade val="75000"/>
+                  </a:srgbClr>
+                </a:solidFill>
+              </a:rPr>
+            </a:br>
+            <a:r>
+              <a:rPr lang="en-US" sz="3200" dirty="0" smtClean="0">
+                <a:solidFill>
+                  <a:srgbClr val="2323F7"/>
+                </a:solidFill>
+              </a:rPr>
+              <a:t>PRESENTATION</a:t>
+            </a:r>
+            <a:r>
+              <a:rPr lang="en-US" sz="3200" dirty="0" smtClean="0">
+                <a:solidFill>
+                  <a:srgbClr val="8CADAE">
+                    <a:shade val="75000"/>
+                  </a:srgbClr>
+                </a:solidFill>
+              </a:rPr>
+              <a:t/>
+            </a:r>
+            <a:br>
+              <a:rPr lang="en-US" sz="3200" dirty="0" smtClean="0">
+                <a:solidFill>
+                  <a:srgbClr val="8CADAE">
+                    <a:shade val="75000"/>
+                  </a:srgbClr>
+                </a:solidFill>
+              </a:rPr>
+            </a:br>
+            <a:r>
+              <a:rPr lang="en-US" sz="3200" dirty="0" smtClean="0">
+                <a:solidFill>
+                  <a:srgbClr val="8CADAE">
+                    <a:shade val="75000"/>
+                  </a:srgbClr>
+                </a:solidFill>
+              </a:rPr>
+              <a:t>Spring 2015</a:t>
+            </a:r>
+            <a:endParaRPr lang="en-US" sz="3200" dirty="0">
+              <a:solidFill>
+                <a:srgbClr val="8CADAE">
+                  <a:shade val="75000"/>
+                </a:srgbClr>
+              </a:solidFill>
+            </a:endParaRPr>
+          </a:p>
+        </p:txBody>
+      </p:sp>
+      <p:pic>
+        <p:nvPicPr>
+          <p:cNvPr id="4098" name="Picture 2"/>
+          <p:cNvPicPr>
+            <a:picLocks noChangeAspect="1" noChangeArrowheads="1"/>
+          </p:cNvPicPr>
+          <p:nvPr/>
+        </p:nvPicPr>
+        <p:blipFill>
+          <a:blip r:embed="rId2">
+            <a:extLst>
+              <a:ext uri="{28A0092B-C50C-407E-A947-70E740481C1C}">
+                <a14:useLocalDpi xmlns:a14="http://schemas.microsoft.com/office/drawing/2010/main" val="0"/>
+              </a:ext>
+            </a:extLst>
+          </a:blip>
+          <a:srcRect/>
+          <a:stretch>
+            <a:fillRect/>
+          </a:stretch>
+        </p:blipFill>
+        <p:spPr bwMode="auto">
+          <a:xfrm>
+            <a:off x="228600" y="1852612"/>
+            <a:ext cx="8686800" cy="4776788"/>
+          </a:xfrm>
+          <a:prstGeom prst="rect">
+            <a:avLst/>
+          </a:prstGeom>
+          <a:noFill/>
+          <a:ln>
+            <a:noFill/>
+          </a:ln>
+          <a:effectLst/>
+          <a:extLst>
+            <a:ext uri="{909E8E84-426E-40DD-AFC4-6F175D3DCCD1}">
+              <a14:hiddenFill xmlns:a14="http://schemas.microsoft.com/office/drawing/2010/main">
+                <a:solidFill>
+                  <a:schemeClr val="accent1"/>
+                </a:solidFill>
+              </a14:hiddenFill>
+            </a:ext>
+            <a:ext uri="{91240B29-F687-4F45-9708-019B960494DF}">
+              <a14:hiddenLine xmlns:a14="http://schemas.microsoft.com/office/drawing/2010/main" w="9525">
+                <a:solidFill>
+                  <a:schemeClr val="tx1"/>
+                </a:solidFill>
+                <a:miter lim="800000"/>
+                <a:headEnd/>
+                <a:tailEnd/>
+              </a14:hiddenLine>
+            </a:ext>
+            <a:ext uri="{AF507438-7753-43E0-B8FC-AC1667EBCBE1}">
+              <a14:hiddenEffects xmlns:a14="http://schemas.microsoft.com/office/drawing/2010/main">
+                <a:effectLst>
+                  <a:outerShdw dist="35921" dir="2700000" algn="ctr" rotWithShape="0">
+                    <a:schemeClr val="bg2"/>
+                  </a:outerShdw>
+                </a:effectLst>
+              </a14:hiddenEffects>
+            </a:ext>
+          </a:extLst>
+        </p:spPr>
+      </p:pic>
+      <p:sp>
+        <p:nvSpPr>
+          <p:cNvPr id="6" name="TextBox 5"/>
+          <p:cNvSpPr txBox="1"/>
+          <p:nvPr/>
+        </p:nvSpPr>
+        <p:spPr>
+          <a:xfrm>
+            <a:off x="228600" y="1371600"/>
+            <a:ext cx="2919389" cy="369332"/>
+          </a:xfrm>
+          <a:prstGeom prst="rect">
+            <a:avLst/>
+          </a:prstGeom>
+          <a:noFill/>
+        </p:spPr>
+        <p:txBody>
+          <a:bodyPr wrap="none" rtlCol="0">
+            <a:spAutoFit/>
+          </a:bodyPr>
+          <a:lstStyle/>
+          <a:p>
+            <a:r>
+              <a:rPr lang="en-US" b="1" dirty="0">
+                <a:solidFill>
+                  <a:prstClr val="black"/>
+                </a:solidFill>
+              </a:rPr>
+              <a:t>Relational </a:t>
+            </a:r>
+            <a:r>
+              <a:rPr lang="en-US" b="1" dirty="0" smtClean="0">
+                <a:solidFill>
+                  <a:prstClr val="black"/>
+                </a:solidFill>
+              </a:rPr>
+              <a:t>Model: 3NF </a:t>
+            </a:r>
+            <a:endParaRPr lang="en-US" b="1" dirty="0">
+              <a:solidFill>
+                <a:prstClr val="black"/>
+              </a:solidFill>
+            </a:endParaRPr>
+          </a:p>
+        </p:txBody>
+      </p:sp>
+    </p:spTree>
+    <p:extLst>
+      <p:ext uri="{BB962C8B-B14F-4D97-AF65-F5344CB8AC3E}">
+        <p14:creationId xmlns:p14="http://schemas.microsoft.com/office/powerpoint/2010/main" val="1506359516"/>
+      </p:ext>
+    </p:extLst>
+  </p:cSld>
+  <p:clrMapOvr>
+    <a:masterClrMapping/>
+  </p:clrMapOvr>
+  <p:timing>
+    <p:tnLst>
+      <p:par>
+        <p:cTn id="1" dur="indefinite" restart="never" nodeType="tmRoot"/>
+      </p:par>
+    </p:tnLst>
+  </p:timing>
+</p:sld>
+</file>
+
+<file path=ppt/slides/slide8.xml><?xml version="1.0" encoding="utf-8"?>
+<p:sld xmlns:a="http://schemas.openxmlformats.org/drawingml/2006/main" xmlns:r="http://schemas.openxmlformats.org/officeDocument/2006/relationships" xmlns:p="http://schemas.openxmlformats.org/presentationml/2006/main">
+  <p:cSld>
+    <p:spTree>
+      <p:nvGrpSpPr>
+        <p:cNvPr id="1" name=""/>
+        <p:cNvGrpSpPr/>
+        <p:nvPr/>
+      </p:nvGrpSpPr>
+      <p:grpSpPr>
+        <a:xfrm>
+          <a:off x="0" y="0"/>
+          <a:ext cx="0" cy="0"/>
+          <a:chOff x="0" y="0"/>
+          <a:chExt cx="0" cy="0"/>
+        </a:xfrm>
+      </p:grpSpPr>
+      <p:sp>
+        <p:nvSpPr>
+          <p:cNvPr id="2" name="Title 1"/>
+          <p:cNvSpPr>
+            <a:spLocks noGrp="1"/>
+          </p:cNvSpPr>
+          <p:nvPr>
+            <p:ph type="title"/>
+          </p:nvPr>
+        </p:nvSpPr>
+        <p:spPr/>
+        <p:txBody>
+          <a:bodyPr>
+            <a:noAutofit/>
+          </a:bodyPr>
+          <a:lstStyle/>
+          <a:p>
+            <a:r>
+              <a:rPr lang="en-US" sz="2000" b="1" dirty="0"/>
+              <a:t>TEAM4O</a:t>
+            </a:r>
+            <a:r>
+              <a:rPr lang="en-US" sz="2000" b="1" dirty="0">
+                <a:solidFill>
+                  <a:srgbClr val="FF0000"/>
+                </a:solidFill>
+              </a:rPr>
+              <a:t>IE</a:t>
+            </a:r>
+            <a:r>
+              <a:rPr lang="en-US" sz="2000" b="1" dirty="0"/>
+              <a:t>S</a:t>
+            </a:r>
+            <a:r>
+              <a:rPr lang="en-US" sz="2000" dirty="0"/>
+              <a:t/>
+            </a:r>
+            <a:br>
+              <a:rPr lang="en-US" sz="2000" dirty="0"/>
+            </a:br>
+            <a:r>
+              <a:rPr lang="en-US" sz="2000" b="1" dirty="0">
+                <a:solidFill>
+                  <a:srgbClr val="FF0000"/>
+                </a:solidFill>
+              </a:rPr>
+              <a:t>O</a:t>
+            </a:r>
+            <a:r>
+              <a:rPr lang="en-US" sz="2000" dirty="0"/>
+              <a:t>nline </a:t>
+            </a:r>
+            <a:r>
+              <a:rPr lang="en-US" sz="2000" b="1" dirty="0">
+                <a:solidFill>
+                  <a:srgbClr val="FF0000"/>
+                </a:solidFill>
+              </a:rPr>
+              <a:t>I</a:t>
+            </a:r>
+            <a:r>
+              <a:rPr lang="en-US" sz="2000" dirty="0"/>
+              <a:t>nternational </a:t>
+            </a:r>
+            <a:r>
+              <a:rPr lang="en-US" sz="2000" b="1" dirty="0">
+                <a:solidFill>
+                  <a:srgbClr val="FF0000"/>
+                </a:solidFill>
+              </a:rPr>
+              <a:t>E</a:t>
+            </a:r>
+            <a:r>
+              <a:rPr lang="en-US" sz="2000" dirty="0"/>
+              <a:t>VAR </a:t>
+            </a:r>
+            <a:r>
+              <a:rPr lang="en-US" sz="2000" b="1" dirty="0">
+                <a:solidFill>
+                  <a:srgbClr val="FF0000"/>
+                </a:solidFill>
+              </a:rPr>
+              <a:t>S</a:t>
+            </a:r>
+            <a:r>
+              <a:rPr lang="en-US" sz="2000" dirty="0"/>
+              <a:t>ystem</a:t>
+            </a:r>
+            <a:br>
+              <a:rPr lang="en-US" sz="2000" dirty="0"/>
+            </a:br>
+            <a:r>
+              <a:rPr lang="en-US" altLang="en-US" sz="1600" b="1" dirty="0">
+                <a:solidFill>
+                  <a:srgbClr val="000000"/>
+                </a:solidFill>
+              </a:rPr>
+              <a:t>(</a:t>
+            </a:r>
+            <a:r>
+              <a:rPr lang="en-US" altLang="en-US" sz="1600" b="1" dirty="0">
+                <a:solidFill>
+                  <a:srgbClr val="FF0000"/>
+                </a:solidFill>
+              </a:rPr>
+              <a:t>ANONYMIZED </a:t>
+            </a:r>
+            <a:r>
+              <a:rPr lang="en-US" altLang="en-US" sz="1600" b="1" dirty="0">
+                <a:solidFill>
+                  <a:srgbClr val="000000"/>
+                </a:solidFill>
+              </a:rPr>
+              <a:t>Long Term Follow up EVAR Database</a:t>
+            </a:r>
+            <a:r>
+              <a:rPr lang="en-US" altLang="en-US" sz="1600" b="1" dirty="0" smtClean="0">
+                <a:solidFill>
+                  <a:srgbClr val="000000"/>
+                </a:solidFill>
+              </a:rPr>
+              <a:t>)</a:t>
+            </a:r>
+            <a:endParaRPr lang="en-US" sz="4400" dirty="0"/>
+          </a:p>
+        </p:txBody>
+      </p:sp>
+      <p:sp>
+        <p:nvSpPr>
+          <p:cNvPr id="11" name="TextBox 10"/>
+          <p:cNvSpPr txBox="1"/>
+          <p:nvPr/>
+        </p:nvSpPr>
+        <p:spPr>
+          <a:xfrm>
+            <a:off x="423339" y="2294158"/>
+            <a:ext cx="2612732" cy="4732065"/>
+          </a:xfrm>
+          <a:prstGeom prst="rect">
+            <a:avLst/>
+          </a:prstGeom>
+          <a:noFill/>
+        </p:spPr>
+        <p:txBody>
+          <a:bodyPr wrap="square" rtlCol="0">
+            <a:spAutoFit/>
+          </a:bodyPr>
+          <a:lstStyle/>
+          <a:p>
+            <a:pPr marL="214313" indent="-214313">
+              <a:buFont typeface="Arial" panose="020B0604020202020204" pitchFamily="34" charset="0"/>
+              <a:buChar char="•"/>
+            </a:pPr>
+            <a:r>
+              <a:rPr lang="en-US" sz="2400" dirty="0" smtClean="0"/>
+              <a:t>Tracks and monitors visitors</a:t>
+            </a:r>
+          </a:p>
+          <a:p>
+            <a:pPr marL="214313" indent="-214313">
+              <a:buFont typeface="Arial" panose="020B0604020202020204" pitchFamily="34" charset="0"/>
+              <a:buChar char="•"/>
+            </a:pPr>
+            <a:r>
+              <a:rPr lang="en-US" sz="2400" dirty="0" smtClean="0"/>
+              <a:t>Works on mobile devices</a:t>
+            </a:r>
+          </a:p>
+          <a:p>
+            <a:pPr marL="214313" indent="-214313">
+              <a:buFont typeface="Arial" panose="020B0604020202020204" pitchFamily="34" charset="0"/>
+              <a:buChar char="•"/>
+            </a:pPr>
+            <a:r>
+              <a:rPr lang="en-US" sz="2400" dirty="0" smtClean="0"/>
+              <a:t>Easy integration with other tools/services</a:t>
+            </a:r>
+          </a:p>
+          <a:p>
+            <a:pPr marL="214313" indent="-214313">
+              <a:buFont typeface="Arial" panose="020B0604020202020204" pitchFamily="34" charset="0"/>
+              <a:buChar char="•"/>
+            </a:pPr>
+            <a:endParaRPr lang="en-US" sz="2400" dirty="0" smtClean="0"/>
+          </a:p>
+          <a:p>
+            <a:pPr marL="214313" indent="-214313">
+              <a:buFont typeface="Arial" panose="020B0604020202020204" pitchFamily="34" charset="0"/>
+              <a:buChar char="•"/>
+            </a:pPr>
+            <a:endParaRPr lang="en-US" sz="2400" dirty="0"/>
+          </a:p>
+          <a:p>
+            <a:pPr marL="214313" indent="-214313">
+              <a:buFont typeface="Arial" panose="020B0604020202020204" pitchFamily="34" charset="0"/>
+              <a:buChar char="•"/>
+            </a:pPr>
+            <a:endParaRPr lang="en-US" sz="2400" dirty="0">
+              <a:solidFill>
+                <a:schemeClr val="bg1"/>
+              </a:solidFill>
+            </a:endParaRPr>
+          </a:p>
+          <a:p>
+            <a:pPr marL="214313" indent="-214313">
+              <a:buFont typeface="Arial" panose="020B0604020202020204" pitchFamily="34" charset="0"/>
+              <a:buChar char="•"/>
+            </a:pPr>
+            <a:endParaRPr lang="en-US" sz="2400" dirty="0">
+              <a:solidFill>
+                <a:schemeClr val="bg1"/>
+              </a:solidFill>
+            </a:endParaRPr>
+          </a:p>
+          <a:p>
+            <a:pPr marL="214313" indent="-214313">
+              <a:buFont typeface="Arial" panose="020B0604020202020204" pitchFamily="34" charset="0"/>
+              <a:buChar char="•"/>
+            </a:pPr>
+            <a:endParaRPr lang="en-US" sz="1350" dirty="0"/>
+          </a:p>
+        </p:txBody>
+      </p:sp>
+      <p:grpSp>
+        <p:nvGrpSpPr>
+          <p:cNvPr id="3" name="Group 2"/>
+          <p:cNvGrpSpPr/>
+          <p:nvPr/>
+        </p:nvGrpSpPr>
+        <p:grpSpPr>
+          <a:xfrm>
+            <a:off x="2994206" y="2107420"/>
+            <a:ext cx="3518489" cy="2716041"/>
+            <a:chOff x="3975100" y="609600"/>
+            <a:chExt cx="5862320" cy="4275373"/>
+          </a:xfrm>
+        </p:grpSpPr>
+        <p:pic>
+          <p:nvPicPr>
+            <p:cNvPr id="12" name="Picture 11"/>
+            <p:cNvPicPr/>
+            <p:nvPr/>
+          </p:nvPicPr>
+          <p:blipFill rotWithShape="1">
+            <a:blip r:embed="rId2"/>
+            <a:srcRect l="10525" t="26444" r="51413" b="25304"/>
+            <a:stretch/>
+          </p:blipFill>
+          <p:spPr bwMode="auto">
+            <a:xfrm>
+              <a:off x="3975100" y="609600"/>
+              <a:ext cx="5862320" cy="4275373"/>
+            </a:xfrm>
+            <a:prstGeom prst="rect">
+              <a:avLst/>
+            </a:prstGeom>
+            <a:ln>
+              <a:noFill/>
+            </a:ln>
+            <a:extLst>
+              <a:ext uri="{53640926-AAD7-44D8-BBD7-CCE9431645EC}">
+                <a14:shadowObscured xmlns:a14="http://schemas.microsoft.com/office/drawing/2010/main"/>
+              </a:ext>
+            </a:extLst>
+          </p:spPr>
+        </p:pic>
+        <p:pic>
+          <p:nvPicPr>
+            <p:cNvPr id="13" name="Picture 12"/>
+            <p:cNvPicPr/>
+            <p:nvPr/>
+          </p:nvPicPr>
+          <p:blipFill rotWithShape="1">
+            <a:blip r:embed="rId2"/>
+            <a:srcRect l="37109" t="26826" r="38599" b="33528"/>
+            <a:stretch/>
+          </p:blipFill>
+          <p:spPr bwMode="auto">
+            <a:xfrm>
+              <a:off x="5561158" y="645983"/>
+              <a:ext cx="4276262" cy="3512820"/>
+            </a:xfrm>
+            <a:prstGeom prst="rect">
+              <a:avLst/>
+            </a:prstGeom>
+            <a:ln>
+              <a:noFill/>
+            </a:ln>
+            <a:extLst>
+              <a:ext uri="{53640926-AAD7-44D8-BBD7-CCE9431645EC}">
+                <a14:shadowObscured xmlns:a14="http://schemas.microsoft.com/office/drawing/2010/main"/>
+              </a:ext>
+            </a:extLst>
+          </p:spPr>
+        </p:pic>
+      </p:grpSp>
+      <p:pic>
+        <p:nvPicPr>
+          <p:cNvPr id="1026" name="Picture 2" descr="https://blog.zopim.com/wp-content/uploads/2015/03/header-image-FAME.png"/>
+          <p:cNvPicPr>
+            <a:picLocks noChangeAspect="1" noChangeArrowheads="1"/>
+          </p:cNvPicPr>
+          <p:nvPr/>
+        </p:nvPicPr>
+        <p:blipFill rotWithShape="1">
+          <a:blip r:embed="rId3">
+            <a:extLst>
+              <a:ext uri="{28A0092B-C50C-407E-A947-70E740481C1C}">
+                <a14:useLocalDpi xmlns:a14="http://schemas.microsoft.com/office/drawing/2010/main" val="0"/>
+              </a:ext>
+            </a:extLst>
+          </a:blip>
+          <a:srcRect l="31963" r="31836"/>
+          <a:stretch/>
+        </p:blipFill>
+        <p:spPr bwMode="auto">
+          <a:xfrm>
+            <a:off x="6649427" y="1667143"/>
+            <a:ext cx="2314575" cy="3571875"/>
+          </a:xfrm>
+          <a:prstGeom prst="rect">
+            <a:avLst/>
+          </a:prstGeom>
+          <a:noFill/>
+          <a:extLst>
+            <a:ext uri="{909E8E84-426E-40DD-AFC4-6F175D3DCCD1}">
+              <a14:hiddenFill xmlns:a14="http://schemas.microsoft.com/office/drawing/2010/main">
+                <a:solidFill>
+                  <a:srgbClr val="FFFFFF"/>
+                </a:solidFill>
+              </a14:hiddenFill>
+            </a:ext>
+          </a:extLst>
+        </p:spPr>
+      </p:pic>
+      <p:sp>
+        <p:nvSpPr>
+          <p:cNvPr id="4" name="TextBox 3"/>
+          <p:cNvSpPr txBox="1"/>
+          <p:nvPr/>
+        </p:nvSpPr>
+        <p:spPr>
+          <a:xfrm>
+            <a:off x="762000" y="1524000"/>
+            <a:ext cx="2819400" cy="646331"/>
+          </a:xfrm>
+          <a:prstGeom prst="rect">
+            <a:avLst/>
+          </a:prstGeom>
+          <a:noFill/>
+        </p:spPr>
+        <p:txBody>
+          <a:bodyPr wrap="square" rtlCol="0">
+            <a:spAutoFit/>
+          </a:bodyPr>
+          <a:lstStyle/>
+          <a:p>
+            <a:r>
+              <a:rPr lang="en-US" sz="3600" dirty="0">
+                <a:solidFill>
+                  <a:srgbClr val="FF0000"/>
+                </a:solidFill>
+              </a:rPr>
+              <a:t>FEATURES</a:t>
+            </a:r>
+            <a:endParaRPr lang="en-US" dirty="0">
+              <a:solidFill>
+                <a:srgbClr val="FF0000"/>
+              </a:solidFill>
+            </a:endParaRPr>
+          </a:p>
+        </p:txBody>
+      </p:sp>
+      <p:pic>
+        <p:nvPicPr>
+          <p:cNvPr id="5" name="Picture 4"/>
+          <p:cNvPicPr>
+            <a:picLocks noChangeAspect="1"/>
+          </p:cNvPicPr>
+          <p:nvPr/>
+        </p:nvPicPr>
+        <p:blipFill>
+          <a:blip r:embed="rId4"/>
+          <a:stretch>
+            <a:fillRect/>
+          </a:stretch>
+        </p:blipFill>
+        <p:spPr>
+          <a:xfrm>
+            <a:off x="4447562" y="1667143"/>
+            <a:ext cx="2771775" cy="3781425"/>
+          </a:xfrm>
+          <a:prstGeom prst="rect">
+            <a:avLst/>
+          </a:prstGeom>
+        </p:spPr>
+      </p:pic>
+      <p:pic>
+        <p:nvPicPr>
+          <p:cNvPr id="6" name="Picture 5"/>
+          <p:cNvPicPr>
+            <a:picLocks noChangeAspect="1"/>
+          </p:cNvPicPr>
+          <p:nvPr/>
+        </p:nvPicPr>
+        <p:blipFill>
+          <a:blip r:embed="rId5"/>
+          <a:stretch>
+            <a:fillRect/>
+          </a:stretch>
+        </p:blipFill>
+        <p:spPr>
+          <a:xfrm>
+            <a:off x="4447561" y="1657618"/>
+            <a:ext cx="2771775" cy="3790950"/>
+          </a:xfrm>
+          <a:prstGeom prst="rect">
+            <a:avLst/>
+          </a:prstGeom>
+        </p:spPr>
+      </p:pic>
+      <p:sp>
+        <p:nvSpPr>
+          <p:cNvPr id="7" name="Rectangle 6"/>
+          <p:cNvSpPr/>
+          <p:nvPr/>
+        </p:nvSpPr>
+        <p:spPr>
+          <a:xfrm>
+            <a:off x="1727313" y="2967335"/>
+            <a:ext cx="5689379" cy="923330"/>
+          </a:xfrm>
+          <a:prstGeom prst="rect">
+            <a:avLst/>
+          </a:prstGeom>
+          <a:noFill/>
+        </p:spPr>
+        <p:txBody>
+          <a:bodyPr wrap="none" lIns="91440" tIns="45720" rIns="91440" bIns="45720">
+            <a:spAutoFit/>
+          </a:bodyPr>
+          <a:lstStyle/>
+          <a:p>
+            <a:pPr algn="ctr"/>
+            <a:r>
+              <a:rPr lang="en-US" sz="5400" cap="none" spc="0" dirty="0" smtClean="0">
+                <a:ln w="22225">
+                  <a:solidFill>
+                    <a:schemeClr val="accent2"/>
+                  </a:solidFill>
+                  <a:prstDash val="solid"/>
+                </a:ln>
+                <a:solidFill>
+                  <a:schemeClr val="accent2">
+                    <a:lumMod val="40000"/>
+                    <a:lumOff val="60000"/>
+                  </a:schemeClr>
+                </a:solidFill>
+                <a:effectLst/>
+              </a:rPr>
+              <a:t>Example TIME!!! </a:t>
+            </a:r>
+            <a:endParaRPr lang="en-US" sz="5400" cap="none" spc="0" dirty="0">
+              <a:ln w="22225">
+                <a:solidFill>
+                  <a:schemeClr val="accent2"/>
+                </a:solidFill>
+                <a:prstDash val="solid"/>
+              </a:ln>
+              <a:solidFill>
+                <a:schemeClr val="accent2">
+                  <a:lumMod val="40000"/>
+                  <a:lumOff val="60000"/>
+                </a:schemeClr>
+              </a:solidFill>
+              <a:effectLst/>
+            </a:endParaRPr>
+          </a:p>
+        </p:txBody>
+      </p:sp>
+    </p:spTree>
+    <p:extLst>
+      <p:ext uri="{BB962C8B-B14F-4D97-AF65-F5344CB8AC3E}">
+        <p14:creationId xmlns:p14="http://schemas.microsoft.com/office/powerpoint/2010/main" val="743493293"/>
+      </p:ext>
+    </p:extLst>
+  </p:cSld>
+  <p:clrMapOvr>
+    <a:masterClrMapping/>
+  </p:clrMapOvr>
+  <p:timing>
+    <p:tnLst>
+      <p:par>
+        <p:cTn id="1" dur="indefinite" restart="never" nodeType="tmRoot">
+          <p:childTnLst>
+            <p:seq concurrent="1" nextAc="seek">
+              <p:cTn id="2" dur="indefinite" nodeType="mainSeq">
+                <p:childTnLst>
+                  <p:par>
+                    <p:cTn id="3" fill="hold">
+                      <p:stCondLst>
+                        <p:cond delay="indefinite"/>
+                      </p:stCondLst>
+                      <p:childTnLst>
+                        <p:par>
+                          <p:cTn id="4" fill="hold">
+                            <p:stCondLst>
+                              <p:cond delay="0"/>
+                            </p:stCondLst>
+                            <p:childTnLst>
+                              <p:par>
+                                <p:cTn id="5" presetID="31" presetClass="entr" presetSubtype="0" fill="hold" nodeType="clickEffect">
+                                  <p:stCondLst>
+                                    <p:cond delay="0"/>
+                                  </p:stCondLst>
+                                  <p:childTnLst>
+                                    <p:set>
+                                      <p:cBhvr>
+                                        <p:cTn id="6" dur="1" fill="hold">
+                                          <p:stCondLst>
+                                            <p:cond delay="0"/>
+                                          </p:stCondLst>
+                                        </p:cTn>
+                                        <p:tgtEl>
+                                          <p:spTgt spid="5"/>
+                                        </p:tgtEl>
+                                        <p:attrNameLst>
+                                          <p:attrName>style.visibility</p:attrName>
+                                        </p:attrNameLst>
+                                      </p:cBhvr>
+                                      <p:to>
+                                        <p:strVal val="visible"/>
+                                      </p:to>
+                                    </p:set>
+                                    <p:anim calcmode="lin" valueType="num">
+                                      <p:cBhvr>
+                                        <p:cTn id="7" dur="1000" fill="hold"/>
+                                        <p:tgtEl>
+                                          <p:spTgt spid="5"/>
+                                        </p:tgtEl>
+                                        <p:attrNameLst>
+                                          <p:attrName>ppt_w</p:attrName>
+                                        </p:attrNameLst>
+                                      </p:cBhvr>
+                                      <p:tavLst>
+                                        <p:tav tm="0">
+                                          <p:val>
+                                            <p:fltVal val="0"/>
+                                          </p:val>
+                                        </p:tav>
+                                        <p:tav tm="100000">
+                                          <p:val>
+                                            <p:strVal val="#ppt_w"/>
+                                          </p:val>
+                                        </p:tav>
+                                      </p:tavLst>
+                                    </p:anim>
+                                    <p:anim calcmode="lin" valueType="num">
+                                      <p:cBhvr>
+                                        <p:cTn id="8" dur="1000" fill="hold"/>
+                                        <p:tgtEl>
+                                          <p:spTgt spid="5"/>
+                                        </p:tgtEl>
+                                        <p:attrNameLst>
+                                          <p:attrName>ppt_h</p:attrName>
+                                        </p:attrNameLst>
+                                      </p:cBhvr>
+                                      <p:tavLst>
+                                        <p:tav tm="0">
+                                          <p:val>
+                                            <p:fltVal val="0"/>
+                                          </p:val>
+                                        </p:tav>
+                                        <p:tav tm="100000">
+                                          <p:val>
+                                            <p:strVal val="#ppt_h"/>
+                                          </p:val>
+                                        </p:tav>
+                                      </p:tavLst>
+                                    </p:anim>
+                                    <p:anim calcmode="lin" valueType="num">
+                                      <p:cBhvr>
+                                        <p:cTn id="9" dur="1000" fill="hold"/>
+                                        <p:tgtEl>
+                                          <p:spTgt spid="5"/>
+                                        </p:tgtEl>
+                                        <p:attrNameLst>
+                                          <p:attrName>style.rotation</p:attrName>
+                                        </p:attrNameLst>
+                                      </p:cBhvr>
+                                      <p:tavLst>
+                                        <p:tav tm="0">
+                                          <p:val>
+                                            <p:fltVal val="90"/>
+                                          </p:val>
+                                        </p:tav>
+                                        <p:tav tm="100000">
+                                          <p:val>
+                                            <p:fltVal val="0"/>
+                                          </p:val>
+                                        </p:tav>
+                                      </p:tavLst>
+                                    </p:anim>
+                                    <p:animEffect transition="in" filter="fade">
+                                      <p:cBhvr>
+                                        <p:cTn id="10" dur="1000"/>
+                                        <p:tgtEl>
+                                          <p:spTgt spid="5"/>
+                                        </p:tgtEl>
+                                      </p:cBhvr>
+                                    </p:animEffect>
+                                  </p:childTnLst>
+                                </p:cTn>
+                              </p:par>
+                            </p:childTnLst>
+                          </p:cTn>
+                        </p:par>
+                      </p:childTnLst>
+                    </p:cTn>
+                  </p:par>
+                  <p:par>
+                    <p:cTn id="11" fill="hold">
+                      <p:stCondLst>
+                        <p:cond delay="indefinite"/>
+                      </p:stCondLst>
+                      <p:childTnLst>
+                        <p:par>
+                          <p:cTn id="12" fill="hold">
+                            <p:stCondLst>
+                              <p:cond delay="0"/>
+                            </p:stCondLst>
+                            <p:childTnLst>
+                              <p:par>
+                                <p:cTn id="13" presetID="42" presetClass="entr" presetSubtype="0" fill="hold" nodeType="clickEffect">
+                                  <p:stCondLst>
+                                    <p:cond delay="0"/>
+                                  </p:stCondLst>
+                                  <p:childTnLst>
+                                    <p:set>
+                                      <p:cBhvr>
+                                        <p:cTn id="14" dur="1" fill="hold">
+                                          <p:stCondLst>
+                                            <p:cond delay="0"/>
+                                          </p:stCondLst>
+                                        </p:cTn>
+                                        <p:tgtEl>
+                                          <p:spTgt spid="6"/>
+                                        </p:tgtEl>
+                                        <p:attrNameLst>
+                                          <p:attrName>style.visibility</p:attrName>
+                                        </p:attrNameLst>
+                                      </p:cBhvr>
+                                      <p:to>
+                                        <p:strVal val="visible"/>
+                                      </p:to>
+                                    </p:set>
+                                    <p:animEffect transition="in" filter="fade">
+                                      <p:cBhvr>
+                                        <p:cTn id="15" dur="1000"/>
+                                        <p:tgtEl>
+                                          <p:spTgt spid="6"/>
+                                        </p:tgtEl>
+                                      </p:cBhvr>
+                                    </p:animEffect>
+                                    <p:anim calcmode="lin" valueType="num">
+                                      <p:cBhvr>
+                                        <p:cTn id="16" dur="1000" fill="hold"/>
+                                        <p:tgtEl>
+                                          <p:spTgt spid="6"/>
+                                        </p:tgtEl>
+                                        <p:attrNameLst>
+                                          <p:attrName>ppt_x</p:attrName>
+                                        </p:attrNameLst>
+                                      </p:cBhvr>
+                                      <p:tavLst>
+                                        <p:tav tm="0">
+                                          <p:val>
+                                            <p:strVal val="#ppt_x"/>
+                                          </p:val>
+                                        </p:tav>
+                                        <p:tav tm="100000">
+                                          <p:val>
+                                            <p:strVal val="#ppt_x"/>
+                                          </p:val>
+                                        </p:tav>
+                                      </p:tavLst>
+                                    </p:anim>
+                                    <p:anim calcmode="lin" valueType="num">
+                                      <p:cBhvr>
+                                        <p:cTn id="17" dur="1000" fill="hold"/>
+                                        <p:tgtEl>
+                                          <p:spTgt spid="6"/>
+                                        </p:tgtEl>
+                                        <p:attrNameLst>
+                                          <p:attrName>ppt_y</p:attrName>
+                                        </p:attrNameLst>
+                                      </p:cBhvr>
+                                      <p:tavLst>
+                                        <p:tav tm="0">
+                                          <p:val>
+                                            <p:strVal val="#ppt_y+.1"/>
+                                          </p:val>
+                                        </p:tav>
+                                        <p:tav tm="100000">
+                                          <p:val>
+                                            <p:strVal val="#ppt_y"/>
+                                          </p:val>
+                                        </p:tav>
+                                      </p:tavLst>
+                                    </p:anim>
+                                  </p:childTnLst>
+                                </p:cTn>
+                              </p:par>
+                            </p:childTnLst>
+                          </p:cTn>
+                        </p:par>
+                      </p:childTnLst>
+                    </p:cTn>
+                  </p:par>
+                  <p:par>
+                    <p:cTn id="18" fill="hold">
+                      <p:stCondLst>
+                        <p:cond delay="indefinite"/>
+                      </p:stCondLst>
+                      <p:childTnLst>
+                        <p:par>
+                          <p:cTn id="19" fill="hold">
+                            <p:stCondLst>
+                              <p:cond delay="0"/>
+                            </p:stCondLst>
+                            <p:childTnLst>
+                              <p:par>
+                                <p:cTn id="20" presetID="1" presetClass="entr" presetSubtype="0" fill="hold" grpId="0" nodeType="clickEffect">
+                                  <p:stCondLst>
+                                    <p:cond delay="0"/>
+                                  </p:stCondLst>
+                                  <p:childTnLst>
+                                    <p:set>
+                                      <p:cBhvr>
+                                        <p:cTn id="21" dur="1" fill="hold">
+                                          <p:stCondLst>
+                                            <p:cond delay="0"/>
+                                          </p:stCondLst>
+                                        </p:cTn>
+                                        <p:tgtEl>
+                                          <p:spTgt spid="7"/>
+                                        </p:tgtEl>
+                                        <p:attrNameLst>
+                                          <p:attrName>style.visibility</p:attrName>
+                                        </p:attrNameLst>
+                                      </p:cBhvr>
+                                      <p:to>
+                                        <p:strVal val="visible"/>
+                                      </p:to>
+                                    </p:set>
+                                  </p:childTnLst>
+                                </p:cTn>
+                              </p:par>
+                            </p:childTnLst>
+                          </p:cTn>
+                        </p:par>
+                      </p:childTnLst>
+                    </p:cTn>
+                  </p:par>
+                </p:childTnLst>
+              </p:cTn>
+              <p:prevCondLst>
+                <p:cond evt="onPrev" delay="0">
+                  <p:tgtEl>
+                    <p:sldTgt/>
+                  </p:tgtEl>
+                </p:cond>
+              </p:prevCondLst>
+              <p:nextCondLst>
+                <p:cond evt="onNext" delay="0">
+                  <p:tgtEl>
+                    <p:sldTgt/>
+                  </p:tgtEl>
+                </p:cond>
+              </p:nextCondLst>
+            </p:seq>
+          </p:childTnLst>
+        </p:cTn>
+      </p:par>
+    </p:tnLst>
+    <p:bldLst>
+      <p:bldP spid="7" grpId="0"/>
+    </p:bldLst>
+  </p:timing>
+</p:sld>
+</file>
+
+<file path=ppt/slides/slide9.xml><?xml version="1.0" encoding="utf-8"?>
+<p:sld xmlns:a="http://schemas.openxmlformats.org/drawingml/2006/main" xmlns:r="http://schemas.openxmlformats.org/officeDocument/2006/relationships" xmlns:p="http://schemas.openxmlformats.org/presentationml/2006/main">
+  <p:cSld>
+    <p:spTree>
+      <p:nvGrpSpPr>
+        <p:cNvPr id="1" name=""/>
+        <p:cNvGrpSpPr/>
+        <p:nvPr/>
+      </p:nvGrpSpPr>
+      <p:grpSpPr>
+        <a:xfrm>
+          <a:off x="0" y="0"/>
+          <a:ext cx="0" cy="0"/>
+          <a:chOff x="0" y="0"/>
+          <a:chExt cx="0" cy="0"/>
+        </a:xfrm>
+      </p:grpSpPr>
+      <p:sp>
+        <p:nvSpPr>
+          <p:cNvPr id="2" name="Title 1"/>
+          <p:cNvSpPr>
+            <a:spLocks noGrp="1"/>
+          </p:cNvSpPr>
+          <p:nvPr>
+            <p:ph type="title"/>
+          </p:nvPr>
+        </p:nvSpPr>
+        <p:spPr>
+          <a:xfrm>
+            <a:off x="304800" y="0"/>
+            <a:ext cx="8534400" cy="2054352"/>
+          </a:xfrm>
+          <a:effectLst>
+            <a:glow rad="266700">
+              <a:schemeClr val="accent1">
+                <a:satMod val="175000"/>
+                <a:alpha val="40000"/>
+              </a:schemeClr>
+            </a:glow>
+          </a:effectLst>
+        </p:spPr>
+        <p:txBody>
+          <a:bodyPr>
+            <a:normAutofit fontScale="90000"/>
+          </a:bodyPr>
+          <a:lstStyle/>
+          <a:p>
+            <a:r>
+              <a:rPr lang="en-US" sz="2700" b="1" dirty="0" smtClean="0">
+                <a:solidFill>
+                  <a:srgbClr val="8CADAE">
+                    <a:shade val="75000"/>
+                  </a:srgbClr>
+                </a:solidFill>
+              </a:rPr>
+              <a:t>TEAM4O</a:t>
+            </a:r>
+            <a:r>
+              <a:rPr lang="en-US" sz="2700" b="1" dirty="0" smtClean="0">
+                <a:solidFill>
+                  <a:srgbClr val="FF0000"/>
+                </a:solidFill>
+              </a:rPr>
+              <a:t>IE</a:t>
+            </a:r>
+            <a:r>
+              <a:rPr lang="en-US" sz="2700" b="1" dirty="0" smtClean="0">
+                <a:solidFill>
+                  <a:srgbClr val="8CADAE">
+                    <a:shade val="75000"/>
+                  </a:srgbClr>
+                </a:solidFill>
+              </a:rPr>
+              <a:t>S</a:t>
+            </a:r>
+            <a:r>
+              <a:rPr lang="en-US" sz="2700" dirty="0">
+                <a:solidFill>
+                  <a:srgbClr val="8CADAE">
+                    <a:shade val="75000"/>
+                  </a:srgbClr>
+                </a:solidFill>
+              </a:rPr>
+              <a:t/>
+            </a:r>
+            <a:br>
+              <a:rPr lang="en-US" sz="2700" dirty="0">
+                <a:solidFill>
+                  <a:srgbClr val="8CADAE">
+                    <a:shade val="75000"/>
+                  </a:srgbClr>
+                </a:solidFill>
+              </a:rPr>
+            </a:br>
+            <a:r>
+              <a:rPr lang="en-US" sz="2700" b="1" dirty="0">
+                <a:solidFill>
+                  <a:srgbClr val="FF0000"/>
+                </a:solidFill>
+              </a:rPr>
+              <a:t>O</a:t>
+            </a:r>
+            <a:r>
+              <a:rPr lang="en-US" sz="2700" dirty="0">
+                <a:solidFill>
+                  <a:srgbClr val="8CADAE">
+                    <a:shade val="75000"/>
+                  </a:srgbClr>
+                </a:solidFill>
+              </a:rPr>
+              <a:t>nline </a:t>
+            </a:r>
+            <a:r>
+              <a:rPr lang="en-US" sz="2700" b="1" dirty="0">
+                <a:solidFill>
+                  <a:srgbClr val="FF0000"/>
+                </a:solidFill>
+              </a:rPr>
+              <a:t>I</a:t>
+            </a:r>
+            <a:r>
+              <a:rPr lang="en-US" sz="2700" dirty="0">
+                <a:solidFill>
+                  <a:srgbClr val="8CADAE">
+                    <a:shade val="75000"/>
+                  </a:srgbClr>
+                </a:solidFill>
+              </a:rPr>
+              <a:t>nternational </a:t>
+            </a:r>
+            <a:r>
+              <a:rPr lang="en-US" sz="2700" b="1" dirty="0">
+                <a:solidFill>
+                  <a:srgbClr val="FF0000"/>
+                </a:solidFill>
+              </a:rPr>
+              <a:t>E</a:t>
+            </a:r>
+            <a:r>
+              <a:rPr lang="en-US" sz="2700" dirty="0">
+                <a:solidFill>
+                  <a:srgbClr val="8CADAE">
+                    <a:shade val="75000"/>
+                  </a:srgbClr>
+                </a:solidFill>
+              </a:rPr>
+              <a:t>VAR </a:t>
+            </a:r>
+            <a:r>
+              <a:rPr lang="en-US" sz="2700" b="1" dirty="0">
+                <a:solidFill>
+                  <a:srgbClr val="FF0000"/>
+                </a:solidFill>
+              </a:rPr>
+              <a:t>S</a:t>
+            </a:r>
+            <a:r>
+              <a:rPr lang="en-US" sz="2700" dirty="0">
+                <a:solidFill>
+                  <a:srgbClr val="8CADAE">
+                    <a:shade val="75000"/>
+                  </a:srgbClr>
+                </a:solidFill>
+              </a:rPr>
+              <a:t>ystem</a:t>
+            </a:r>
+            <a:br>
+              <a:rPr lang="en-US" sz="2700" dirty="0">
+                <a:solidFill>
+                  <a:srgbClr val="8CADAE">
+                    <a:shade val="75000"/>
+                  </a:srgbClr>
+                </a:solidFill>
+              </a:rPr>
+            </a:br>
+            <a:r>
+              <a:rPr lang="en-US" altLang="en-US" sz="2000" b="1" dirty="0">
+                <a:solidFill>
+                  <a:srgbClr val="000000"/>
+                </a:solidFill>
+              </a:rPr>
+              <a:t>(</a:t>
+            </a:r>
+            <a:r>
+              <a:rPr lang="en-US" altLang="en-US" sz="2000" b="1" dirty="0">
+                <a:solidFill>
+                  <a:srgbClr val="FF0000"/>
+                </a:solidFill>
+              </a:rPr>
+              <a:t>ANONYMIZED </a:t>
+            </a:r>
+            <a:r>
+              <a:rPr lang="en-US" altLang="en-US" sz="2000" b="1" dirty="0">
+                <a:solidFill>
+                  <a:srgbClr val="000000"/>
+                </a:solidFill>
+              </a:rPr>
+              <a:t>Long Term Follow up EVAR Database)</a:t>
+            </a:r>
+            <a:r>
+              <a:rPr lang="en-US" sz="2000" dirty="0">
+                <a:solidFill>
+                  <a:srgbClr val="8CADAE">
+                    <a:shade val="75000"/>
+                  </a:srgbClr>
+                </a:solidFill>
+              </a:rPr>
+              <a:t> </a:t>
+            </a:r>
+            <a:r>
+              <a:rPr lang="en-US" sz="3600" dirty="0">
+                <a:solidFill>
+                  <a:srgbClr val="8CADAE">
+                    <a:shade val="75000"/>
+                  </a:srgbClr>
+                </a:solidFill>
+              </a:rPr>
+              <a:t/>
+            </a:r>
+            <a:br>
+              <a:rPr lang="en-US" sz="3600" dirty="0">
+                <a:solidFill>
+                  <a:srgbClr val="8CADAE">
+                    <a:shade val="75000"/>
+                  </a:srgbClr>
+                </a:solidFill>
+              </a:rPr>
+            </a:br>
+            <a:r>
+              <a:rPr lang="en-US" sz="3600" dirty="0" smtClean="0"/>
+              <a:t/>
+            </a:r>
+            <a:br>
+              <a:rPr lang="en-US" sz="3600" dirty="0" smtClean="0"/>
+            </a:br>
+            <a:r>
+              <a:rPr lang="en-US" sz="3600" dirty="0" smtClean="0">
+                <a:solidFill>
+                  <a:srgbClr val="FF0000"/>
+                </a:solidFill>
+              </a:rPr>
+              <a:t>Business Modeling: </a:t>
+            </a:r>
+            <a:r>
+              <a:rPr lang="en-US" dirty="0" smtClean="0">
+                <a:solidFill>
+                  <a:srgbClr val="FF0000"/>
+                </a:solidFill>
+              </a:rPr>
+              <a:t>UML USE CASE Model</a:t>
+            </a:r>
+            <a:endParaRPr lang="en-US" dirty="0">
+              <a:solidFill>
+                <a:srgbClr val="FF0000"/>
+              </a:solidFill>
+            </a:endParaRPr>
+          </a:p>
+        </p:txBody>
+      </p:sp>
+      <p:pic>
+        <p:nvPicPr>
+          <p:cNvPr id="4" name="Picture 3"/>
+          <p:cNvPicPr>
+            <a:picLocks noChangeAspect="1"/>
+          </p:cNvPicPr>
+          <p:nvPr/>
+        </p:nvPicPr>
+        <p:blipFill>
+          <a:blip r:embed="rId2"/>
+          <a:stretch>
+            <a:fillRect/>
+          </a:stretch>
+        </p:blipFill>
+        <p:spPr>
+          <a:xfrm>
+            <a:off x="6172200" y="2005445"/>
+            <a:ext cx="2157412" cy="4378091"/>
+          </a:xfrm>
+          <a:prstGeom prst="rect">
+            <a:avLst/>
+          </a:prstGeom>
+        </p:spPr>
+      </p:pic>
+      <p:pic>
+        <p:nvPicPr>
+          <p:cNvPr id="7" name="Picture 6"/>
+          <p:cNvPicPr>
+            <a:picLocks noChangeAspect="1"/>
+          </p:cNvPicPr>
+          <p:nvPr/>
+        </p:nvPicPr>
+        <p:blipFill>
+          <a:blip r:embed="rId3"/>
+          <a:stretch>
+            <a:fillRect/>
+          </a:stretch>
+        </p:blipFill>
+        <p:spPr>
+          <a:xfrm>
+            <a:off x="768266" y="4219574"/>
+            <a:ext cx="1652816" cy="2000777"/>
+          </a:xfrm>
+          <a:prstGeom prst="rect">
+            <a:avLst/>
+          </a:prstGeom>
+        </p:spPr>
+      </p:pic>
+      <p:pic>
+        <p:nvPicPr>
+          <p:cNvPr id="8" name="Picture 7"/>
+          <p:cNvPicPr>
+            <a:picLocks noChangeAspect="1"/>
+          </p:cNvPicPr>
+          <p:nvPr/>
+        </p:nvPicPr>
+        <p:blipFill>
+          <a:blip r:embed="rId4"/>
+          <a:stretch>
+            <a:fillRect/>
+          </a:stretch>
+        </p:blipFill>
+        <p:spPr>
+          <a:xfrm>
+            <a:off x="2592058" y="4389106"/>
+            <a:ext cx="3464584" cy="1543050"/>
+          </a:xfrm>
+          <a:prstGeom prst="rect">
+            <a:avLst/>
+          </a:prstGeom>
+        </p:spPr>
+      </p:pic>
+      <p:pic>
+        <p:nvPicPr>
+          <p:cNvPr id="9" name="Content Placeholder 8"/>
+          <p:cNvPicPr>
+            <a:picLocks noGrp="1" noChangeAspect="1"/>
+          </p:cNvPicPr>
+          <p:nvPr>
+            <p:ph sz="quarter" idx="1"/>
+          </p:nvPr>
+        </p:nvPicPr>
+        <p:blipFill>
+          <a:blip r:embed="rId5"/>
+          <a:stretch>
+            <a:fillRect/>
+          </a:stretch>
+        </p:blipFill>
+        <p:spPr>
+          <a:xfrm>
+            <a:off x="768266" y="1981061"/>
+            <a:ext cx="4610100" cy="1371600"/>
+          </a:xfrm>
+          <a:prstGeom prst="rect">
+            <a:avLst/>
+          </a:prstGeom>
+        </p:spPr>
+      </p:pic>
+      <p:pic>
+        <p:nvPicPr>
+          <p:cNvPr id="10" name="Picture 9"/>
+          <p:cNvPicPr>
+            <a:picLocks noChangeAspect="1"/>
+          </p:cNvPicPr>
+          <p:nvPr/>
+        </p:nvPicPr>
+        <p:blipFill>
+          <a:blip r:embed="rId6"/>
+          <a:stretch>
+            <a:fillRect/>
+          </a:stretch>
+        </p:blipFill>
+        <p:spPr>
+          <a:xfrm>
+            <a:off x="768266" y="3225788"/>
+            <a:ext cx="4524375" cy="809625"/>
+          </a:xfrm>
+          <a:prstGeom prst="rect">
+            <a:avLst/>
+          </a:prstGeom>
+        </p:spPr>
+      </p:pic>
+    </p:spTree>
+    <p:extLst>
+      <p:ext uri="{BB962C8B-B14F-4D97-AF65-F5344CB8AC3E}">
+        <p14:creationId xmlns:p14="http://schemas.microsoft.com/office/powerpoint/2010/main" val="3145259814"/>
+      </p:ext>
+    </p:extLst>
+  </p:cSld>
+  <p:clrMapOvr>
+    <a:masterClrMapping/>
+  </p:clrMapOvr>
+  <p:timing>
+    <p:tnLst>
+      <p:par>
+        <p:cTn id="1" dur="indefinite" restart="never" nodeType="tmRoot"/>
+      </p:par>
+    </p:tnLst>
+  </p:timing>
 </p:sld>
 </file>
 
@@ -7519,6 +15932,267 @@
 </file>
 
 <file path=ppt/theme/theme2.xml><?xml version="1.0" encoding="utf-8"?>
+<a:theme xmlns:a="http://schemas.openxmlformats.org/drawingml/2006/main" name="Office Theme">
+  <a:themeElements>
+    <a:clrScheme name="Office">
+      <a:dk1>
+        <a:sysClr val="windowText" lastClr="000000"/>
+      </a:dk1>
+      <a:lt1>
+        <a:sysClr val="window" lastClr="FFFFFF"/>
+      </a:lt1>
+      <a:dk2>
+        <a:srgbClr val="44546A"/>
+      </a:dk2>
+      <a:lt2>
+        <a:srgbClr val="E7E6E6"/>
+      </a:lt2>
+      <a:accent1>
+        <a:srgbClr val="5B9BD5"/>
+      </a:accent1>
+      <a:accent2>
+        <a:srgbClr val="ED7D31"/>
+      </a:accent2>
+      <a:accent3>
+        <a:srgbClr val="A5A5A5"/>
+      </a:accent3>
+      <a:accent4>
+        <a:srgbClr val="FFC000"/>
+      </a:accent4>
+      <a:accent5>
+        <a:srgbClr val="4472C4"/>
+      </a:accent5>
+      <a:accent6>
+        <a:srgbClr val="70AD47"/>
+      </a:accent6>
+      <a:hlink>
+        <a:srgbClr val="0563C1"/>
+      </a:hlink>
+      <a:folHlink>
+        <a:srgbClr val="954F72"/>
+      </a:folHlink>
+    </a:clrScheme>
+    <a:fontScheme name="Office">
+      <a:majorFont>
+        <a:latin typeface="Calibri Light"/>
+        <a:ea typeface=""/>
+        <a:cs typeface=""/>
+        <a:font script="Jpan" typeface="ＭＳ Ｐゴシック"/>
+        <a:font script="Hang" typeface="맑은 고딕"/>
+        <a:font script="Hans" typeface="宋体"/>
+        <a:font script="Hant" typeface="新細明體"/>
+        <a:font script="Arab" typeface="Times New Roman"/>
+        <a:font script="Hebr" typeface="Times New Roman"/>
+        <a:font script="Thai" typeface="Angsana New"/>
+        <a:font script="Ethi" typeface="Nyala"/>
+        <a:font script="Beng" typeface="Vrinda"/>
+        <a:font script="Gujr" typeface="Shruti"/>
+        <a:font script="Khmr" typeface="MoolBoran"/>
+        <a:font script="Knda" typeface="Tunga"/>
+        <a:font script="Guru" typeface="Raavi"/>
+        <a:font script="Cans" typeface="Euphemia"/>
+        <a:font script="Cher" typeface="Plantagenet Cherokee"/>
+        <a:font script="Yiii" typeface="Microsoft Yi Baiti"/>
+        <a:font script="Tibt" typeface="Microsoft Himalaya"/>
+        <a:font script="Thaa" typeface="MV Boli"/>
+        <a:font script="Deva" typeface="Mangal"/>
+        <a:font script="Telu" typeface="Gautami"/>
+        <a:font script="Taml" typeface="Latha"/>
+        <a:font script="Syrc" typeface="Estrangelo Edessa"/>
+        <a:font script="Orya" typeface="Kalinga"/>
+        <a:font script="Mlym" typeface="Kartika"/>
+        <a:font script="Laoo" typeface="DokChampa"/>
+        <a:font script="Sinh" typeface="Iskoola Pota"/>
+        <a:font script="Mong" typeface="Mongolian Baiti"/>
+        <a:font script="Viet" typeface="Times New Roman"/>
+        <a:font script="Uigh" typeface="Microsoft Uighur"/>
+        <a:font script="Geor" typeface="Sylfaen"/>
+      </a:majorFont>
+      <a:minorFont>
+        <a:latin typeface="Calibri"/>
+        <a:ea typeface=""/>
+        <a:cs typeface=""/>
+        <a:font script="Jpan" typeface="ＭＳ Ｐゴシック"/>
+        <a:font script="Hang" typeface="맑은 고딕"/>
+        <a:font script="Hans" typeface="宋体"/>
+        <a:font script="Hant" typeface="新細明體"/>
+        <a:font script="Arab" typeface="Arial"/>
+        <a:font script="Hebr" typeface="Arial"/>
+        <a:font script="Thai" typeface="Cordia New"/>
+        <a:font script="Ethi" typeface="Nyala"/>
+        <a:font script="Beng" typeface="Vrinda"/>
+        <a:font script="Gujr" typeface="Shruti"/>
+        <a:font script="Khmr" typeface="DaunPenh"/>
+        <a:font script="Knda" typeface="Tunga"/>
+        <a:font script="Guru" typeface="Raavi"/>
+        <a:font script="Cans" typeface="Euphemia"/>
+        <a:font script="Cher" typeface="Plantagenet Cherokee"/>
+        <a:font script="Yiii" typeface="Microsoft Yi Baiti"/>
+        <a:font script="Tibt" typeface="Microsoft Himalaya"/>
+        <a:font script="Thaa" typeface="MV Boli"/>
+        <a:font script="Deva" typeface="Mangal"/>
+        <a:font script="Telu" typeface="Gautami"/>
+        <a:font script="Taml" typeface="Latha"/>
+        <a:font script="Syrc" typeface="Estrangelo Edessa"/>
+        <a:font script="Orya" typeface="Kalinga"/>
+        <a:font script="Mlym" typeface="Kartika"/>
+        <a:font script="Laoo" typeface="DokChampa"/>
+        <a:font script="Sinh" typeface="Iskoola Pota"/>
+        <a:font script="Mong" typeface="Mongolian Baiti"/>
+        <a:font script="Viet" typeface="Arial"/>
+        <a:font script="Uigh" typeface="Microsoft Uighur"/>
+        <a:font script="Geor" typeface="Sylfaen"/>
+      </a:minorFont>
+    </a:fontScheme>
+    <a:fmtScheme name="Office">
+      <a:fillStyleLst>
+        <a:solidFill>
+          <a:schemeClr val="phClr"/>
+        </a:solidFill>
+        <a:gradFill rotWithShape="1">
+          <a:gsLst>
+            <a:gs pos="0">
+              <a:schemeClr val="phClr">
+                <a:lumMod val="110000"/>
+                <a:satMod val="105000"/>
+                <a:tint val="67000"/>
+              </a:schemeClr>
+            </a:gs>
+            <a:gs pos="50000">
+              <a:schemeClr val="phClr">
+                <a:lumMod val="105000"/>
+                <a:satMod val="103000"/>
+                <a:tint val="73000"/>
+              </a:schemeClr>
+            </a:gs>
+            <a:gs pos="100000">
+              <a:schemeClr val="phClr">
+                <a:lumMod val="105000"/>
+                <a:satMod val="109000"/>
+                <a:tint val="81000"/>
+              </a:schemeClr>
+            </a:gs>
+          </a:gsLst>
+          <a:lin ang="5400000" scaled="0"/>
+        </a:gradFill>
+        <a:gradFill rotWithShape="1">
+          <a:gsLst>
+            <a:gs pos="0">
+              <a:schemeClr val="phClr">
+                <a:satMod val="103000"/>
+                <a:lumMod val="102000"/>
+                <a:tint val="94000"/>
+              </a:schemeClr>
+            </a:gs>
+            <a:gs pos="50000">
+              <a:schemeClr val="phClr">
+                <a:satMod val="110000"/>
+                <a:lumMod val="100000"/>
+                <a:shade val="100000"/>
+              </a:schemeClr>
+            </a:gs>
+            <a:gs pos="100000">
+              <a:schemeClr val="phClr">
+                <a:lumMod val="99000"/>
+                <a:satMod val="120000"/>
+                <a:shade val="78000"/>
+              </a:schemeClr>
+            </a:gs>
+          </a:gsLst>
+          <a:lin ang="5400000" scaled="0"/>
+        </a:gradFill>
+      </a:fillStyleLst>
+      <a:lnStyleLst>
+        <a:ln w="6350" cap="flat" cmpd="sng" algn="ctr">
+          <a:solidFill>
+            <a:schemeClr val="phClr"/>
+          </a:solidFill>
+          <a:prstDash val="solid"/>
+          <a:miter lim="800000"/>
+        </a:ln>
+        <a:ln w="12700" cap="flat" cmpd="sng" algn="ctr">
+          <a:solidFill>
+            <a:schemeClr val="phClr"/>
+          </a:solidFill>
+          <a:prstDash val="solid"/>
+          <a:miter lim="800000"/>
+        </a:ln>
+        <a:ln w="19050" cap="flat" cmpd="sng" algn="ctr">
+          <a:solidFill>
+            <a:schemeClr val="phClr"/>
+          </a:solidFill>
+          <a:prstDash val="solid"/>
+          <a:miter lim="800000"/>
+        </a:ln>
+      </a:lnStyleLst>
+      <a:effectStyleLst>
+        <a:effectStyle>
+          <a:effectLst/>
+        </a:effectStyle>
+        <a:effectStyle>
+          <a:effectLst/>
+        </a:effectStyle>
+        <a:effectStyle>
+          <a:effectLst>
+            <a:outerShdw blurRad="57150" dist="19050" dir="5400000" algn="ctr" rotWithShape="0">
+              <a:srgbClr val="000000">
+                <a:alpha val="63000"/>
+              </a:srgbClr>
+            </a:outerShdw>
+          </a:effectLst>
+        </a:effectStyle>
+      </a:effectStyleLst>
+      <a:bgFillStyleLst>
+        <a:solidFill>
+          <a:schemeClr val="phClr"/>
+        </a:solidFill>
+        <a:solidFill>
+          <a:schemeClr val="phClr">
+            <a:tint val="95000"/>
+            <a:satMod val="170000"/>
+          </a:schemeClr>
+        </a:solidFill>
+        <a:gradFill rotWithShape="1">
+          <a:gsLst>
+            <a:gs pos="0">
+              <a:schemeClr val="phClr">
+                <a:tint val="93000"/>
+                <a:satMod val="150000"/>
+                <a:shade val="98000"/>
+                <a:lumMod val="102000"/>
+              </a:schemeClr>
+            </a:gs>
+            <a:gs pos="50000">
+              <a:schemeClr val="phClr">
+                <a:tint val="98000"/>
+                <a:satMod val="130000"/>
+                <a:shade val="90000"/>
+                <a:lumMod val="103000"/>
+              </a:schemeClr>
+            </a:gs>
+            <a:gs pos="100000">
+              <a:schemeClr val="phClr">
+                <a:shade val="63000"/>
+                <a:satMod val="120000"/>
+              </a:schemeClr>
+            </a:gs>
+          </a:gsLst>
+          <a:lin ang="5400000" scaled="0"/>
+        </a:gradFill>
+      </a:bgFillStyleLst>
+    </a:fmtScheme>
+  </a:themeElements>
+  <a:objectDefaults/>
+  <a:extraClrSchemeLst/>
+  <a:extLst>
+    <a:ext uri="{05A4C25C-085E-4340-85A3-A5531E510DB2}">
+      <thm15:themeFamily xmlns:thm15="http://schemas.microsoft.com/office/thememl/2012/main" name="Office Theme" id="{62F939B6-93AF-4DB8-9C6B-D6C7DFDC589F}" vid="{4A3C46E8-61CC-4603-A589-7422A47A8E4A}"/>
+    </a:ext>
+  </a:extLst>
+</a:theme>
+</file>
+
+<file path=ppt/theme/theme3.xml><?xml version="1.0" encoding="utf-8"?>
 <a:theme xmlns:a="http://schemas.openxmlformats.org/drawingml/2006/main" name="Office Theme">
   <a:themeElements>
     <a:clrScheme name="Office">
